--- a/report_template.pptx
+++ b/report_template.pptx
@@ -1,30 +1,30 @@
 
 <file path=ppt/presentation.xml><?xml version="1.0" encoding="utf-8"?>
-<p:presentation xmlns:a="http://schemas.openxmlformats.org/drawingml/2006/main" xmlns:r="http://schemas.openxmlformats.org/officeDocument/2006/relationships" xmlns:mc="http://schemas.openxmlformats.org/markup-compatibility/2006" xmlns:mv="urn:schemas-microsoft-com:mac:vml" xmlns:p="http://schemas.openxmlformats.org/presentationml/2006/main" xmlns:c="http://schemas.openxmlformats.org/drawingml/2006/chart" xmlns:dgm="http://schemas.openxmlformats.org/drawingml/2006/diagram" xmlns:o="urn:schemas-microsoft-com:office:office" xmlns:v="urn:schemas-microsoft-com:vml" xmlns:pvml="urn:schemas-microsoft-com:office:powerpoint" xmlns:com="http://schemas.openxmlformats.org/drawingml/2006/compatibility" xmlns:p14="http://schemas.microsoft.com/office/powerpoint/2010/main" xmlns:p15="http://schemas.microsoft.com/office/powerpoint/2012/main" autoCompressPictures="0" strictFirstAndLastChars="0" saveSubsetFonts="1">
+<p:presentation xmlns:a="http://schemas.openxmlformats.org/drawingml/2006/main" xmlns:r="http://schemas.openxmlformats.org/officeDocument/2006/relationships" xmlns:p="http://schemas.openxmlformats.org/presentationml/2006/main" strictFirstAndLastChars="0" saveSubsetFonts="1" autoCompressPictures="0">
   <p:sldMasterIdLst>
-    <p:sldMasterId id="2147483659" r:id="rId4"/>
+    <p:sldMasterId id="2147483659" r:id="rId1"/>
   </p:sldMasterIdLst>
   <p:notesMasterIdLst>
-    <p:notesMasterId r:id="rId5"/>
+    <p:notesMasterId r:id="rId14"/>
   </p:notesMasterIdLst>
   <p:sldIdLst>
-    <p:sldId id="256" r:id="rId6"/>
-    <p:sldId id="257" r:id="rId7"/>
-    <p:sldId id="258" r:id="rId8"/>
-    <p:sldId id="259" r:id="rId9"/>
-    <p:sldId id="260" r:id="rId10"/>
-    <p:sldId id="261" r:id="rId11"/>
-    <p:sldId id="262" r:id="rId12"/>
-    <p:sldId id="263" r:id="rId13"/>
-    <p:sldId id="264" r:id="rId14"/>
-    <p:sldId id="265" r:id="rId15"/>
-    <p:sldId id="266" r:id="rId16"/>
-    <p:sldId id="267" r:id="rId17"/>
+    <p:sldId id="256" r:id="rId2"/>
+    <p:sldId id="257" r:id="rId3"/>
+    <p:sldId id="258" r:id="rId4"/>
+    <p:sldId id="259" r:id="rId5"/>
+    <p:sldId id="260" r:id="rId6"/>
+    <p:sldId id="261" r:id="rId7"/>
+    <p:sldId id="262" r:id="rId8"/>
+    <p:sldId id="263" r:id="rId9"/>
+    <p:sldId id="264" r:id="rId10"/>
+    <p:sldId id="265" r:id="rId11"/>
+    <p:sldId id="266" r:id="rId12"/>
+    <p:sldId id="267" r:id="rId13"/>
   </p:sldIdLst>
-  <p:sldSz cy="5143500" cx="9144000"/>
+  <p:sldSz cx="9144000" cy="5143500" type="screen16x9"/>
   <p:notesSz cx="6858000" cy="9144000"/>
   <p:defaultTextStyle>
-    <a:defPPr lvl="0" marR="0" rtl="0" algn="l">
+    <a:defPPr marR="0" lvl="0" algn="l" rtl="0">
       <a:lnSpc>
         <a:spcPct val="100000"/>
       </a:lnSpc>
@@ -35,7 +35,7 @@
         <a:spcPts val="0"/>
       </a:spcAft>
     </a:defPPr>
-    <a:lvl1pPr lvl="0" marR="0" rtl="0" algn="l">
+    <a:lvl1pPr marR="0" lvl="0" algn="l" rtl="0">
       <a:lnSpc>
         <a:spcPct val="100000"/>
       </a:lnSpc>
@@ -49,7 +49,7 @@
         <a:srgbClr val="000000"/>
       </a:buClr>
       <a:buFont typeface="Arial"/>
-      <a:defRPr b="0" i="0" sz="1400" u="none" cap="none" strike="noStrike">
+      <a:defRPr sz="1400" b="0" i="0" u="none" strike="noStrike" cap="none">
         <a:solidFill>
           <a:srgbClr val="000000"/>
         </a:solidFill>
@@ -59,7 +59,7 @@
         <a:sym typeface="Arial"/>
       </a:defRPr>
     </a:lvl1pPr>
-    <a:lvl2pPr lvl="1" marR="0" rtl="0" algn="l">
+    <a:lvl2pPr marR="0" lvl="1" algn="l" rtl="0">
       <a:lnSpc>
         <a:spcPct val="100000"/>
       </a:lnSpc>
@@ -73,7 +73,7 @@
         <a:srgbClr val="000000"/>
       </a:buClr>
       <a:buFont typeface="Arial"/>
-      <a:defRPr b="0" i="0" sz="1400" u="none" cap="none" strike="noStrike">
+      <a:defRPr sz="1400" b="0" i="0" u="none" strike="noStrike" cap="none">
         <a:solidFill>
           <a:srgbClr val="000000"/>
         </a:solidFill>
@@ -83,7 +83,7 @@
         <a:sym typeface="Arial"/>
       </a:defRPr>
     </a:lvl2pPr>
-    <a:lvl3pPr lvl="2" marR="0" rtl="0" algn="l">
+    <a:lvl3pPr marR="0" lvl="2" algn="l" rtl="0">
       <a:lnSpc>
         <a:spcPct val="100000"/>
       </a:lnSpc>
@@ -97,7 +97,7 @@
         <a:srgbClr val="000000"/>
       </a:buClr>
       <a:buFont typeface="Arial"/>
-      <a:defRPr b="0" i="0" sz="1400" u="none" cap="none" strike="noStrike">
+      <a:defRPr sz="1400" b="0" i="0" u="none" strike="noStrike" cap="none">
         <a:solidFill>
           <a:srgbClr val="000000"/>
         </a:solidFill>
@@ -107,7 +107,7 @@
         <a:sym typeface="Arial"/>
       </a:defRPr>
     </a:lvl3pPr>
-    <a:lvl4pPr lvl="3" marR="0" rtl="0" algn="l">
+    <a:lvl4pPr marR="0" lvl="3" algn="l" rtl="0">
       <a:lnSpc>
         <a:spcPct val="100000"/>
       </a:lnSpc>
@@ -121,7 +121,7 @@
         <a:srgbClr val="000000"/>
       </a:buClr>
       <a:buFont typeface="Arial"/>
-      <a:defRPr b="0" i="0" sz="1400" u="none" cap="none" strike="noStrike">
+      <a:defRPr sz="1400" b="0" i="0" u="none" strike="noStrike" cap="none">
         <a:solidFill>
           <a:srgbClr val="000000"/>
         </a:solidFill>
@@ -131,7 +131,7 @@
         <a:sym typeface="Arial"/>
       </a:defRPr>
     </a:lvl4pPr>
-    <a:lvl5pPr lvl="4" marR="0" rtl="0" algn="l">
+    <a:lvl5pPr marR="0" lvl="4" algn="l" rtl="0">
       <a:lnSpc>
         <a:spcPct val="100000"/>
       </a:lnSpc>
@@ -145,7 +145,7 @@
         <a:srgbClr val="000000"/>
       </a:buClr>
       <a:buFont typeface="Arial"/>
-      <a:defRPr b="0" i="0" sz="1400" u="none" cap="none" strike="noStrike">
+      <a:defRPr sz="1400" b="0" i="0" u="none" strike="noStrike" cap="none">
         <a:solidFill>
           <a:srgbClr val="000000"/>
         </a:solidFill>
@@ -155,7 +155,7 @@
         <a:sym typeface="Arial"/>
       </a:defRPr>
     </a:lvl5pPr>
-    <a:lvl6pPr lvl="5" marR="0" rtl="0" algn="l">
+    <a:lvl6pPr marR="0" lvl="5" algn="l" rtl="0">
       <a:lnSpc>
         <a:spcPct val="100000"/>
       </a:lnSpc>
@@ -169,7 +169,7 @@
         <a:srgbClr val="000000"/>
       </a:buClr>
       <a:buFont typeface="Arial"/>
-      <a:defRPr b="0" i="0" sz="1400" u="none" cap="none" strike="noStrike">
+      <a:defRPr sz="1400" b="0" i="0" u="none" strike="noStrike" cap="none">
         <a:solidFill>
           <a:srgbClr val="000000"/>
         </a:solidFill>
@@ -179,7 +179,7 @@
         <a:sym typeface="Arial"/>
       </a:defRPr>
     </a:lvl6pPr>
-    <a:lvl7pPr lvl="6" marR="0" rtl="0" algn="l">
+    <a:lvl7pPr marR="0" lvl="6" algn="l" rtl="0">
       <a:lnSpc>
         <a:spcPct val="100000"/>
       </a:lnSpc>
@@ -193,7 +193,7 @@
         <a:srgbClr val="000000"/>
       </a:buClr>
       <a:buFont typeface="Arial"/>
-      <a:defRPr b="0" i="0" sz="1400" u="none" cap="none" strike="noStrike">
+      <a:defRPr sz="1400" b="0" i="0" u="none" strike="noStrike" cap="none">
         <a:solidFill>
           <a:srgbClr val="000000"/>
         </a:solidFill>
@@ -203,7 +203,7 @@
         <a:sym typeface="Arial"/>
       </a:defRPr>
     </a:lvl7pPr>
-    <a:lvl8pPr lvl="7" marR="0" rtl="0" algn="l">
+    <a:lvl8pPr marR="0" lvl="7" algn="l" rtl="0">
       <a:lnSpc>
         <a:spcPct val="100000"/>
       </a:lnSpc>
@@ -217,7 +217,7 @@
         <a:srgbClr val="000000"/>
       </a:buClr>
       <a:buFont typeface="Arial"/>
-      <a:defRPr b="0" i="0" sz="1400" u="none" cap="none" strike="noStrike">
+      <a:defRPr sz="1400" b="0" i="0" u="none" strike="noStrike" cap="none">
         <a:solidFill>
           <a:srgbClr val="000000"/>
         </a:solidFill>
@@ -227,7 +227,7 @@
         <a:sym typeface="Arial"/>
       </a:defRPr>
     </a:lvl8pPr>
-    <a:lvl9pPr lvl="8" marR="0" rtl="0" algn="l">
+    <a:lvl9pPr marR="0" lvl="8" algn="l" rtl="0">
       <a:lnSpc>
         <a:spcPct val="100000"/>
       </a:lnSpc>
@@ -241,7 +241,7 @@
         <a:srgbClr val="000000"/>
       </a:buClr>
       <a:buFont typeface="Arial"/>
-      <a:defRPr b="0" i="0" sz="1400" u="none" cap="none" strike="noStrike">
+      <a:defRPr sz="1400" b="0" i="0" u="none" strike="noStrike" cap="none">
         <a:solidFill>
           <a:srgbClr val="000000"/>
         </a:solidFill>
@@ -254,7 +254,7 @@
   </p:defaultTextStyle>
   <p:extLst>
     <p:ext uri="{EFAFB233-063F-42B5-8137-9DF3F51BA10A}">
-      <p15:sldGuideLst>
+      <p15:sldGuideLst xmlns:p15="http://schemas.microsoft.com/office/powerpoint/2012/main">
         <p15:guide id="1" orient="horz" pos="1620">
           <p15:clr>
             <a:srgbClr val="A4A3A4"/>
@@ -272,11 +272,16 @@
 </file>
 
 <file path=ppt/notesMasters/notesMaster1.xml><?xml version="1.0" encoding="utf-8"?>
-<p:notesMaster xmlns:a="http://schemas.openxmlformats.org/drawingml/2006/main" xmlns:r="http://schemas.openxmlformats.org/officeDocument/2006/relationships" xmlns:mc="http://schemas.openxmlformats.org/markup-compatibility/2006" xmlns:mv="urn:schemas-microsoft-com:mac:vml" xmlns:p="http://schemas.openxmlformats.org/presentationml/2006/main" xmlns:c="http://schemas.openxmlformats.org/drawingml/2006/chart" xmlns:dgm="http://schemas.openxmlformats.org/drawingml/2006/diagram" xmlns:o="urn:schemas-microsoft-com:office:office" xmlns:v="urn:schemas-microsoft-com:vml" xmlns:pvml="urn:schemas-microsoft-com:office:powerpoint" xmlns:com="http://schemas.openxmlformats.org/drawingml/2006/compatibility" xmlns:p14="http://schemas.microsoft.com/office/powerpoint/2010/main" xmlns:p15="http://schemas.microsoft.com/office/powerpoint/2012/main">
+<p:notesMaster xmlns:a="http://schemas.openxmlformats.org/drawingml/2006/main" xmlns:r="http://schemas.openxmlformats.org/officeDocument/2006/relationships" xmlns:p="http://schemas.openxmlformats.org/presentationml/2006/main">
   <p:cSld>
+    <p:bg>
+      <p:bgRef idx="1001">
+        <a:schemeClr val="bg1"/>
+      </p:bgRef>
+    </p:bg>
     <p:spTree>
       <p:nvGrpSpPr>
-        <p:cNvPr id="2" name="Shape 2"/>
+        <p:cNvPr id="1" name="Shape 2"/>
         <p:cNvGrpSpPr/>
         <p:nvPr/>
       </p:nvGrpSpPr>
@@ -291,9 +296,11 @@
       <p:sp>
         <p:nvSpPr>
           <p:cNvPr id="3" name="Google Shape;3;n"/>
-          <p:cNvSpPr/>
+          <p:cNvSpPr>
+            <a:spLocks noGrp="1" noRot="1" noChangeAspect="1"/>
+          </p:cNvSpPr>
           <p:nvPr>
-            <p:ph idx="2" type="sldImg"/>
+            <p:ph type="sldImg" idx="2"/>
           </p:nvPr>
         </p:nvSpPr>
         <p:spPr>
@@ -302,9 +309,13 @@
             <a:ext cx="6096075" cy="3429000"/>
           </a:xfrm>
           <a:custGeom>
-            <a:rect b="b" l="l" r="r" t="t"/>
+            <a:avLst/>
+            <a:gdLst/>
+            <a:ahLst/>
+            <a:cxnLst/>
+            <a:rect l="l" t="t" r="r" b="b"/>
             <a:pathLst>
-              <a:path extrusionOk="0" h="120000" w="120000">
+              <a:path w="120000" h="120000" extrusionOk="0">
                 <a:moveTo>
                   <a:pt x="0" y="0"/>
                 </a:moveTo>
@@ -322,23 +333,25 @@
             </a:pathLst>
           </a:custGeom>
           <a:noFill/>
-          <a:ln cap="flat" cmpd="sng" w="9525">
+          <a:ln w="9525" cap="flat" cmpd="sng">
             <a:solidFill>
               <a:srgbClr val="000000"/>
             </a:solidFill>
             <a:prstDash val="solid"/>
             <a:round/>
-            <a:headEnd len="sm" w="sm" type="none"/>
-            <a:tailEnd len="sm" w="sm" type="none"/>
+            <a:headEnd type="none" w="sm" len="sm"/>
+            <a:tailEnd type="none" w="sm" len="sm"/>
           </a:ln>
         </p:spPr>
       </p:sp>
       <p:sp>
         <p:nvSpPr>
           <p:cNvPr id="4" name="Google Shape;4;n"/>
-          <p:cNvSpPr txBox="1"/>
+          <p:cNvSpPr txBox="1">
+            <a:spLocks noGrp="1"/>
+          </p:cNvSpPr>
           <p:nvPr>
-            <p:ph idx="1" type="body"/>
+            <p:ph type="body" idx="1"/>
           </p:nvPr>
         </p:nvSpPr>
         <p:spPr>
@@ -355,11 +368,11 @@
           </a:ln>
         </p:spPr>
         <p:txBody>
-          <a:bodyPr anchorCtr="0" anchor="t" bIns="91425" lIns="91425" spcFirstLastPara="1" rIns="91425" wrap="square" tIns="91425">
+          <a:bodyPr spcFirstLastPara="1" wrap="square" lIns="91425" tIns="91425" rIns="91425" bIns="91425" anchor="t" anchorCtr="0">
             <a:noAutofit/>
           </a:bodyPr>
           <a:lstStyle>
-            <a:lvl1pPr indent="-298450" lvl="0" marL="457200">
+            <a:lvl1pPr marL="457200" lvl="0" indent="-298450">
               <a:spcBef>
                 <a:spcPts val="0"/>
               </a:spcBef>
@@ -370,7 +383,7 @@
               <a:buChar char="●"/>
               <a:defRPr sz="1100"/>
             </a:lvl1pPr>
-            <a:lvl2pPr indent="-298450" lvl="1" marL="914400">
+            <a:lvl2pPr marL="914400" lvl="1" indent="-298450">
               <a:spcBef>
                 <a:spcPts val="0"/>
               </a:spcBef>
@@ -381,7 +394,7 @@
               <a:buChar char="○"/>
               <a:defRPr sz="1100"/>
             </a:lvl2pPr>
-            <a:lvl3pPr indent="-298450" lvl="2" marL="1371600">
+            <a:lvl3pPr marL="1371600" lvl="2" indent="-298450">
               <a:spcBef>
                 <a:spcPts val="0"/>
               </a:spcBef>
@@ -392,7 +405,7 @@
               <a:buChar char="■"/>
               <a:defRPr sz="1100"/>
             </a:lvl3pPr>
-            <a:lvl4pPr indent="-298450" lvl="3" marL="1828800">
+            <a:lvl4pPr marL="1828800" lvl="3" indent="-298450">
               <a:spcBef>
                 <a:spcPts val="0"/>
               </a:spcBef>
@@ -403,7 +416,7 @@
               <a:buChar char="●"/>
               <a:defRPr sz="1100"/>
             </a:lvl4pPr>
-            <a:lvl5pPr indent="-298450" lvl="4" marL="2286000">
+            <a:lvl5pPr marL="2286000" lvl="4" indent="-298450">
               <a:spcBef>
                 <a:spcPts val="0"/>
               </a:spcBef>
@@ -414,7 +427,7 @@
               <a:buChar char="○"/>
               <a:defRPr sz="1100"/>
             </a:lvl5pPr>
-            <a:lvl6pPr indent="-298450" lvl="5" marL="2743200">
+            <a:lvl6pPr marL="2743200" lvl="5" indent="-298450">
               <a:spcBef>
                 <a:spcPts val="0"/>
               </a:spcBef>
@@ -425,7 +438,7 @@
               <a:buChar char="■"/>
               <a:defRPr sz="1100"/>
             </a:lvl6pPr>
-            <a:lvl7pPr indent="-298450" lvl="6" marL="3200400">
+            <a:lvl7pPr marL="3200400" lvl="6" indent="-298450">
               <a:spcBef>
                 <a:spcPts val="0"/>
               </a:spcBef>
@@ -436,7 +449,7 @@
               <a:buChar char="●"/>
               <a:defRPr sz="1100"/>
             </a:lvl7pPr>
-            <a:lvl8pPr indent="-298450" lvl="7" marL="3657600">
+            <a:lvl8pPr marL="3657600" lvl="7" indent="-298450">
               <a:spcBef>
                 <a:spcPts val="0"/>
               </a:spcBef>
@@ -447,7 +460,7 @@
               <a:buChar char="○"/>
               <a:defRPr sz="1100"/>
             </a:lvl8pPr>
-            <a:lvl9pPr indent="-298450" lvl="8" marL="4114800">
+            <a:lvl9pPr marL="4114800" lvl="8" indent="-298450">
               <a:spcBef>
                 <a:spcPts val="0"/>
               </a:spcBef>
@@ -459,14 +472,16 @@
               <a:defRPr sz="1100"/>
             </a:lvl9pPr>
           </a:lstStyle>
-          <a:p/>
+          <a:p>
+            <a:endParaRPr/>
+          </a:p>
         </p:txBody>
       </p:sp>
     </p:spTree>
   </p:cSld>
-  <p:clrMap accent1="accent1" accent2="accent2" accent3="accent3" accent4="accent4" accent5="accent5" accent6="accent6" bg1="lt1" bg2="dk2" tx1="dk1" tx2="lt2" folHlink="folHlink" hlink="hlink"/>
+  <p:clrMap bg1="lt1" tx1="dk1" bg2="dk2" tx2="lt2" accent1="accent1" accent2="accent2" accent3="accent3" accent4="accent4" accent5="accent5" accent6="accent6" hlink="hlink" folHlink="folHlink"/>
   <p:notesStyle>
-    <a:defPPr lvl="0" marR="0" rtl="0" algn="l">
+    <a:defPPr marR="0" lvl="0" algn="l" rtl="0">
       <a:lnSpc>
         <a:spcPct val="100000"/>
       </a:lnSpc>
@@ -477,7 +492,7 @@
         <a:spcPts val="0"/>
       </a:spcAft>
     </a:defPPr>
-    <a:lvl1pPr lvl="0" marR="0" rtl="0" algn="l">
+    <a:lvl1pPr marR="0" lvl="0" algn="l" rtl="0">
       <a:lnSpc>
         <a:spcPct val="100000"/>
       </a:lnSpc>
@@ -491,7 +506,7 @@
         <a:srgbClr val="000000"/>
       </a:buClr>
       <a:buFont typeface="Arial"/>
-      <a:defRPr b="0" i="0" sz="1400" u="none" cap="none" strike="noStrike">
+      <a:defRPr sz="1400" b="0" i="0" u="none" strike="noStrike" cap="none">
         <a:solidFill>
           <a:srgbClr val="000000"/>
         </a:solidFill>
@@ -501,7 +516,7 @@
         <a:sym typeface="Arial"/>
       </a:defRPr>
     </a:lvl1pPr>
-    <a:lvl2pPr lvl="1" marR="0" rtl="0" algn="l">
+    <a:lvl2pPr marR="0" lvl="1" algn="l" rtl="0">
       <a:lnSpc>
         <a:spcPct val="100000"/>
       </a:lnSpc>
@@ -515,7 +530,7 @@
         <a:srgbClr val="000000"/>
       </a:buClr>
       <a:buFont typeface="Arial"/>
-      <a:defRPr b="0" i="0" sz="1400" u="none" cap="none" strike="noStrike">
+      <a:defRPr sz="1400" b="0" i="0" u="none" strike="noStrike" cap="none">
         <a:solidFill>
           <a:srgbClr val="000000"/>
         </a:solidFill>
@@ -525,7 +540,7 @@
         <a:sym typeface="Arial"/>
       </a:defRPr>
     </a:lvl2pPr>
-    <a:lvl3pPr lvl="2" marR="0" rtl="0" algn="l">
+    <a:lvl3pPr marR="0" lvl="2" algn="l" rtl="0">
       <a:lnSpc>
         <a:spcPct val="100000"/>
       </a:lnSpc>
@@ -539,7 +554,7 @@
         <a:srgbClr val="000000"/>
       </a:buClr>
       <a:buFont typeface="Arial"/>
-      <a:defRPr b="0" i="0" sz="1400" u="none" cap="none" strike="noStrike">
+      <a:defRPr sz="1400" b="0" i="0" u="none" strike="noStrike" cap="none">
         <a:solidFill>
           <a:srgbClr val="000000"/>
         </a:solidFill>
@@ -549,7 +564,7 @@
         <a:sym typeface="Arial"/>
       </a:defRPr>
     </a:lvl3pPr>
-    <a:lvl4pPr lvl="3" marR="0" rtl="0" algn="l">
+    <a:lvl4pPr marR="0" lvl="3" algn="l" rtl="0">
       <a:lnSpc>
         <a:spcPct val="100000"/>
       </a:lnSpc>
@@ -563,7 +578,7 @@
         <a:srgbClr val="000000"/>
       </a:buClr>
       <a:buFont typeface="Arial"/>
-      <a:defRPr b="0" i="0" sz="1400" u="none" cap="none" strike="noStrike">
+      <a:defRPr sz="1400" b="0" i="0" u="none" strike="noStrike" cap="none">
         <a:solidFill>
           <a:srgbClr val="000000"/>
         </a:solidFill>
@@ -573,7 +588,7 @@
         <a:sym typeface="Arial"/>
       </a:defRPr>
     </a:lvl4pPr>
-    <a:lvl5pPr lvl="4" marR="0" rtl="0" algn="l">
+    <a:lvl5pPr marR="0" lvl="4" algn="l" rtl="0">
       <a:lnSpc>
         <a:spcPct val="100000"/>
       </a:lnSpc>
@@ -587,7 +602,7 @@
         <a:srgbClr val="000000"/>
       </a:buClr>
       <a:buFont typeface="Arial"/>
-      <a:defRPr b="0" i="0" sz="1400" u="none" cap="none" strike="noStrike">
+      <a:defRPr sz="1400" b="0" i="0" u="none" strike="noStrike" cap="none">
         <a:solidFill>
           <a:srgbClr val="000000"/>
         </a:solidFill>
@@ -597,7 +612,7 @@
         <a:sym typeface="Arial"/>
       </a:defRPr>
     </a:lvl5pPr>
-    <a:lvl6pPr lvl="5" marR="0" rtl="0" algn="l">
+    <a:lvl6pPr marR="0" lvl="5" algn="l" rtl="0">
       <a:lnSpc>
         <a:spcPct val="100000"/>
       </a:lnSpc>
@@ -611,7 +626,7 @@
         <a:srgbClr val="000000"/>
       </a:buClr>
       <a:buFont typeface="Arial"/>
-      <a:defRPr b="0" i="0" sz="1400" u="none" cap="none" strike="noStrike">
+      <a:defRPr sz="1400" b="0" i="0" u="none" strike="noStrike" cap="none">
         <a:solidFill>
           <a:srgbClr val="000000"/>
         </a:solidFill>
@@ -621,7 +636,7 @@
         <a:sym typeface="Arial"/>
       </a:defRPr>
     </a:lvl6pPr>
-    <a:lvl7pPr lvl="6" marR="0" rtl="0" algn="l">
+    <a:lvl7pPr marR="0" lvl="6" algn="l" rtl="0">
       <a:lnSpc>
         <a:spcPct val="100000"/>
       </a:lnSpc>
@@ -635,7 +650,7 @@
         <a:srgbClr val="000000"/>
       </a:buClr>
       <a:buFont typeface="Arial"/>
-      <a:defRPr b="0" i="0" sz="1400" u="none" cap="none" strike="noStrike">
+      <a:defRPr sz="1400" b="0" i="0" u="none" strike="noStrike" cap="none">
         <a:solidFill>
           <a:srgbClr val="000000"/>
         </a:solidFill>
@@ -645,7 +660,7 @@
         <a:sym typeface="Arial"/>
       </a:defRPr>
     </a:lvl7pPr>
-    <a:lvl8pPr lvl="7" marR="0" rtl="0" algn="l">
+    <a:lvl8pPr marR="0" lvl="7" algn="l" rtl="0">
       <a:lnSpc>
         <a:spcPct val="100000"/>
       </a:lnSpc>
@@ -659,7 +674,7 @@
         <a:srgbClr val="000000"/>
       </a:buClr>
       <a:buFont typeface="Arial"/>
-      <a:defRPr b="0" i="0" sz="1400" u="none" cap="none" strike="noStrike">
+      <a:defRPr sz="1400" b="0" i="0" u="none" strike="noStrike" cap="none">
         <a:solidFill>
           <a:srgbClr val="000000"/>
         </a:solidFill>
@@ -669,7 +684,7 @@
         <a:sym typeface="Arial"/>
       </a:defRPr>
     </a:lvl8pPr>
-    <a:lvl9pPr lvl="8" marR="0" rtl="0" algn="l">
+    <a:lvl9pPr marR="0" lvl="8" algn="l" rtl="0">
       <a:lnSpc>
         <a:spcPct val="100000"/>
       </a:lnSpc>
@@ -683,7 +698,7 @@
         <a:srgbClr val="000000"/>
       </a:buClr>
       <a:buFont typeface="Arial"/>
-      <a:defRPr b="0" i="0" sz="1400" u="none" cap="none" strike="noStrike">
+      <a:defRPr sz="1400" b="0" i="0" u="none" strike="noStrike" cap="none">
         <a:solidFill>
           <a:srgbClr val="000000"/>
         </a:solidFill>
@@ -698,11 +713,11 @@
 </file>
 
 <file path=ppt/notesSlides/notesSlide1.xml><?xml version="1.0" encoding="utf-8"?>
-<p:notes xmlns:a="http://schemas.openxmlformats.org/drawingml/2006/main" xmlns:r="http://schemas.openxmlformats.org/officeDocument/2006/relationships" xmlns:mc="http://schemas.openxmlformats.org/markup-compatibility/2006" xmlns:mv="urn:schemas-microsoft-com:mac:vml" xmlns:p="http://schemas.openxmlformats.org/presentationml/2006/main" xmlns:c="http://schemas.openxmlformats.org/drawingml/2006/chart" xmlns:dgm="http://schemas.openxmlformats.org/drawingml/2006/diagram" xmlns:o="urn:schemas-microsoft-com:office:office" xmlns:v="urn:schemas-microsoft-com:vml" xmlns:pvml="urn:schemas-microsoft-com:office:powerpoint" xmlns:com="http://schemas.openxmlformats.org/drawingml/2006/compatibility" xmlns:p14="http://schemas.microsoft.com/office/powerpoint/2010/main" xmlns:p15="http://schemas.microsoft.com/office/powerpoint/2012/main" showMasterPhAnim="0" showMasterSp="0">
+<p:notes xmlns:a="http://schemas.openxmlformats.org/drawingml/2006/main" xmlns:r="http://schemas.openxmlformats.org/officeDocument/2006/relationships" xmlns:p="http://schemas.openxmlformats.org/presentationml/2006/main" showMasterSp="0" showMasterPhAnim="0">
   <p:cSld>
     <p:spTree>
       <p:nvGrpSpPr>
-        <p:cNvPr id="50" name="Shape 50"/>
+        <p:cNvPr id="1" name="Shape 50"/>
         <p:cNvGrpSpPr/>
         <p:nvPr/>
       </p:nvGrpSpPr>
@@ -717,20 +732,26 @@
       <p:sp>
         <p:nvSpPr>
           <p:cNvPr id="51" name="Google Shape;51;p:notes"/>
-          <p:cNvSpPr/>
+          <p:cNvSpPr>
+            <a:spLocks noGrp="1" noRot="1" noChangeAspect="1"/>
+          </p:cNvSpPr>
           <p:nvPr>
-            <p:ph idx="2" type="sldImg"/>
+            <p:ph type="sldImg" idx="2"/>
           </p:nvPr>
         </p:nvSpPr>
         <p:spPr>
           <a:xfrm>
-            <a:off x="381300" y="685800"/>
-            <a:ext cx="6096075" cy="3429000"/>
+            <a:off x="381000" y="685800"/>
+            <a:ext cx="6096000" cy="3429000"/>
           </a:xfrm>
           <a:custGeom>
-            <a:rect b="b" l="l" r="r" t="t"/>
+            <a:avLst/>
+            <a:gdLst/>
+            <a:ahLst/>
+            <a:cxnLst/>
+            <a:rect l="l" t="t" r="r" b="b"/>
             <a:pathLst>
-              <a:path extrusionOk="0" h="120000" w="120000">
+              <a:path w="120000" h="120000" extrusionOk="0">
                 <a:moveTo>
                   <a:pt x="0" y="0"/>
                 </a:moveTo>
@@ -752,9 +773,11 @@
       <p:sp>
         <p:nvSpPr>
           <p:cNvPr id="52" name="Google Shape;52;p:notes"/>
-          <p:cNvSpPr txBox="1"/>
+          <p:cNvSpPr txBox="1">
+            <a:spLocks noGrp="1"/>
+          </p:cNvSpPr>
           <p:nvPr>
-            <p:ph idx="1" type="body"/>
+            <p:ph type="body" idx="1"/>
           </p:nvPr>
         </p:nvSpPr>
         <p:spPr>
@@ -767,12 +790,12 @@
           </a:prstGeom>
         </p:spPr>
         <p:txBody>
-          <a:bodyPr anchorCtr="0" anchor="t" bIns="91425" lIns="91425" spcFirstLastPara="1" rIns="91425" wrap="square" tIns="91425">
+          <a:bodyPr spcFirstLastPara="1" wrap="square" lIns="91425" tIns="91425" rIns="91425" bIns="91425" anchor="t" anchorCtr="0">
             <a:noAutofit/>
           </a:bodyPr>
           <a:lstStyle/>
           <a:p>
-            <a:pPr indent="0" lvl="0" marL="0" rtl="0" algn="l">
+            <a:pPr marL="0" lvl="0" indent="0" algn="l" rtl="0">
               <a:spcBef>
                 <a:spcPts val="0"/>
               </a:spcBef>
@@ -781,9 +804,6 @@
               </a:spcAft>
               <a:buNone/>
             </a:pPr>
-            <a:r>
-              <a:t/>
-            </a:r>
             <a:endParaRPr/>
           </a:p>
         </p:txBody>
@@ -797,11 +817,11 @@
 </file>
 
 <file path=ppt/notesSlides/notesSlide10.xml><?xml version="1.0" encoding="utf-8"?>
-<p:notes xmlns:a="http://schemas.openxmlformats.org/drawingml/2006/main" xmlns:r="http://schemas.openxmlformats.org/officeDocument/2006/relationships" xmlns:mc="http://schemas.openxmlformats.org/markup-compatibility/2006" xmlns:mv="urn:schemas-microsoft-com:mac:vml" xmlns:p="http://schemas.openxmlformats.org/presentationml/2006/main" xmlns:c="http://schemas.openxmlformats.org/drawingml/2006/chart" xmlns:dgm="http://schemas.openxmlformats.org/drawingml/2006/diagram" xmlns:o="urn:schemas-microsoft-com:office:office" xmlns:v="urn:schemas-microsoft-com:vml" xmlns:pvml="urn:schemas-microsoft-com:office:powerpoint" xmlns:com="http://schemas.openxmlformats.org/drawingml/2006/compatibility" xmlns:p14="http://schemas.microsoft.com/office/powerpoint/2010/main" xmlns:p15="http://schemas.microsoft.com/office/powerpoint/2012/main" showMasterPhAnim="0" showMasterSp="0">
+<p:notes xmlns:a="http://schemas.openxmlformats.org/drawingml/2006/main" xmlns:r="http://schemas.openxmlformats.org/officeDocument/2006/relationships" xmlns:p="http://schemas.openxmlformats.org/presentationml/2006/main" showMasterSp="0" showMasterPhAnim="0">
   <p:cSld>
     <p:spTree>
       <p:nvGrpSpPr>
-        <p:cNvPr id="112" name="Shape 112"/>
+        <p:cNvPr id="1" name="Shape 112"/>
         <p:cNvGrpSpPr/>
         <p:nvPr/>
       </p:nvGrpSpPr>
@@ -816,20 +836,26 @@
       <p:sp>
         <p:nvSpPr>
           <p:cNvPr id="113" name="Google Shape;113;g33e7246047_0_46:notes"/>
-          <p:cNvSpPr/>
+          <p:cNvSpPr>
+            <a:spLocks noGrp="1" noRot="1" noChangeAspect="1"/>
+          </p:cNvSpPr>
           <p:nvPr>
-            <p:ph idx="2" type="sldImg"/>
+            <p:ph type="sldImg" idx="2"/>
           </p:nvPr>
         </p:nvSpPr>
         <p:spPr>
           <a:xfrm>
-            <a:off x="381300" y="685800"/>
+            <a:off x="381000" y="685800"/>
             <a:ext cx="6096000" cy="3429000"/>
           </a:xfrm>
           <a:custGeom>
-            <a:rect b="b" l="l" r="r" t="t"/>
+            <a:avLst/>
+            <a:gdLst/>
+            <a:ahLst/>
+            <a:cxnLst/>
+            <a:rect l="l" t="t" r="r" b="b"/>
             <a:pathLst>
-              <a:path extrusionOk="0" h="120000" w="120000">
+              <a:path w="120000" h="120000" extrusionOk="0">
                 <a:moveTo>
                   <a:pt x="0" y="0"/>
                 </a:moveTo>
@@ -851,9 +877,11 @@
       <p:sp>
         <p:nvSpPr>
           <p:cNvPr id="114" name="Google Shape;114;g33e7246047_0_46:notes"/>
-          <p:cNvSpPr txBox="1"/>
+          <p:cNvSpPr txBox="1">
+            <a:spLocks noGrp="1"/>
+          </p:cNvSpPr>
           <p:nvPr>
-            <p:ph idx="1" type="body"/>
+            <p:ph type="body" idx="1"/>
           </p:nvPr>
         </p:nvSpPr>
         <p:spPr>
@@ -866,12 +894,12 @@
           </a:prstGeom>
         </p:spPr>
         <p:txBody>
-          <a:bodyPr anchorCtr="0" anchor="t" bIns="91425" lIns="91425" spcFirstLastPara="1" rIns="91425" wrap="square" tIns="91425">
+          <a:bodyPr spcFirstLastPara="1" wrap="square" lIns="91425" tIns="91425" rIns="91425" bIns="91425" anchor="t" anchorCtr="0">
             <a:noAutofit/>
           </a:bodyPr>
           <a:lstStyle/>
           <a:p>
-            <a:pPr indent="0" lvl="0" marL="0" rtl="0" algn="l">
+            <a:pPr marL="0" lvl="0" indent="0" algn="l" rtl="0">
               <a:spcBef>
                 <a:spcPts val="0"/>
               </a:spcBef>
@@ -880,9 +908,6 @@
               </a:spcAft>
               <a:buNone/>
             </a:pPr>
-            <a:r>
-              <a:t/>
-            </a:r>
             <a:endParaRPr/>
           </a:p>
         </p:txBody>
@@ -896,11 +921,11 @@
 </file>
 
 <file path=ppt/notesSlides/notesSlide11.xml><?xml version="1.0" encoding="utf-8"?>
-<p:notes xmlns:a="http://schemas.openxmlformats.org/drawingml/2006/main" xmlns:r="http://schemas.openxmlformats.org/officeDocument/2006/relationships" xmlns:mc="http://schemas.openxmlformats.org/markup-compatibility/2006" xmlns:mv="urn:schemas-microsoft-com:mac:vml" xmlns:p="http://schemas.openxmlformats.org/presentationml/2006/main" xmlns:c="http://schemas.openxmlformats.org/drawingml/2006/chart" xmlns:dgm="http://schemas.openxmlformats.org/drawingml/2006/diagram" xmlns:o="urn:schemas-microsoft-com:office:office" xmlns:v="urn:schemas-microsoft-com:vml" xmlns:pvml="urn:schemas-microsoft-com:office:powerpoint" xmlns:com="http://schemas.openxmlformats.org/drawingml/2006/compatibility" xmlns:p14="http://schemas.microsoft.com/office/powerpoint/2010/main" xmlns:p15="http://schemas.microsoft.com/office/powerpoint/2012/main" showMasterPhAnim="0" showMasterSp="0">
+<p:notes xmlns:a="http://schemas.openxmlformats.org/drawingml/2006/main" xmlns:r="http://schemas.openxmlformats.org/officeDocument/2006/relationships" xmlns:p="http://schemas.openxmlformats.org/presentationml/2006/main" showMasterSp="0" showMasterPhAnim="0">
   <p:cSld>
     <p:spTree>
       <p:nvGrpSpPr>
-        <p:cNvPr id="119" name="Shape 119"/>
+        <p:cNvPr id="1" name="Shape 119"/>
         <p:cNvGrpSpPr/>
         <p:nvPr/>
       </p:nvGrpSpPr>
@@ -915,20 +940,26 @@
       <p:sp>
         <p:nvSpPr>
           <p:cNvPr id="120" name="Google Shape;120;g33e7246047_0_64:notes"/>
-          <p:cNvSpPr/>
+          <p:cNvSpPr>
+            <a:spLocks noGrp="1" noRot="1" noChangeAspect="1"/>
+          </p:cNvSpPr>
           <p:nvPr>
-            <p:ph idx="2" type="sldImg"/>
+            <p:ph type="sldImg" idx="2"/>
           </p:nvPr>
         </p:nvSpPr>
         <p:spPr>
           <a:xfrm>
-            <a:off x="381300" y="685800"/>
+            <a:off x="381000" y="685800"/>
             <a:ext cx="6096000" cy="3429000"/>
           </a:xfrm>
           <a:custGeom>
-            <a:rect b="b" l="l" r="r" t="t"/>
+            <a:avLst/>
+            <a:gdLst/>
+            <a:ahLst/>
+            <a:cxnLst/>
+            <a:rect l="l" t="t" r="r" b="b"/>
             <a:pathLst>
-              <a:path extrusionOk="0" h="120000" w="120000">
+              <a:path w="120000" h="120000" extrusionOk="0">
                 <a:moveTo>
                   <a:pt x="0" y="0"/>
                 </a:moveTo>
@@ -950,9 +981,11 @@
       <p:sp>
         <p:nvSpPr>
           <p:cNvPr id="121" name="Google Shape;121;g33e7246047_0_64:notes"/>
-          <p:cNvSpPr txBox="1"/>
+          <p:cNvSpPr txBox="1">
+            <a:spLocks noGrp="1"/>
+          </p:cNvSpPr>
           <p:nvPr>
-            <p:ph idx="1" type="body"/>
+            <p:ph type="body" idx="1"/>
           </p:nvPr>
         </p:nvSpPr>
         <p:spPr>
@@ -965,12 +998,12 @@
           </a:prstGeom>
         </p:spPr>
         <p:txBody>
-          <a:bodyPr anchorCtr="0" anchor="t" bIns="91425" lIns="91425" spcFirstLastPara="1" rIns="91425" wrap="square" tIns="91425">
+          <a:bodyPr spcFirstLastPara="1" wrap="square" lIns="91425" tIns="91425" rIns="91425" bIns="91425" anchor="t" anchorCtr="0">
             <a:noAutofit/>
           </a:bodyPr>
           <a:lstStyle/>
           <a:p>
-            <a:pPr indent="0" lvl="0" marL="0" rtl="0" algn="l">
+            <a:pPr marL="0" lvl="0" indent="0" algn="l" rtl="0">
               <a:spcBef>
                 <a:spcPts val="0"/>
               </a:spcBef>
@@ -979,9 +1012,6 @@
               </a:spcAft>
               <a:buNone/>
             </a:pPr>
-            <a:r>
-              <a:t/>
-            </a:r>
             <a:endParaRPr/>
           </a:p>
         </p:txBody>
@@ -995,11 +1025,11 @@
 </file>
 
 <file path=ppt/notesSlides/notesSlide12.xml><?xml version="1.0" encoding="utf-8"?>
-<p:notes xmlns:a="http://schemas.openxmlformats.org/drawingml/2006/main" xmlns:r="http://schemas.openxmlformats.org/officeDocument/2006/relationships" xmlns:mc="http://schemas.openxmlformats.org/markup-compatibility/2006" xmlns:mv="urn:schemas-microsoft-com:mac:vml" xmlns:p="http://schemas.openxmlformats.org/presentationml/2006/main" xmlns:c="http://schemas.openxmlformats.org/drawingml/2006/chart" xmlns:dgm="http://schemas.openxmlformats.org/drawingml/2006/diagram" xmlns:o="urn:schemas-microsoft-com:office:office" xmlns:v="urn:schemas-microsoft-com:vml" xmlns:pvml="urn:schemas-microsoft-com:office:powerpoint" xmlns:com="http://schemas.openxmlformats.org/drawingml/2006/compatibility" xmlns:p14="http://schemas.microsoft.com/office/powerpoint/2010/main" xmlns:p15="http://schemas.microsoft.com/office/powerpoint/2012/main" showMasterPhAnim="0" showMasterSp="0">
+<p:notes xmlns:a="http://schemas.openxmlformats.org/drawingml/2006/main" xmlns:r="http://schemas.openxmlformats.org/officeDocument/2006/relationships" xmlns:p="http://schemas.openxmlformats.org/presentationml/2006/main" showMasterSp="0" showMasterPhAnim="0">
   <p:cSld>
     <p:spTree>
       <p:nvGrpSpPr>
-        <p:cNvPr id="125" name="Shape 125"/>
+        <p:cNvPr id="1" name="Shape 125"/>
         <p:cNvGrpSpPr/>
         <p:nvPr/>
       </p:nvGrpSpPr>
@@ -1014,20 +1044,26 @@
       <p:sp>
         <p:nvSpPr>
           <p:cNvPr id="126" name="Google Shape;126;g33e7246047_0_58:notes"/>
-          <p:cNvSpPr/>
+          <p:cNvSpPr>
+            <a:spLocks noGrp="1" noRot="1" noChangeAspect="1"/>
+          </p:cNvSpPr>
           <p:nvPr>
-            <p:ph idx="2" type="sldImg"/>
+            <p:ph type="sldImg" idx="2"/>
           </p:nvPr>
         </p:nvSpPr>
         <p:spPr>
           <a:xfrm>
-            <a:off x="381300" y="685800"/>
+            <a:off x="381000" y="685800"/>
             <a:ext cx="6096000" cy="3429000"/>
           </a:xfrm>
           <a:custGeom>
-            <a:rect b="b" l="l" r="r" t="t"/>
+            <a:avLst/>
+            <a:gdLst/>
+            <a:ahLst/>
+            <a:cxnLst/>
+            <a:rect l="l" t="t" r="r" b="b"/>
             <a:pathLst>
-              <a:path extrusionOk="0" h="120000" w="120000">
+              <a:path w="120000" h="120000" extrusionOk="0">
                 <a:moveTo>
                   <a:pt x="0" y="0"/>
                 </a:moveTo>
@@ -1049,9 +1085,11 @@
       <p:sp>
         <p:nvSpPr>
           <p:cNvPr id="127" name="Google Shape;127;g33e7246047_0_58:notes"/>
-          <p:cNvSpPr txBox="1"/>
+          <p:cNvSpPr txBox="1">
+            <a:spLocks noGrp="1"/>
+          </p:cNvSpPr>
           <p:nvPr>
-            <p:ph idx="1" type="body"/>
+            <p:ph type="body" idx="1"/>
           </p:nvPr>
         </p:nvSpPr>
         <p:spPr>
@@ -1064,12 +1102,12 @@
           </a:prstGeom>
         </p:spPr>
         <p:txBody>
-          <a:bodyPr anchorCtr="0" anchor="t" bIns="91425" lIns="91425" spcFirstLastPara="1" rIns="91425" wrap="square" tIns="91425">
+          <a:bodyPr spcFirstLastPara="1" wrap="square" lIns="91425" tIns="91425" rIns="91425" bIns="91425" anchor="t" anchorCtr="0">
             <a:noAutofit/>
           </a:bodyPr>
           <a:lstStyle/>
           <a:p>
-            <a:pPr indent="0" lvl="0" marL="0" rtl="0" algn="l">
+            <a:pPr marL="0" lvl="0" indent="0" algn="l" rtl="0">
               <a:spcBef>
                 <a:spcPts val="0"/>
               </a:spcBef>
@@ -1078,9 +1116,6 @@
               </a:spcAft>
               <a:buNone/>
             </a:pPr>
-            <a:r>
-              <a:t/>
-            </a:r>
             <a:endParaRPr/>
           </a:p>
         </p:txBody>
@@ -1094,11 +1129,11 @@
 </file>
 
 <file path=ppt/notesSlides/notesSlide2.xml><?xml version="1.0" encoding="utf-8"?>
-<p:notes xmlns:a="http://schemas.openxmlformats.org/drawingml/2006/main" xmlns:r="http://schemas.openxmlformats.org/officeDocument/2006/relationships" xmlns:mc="http://schemas.openxmlformats.org/markup-compatibility/2006" xmlns:mv="urn:schemas-microsoft-com:mac:vml" xmlns:p="http://schemas.openxmlformats.org/presentationml/2006/main" xmlns:c="http://schemas.openxmlformats.org/drawingml/2006/chart" xmlns:dgm="http://schemas.openxmlformats.org/drawingml/2006/diagram" xmlns:o="urn:schemas-microsoft-com:office:office" xmlns:v="urn:schemas-microsoft-com:vml" xmlns:pvml="urn:schemas-microsoft-com:office:powerpoint" xmlns:com="http://schemas.openxmlformats.org/drawingml/2006/compatibility" xmlns:p14="http://schemas.microsoft.com/office/powerpoint/2010/main" xmlns:p15="http://schemas.microsoft.com/office/powerpoint/2012/main" showMasterPhAnim="0" showMasterSp="0">
+<p:notes xmlns:a="http://schemas.openxmlformats.org/drawingml/2006/main" xmlns:r="http://schemas.openxmlformats.org/officeDocument/2006/relationships" xmlns:p="http://schemas.openxmlformats.org/presentationml/2006/main" showMasterSp="0" showMasterPhAnim="0">
   <p:cSld>
     <p:spTree>
       <p:nvGrpSpPr>
-        <p:cNvPr id="56" name="Shape 56"/>
+        <p:cNvPr id="1" name="Shape 56"/>
         <p:cNvGrpSpPr/>
         <p:nvPr/>
       </p:nvGrpSpPr>
@@ -1113,20 +1148,26 @@
       <p:sp>
         <p:nvSpPr>
           <p:cNvPr id="57" name="Google Shape;57;g33e7246047_0_15:notes"/>
-          <p:cNvSpPr/>
+          <p:cNvSpPr>
+            <a:spLocks noGrp="1" noRot="1" noChangeAspect="1"/>
+          </p:cNvSpPr>
           <p:nvPr>
-            <p:ph idx="2" type="sldImg"/>
+            <p:ph type="sldImg" idx="2"/>
           </p:nvPr>
         </p:nvSpPr>
         <p:spPr>
           <a:xfrm>
-            <a:off x="381300" y="685800"/>
+            <a:off x="381000" y="685800"/>
             <a:ext cx="6096000" cy="3429000"/>
           </a:xfrm>
           <a:custGeom>
-            <a:rect b="b" l="l" r="r" t="t"/>
+            <a:avLst/>
+            <a:gdLst/>
+            <a:ahLst/>
+            <a:cxnLst/>
+            <a:rect l="l" t="t" r="r" b="b"/>
             <a:pathLst>
-              <a:path extrusionOk="0" h="120000" w="120000">
+              <a:path w="120000" h="120000" extrusionOk="0">
                 <a:moveTo>
                   <a:pt x="0" y="0"/>
                 </a:moveTo>
@@ -1148,9 +1189,11 @@
       <p:sp>
         <p:nvSpPr>
           <p:cNvPr id="58" name="Google Shape;58;g33e7246047_0_15:notes"/>
-          <p:cNvSpPr txBox="1"/>
+          <p:cNvSpPr txBox="1">
+            <a:spLocks noGrp="1"/>
+          </p:cNvSpPr>
           <p:nvPr>
-            <p:ph idx="1" type="body"/>
+            <p:ph type="body" idx="1"/>
           </p:nvPr>
         </p:nvSpPr>
         <p:spPr>
@@ -1163,12 +1206,12 @@
           </a:prstGeom>
         </p:spPr>
         <p:txBody>
-          <a:bodyPr anchorCtr="0" anchor="t" bIns="91425" lIns="91425" spcFirstLastPara="1" rIns="91425" wrap="square" tIns="91425">
+          <a:bodyPr spcFirstLastPara="1" wrap="square" lIns="91425" tIns="91425" rIns="91425" bIns="91425" anchor="t" anchorCtr="0">
             <a:noAutofit/>
           </a:bodyPr>
           <a:lstStyle/>
           <a:p>
-            <a:pPr indent="0" lvl="0" marL="0" rtl="0" algn="l">
+            <a:pPr marL="0" lvl="0" indent="0" algn="l" rtl="0">
               <a:spcBef>
                 <a:spcPts val="0"/>
               </a:spcBef>
@@ -1177,10 +1220,7 @@
               </a:spcAft>
               <a:buNone/>
             </a:pPr>
-            <a:r>
-              <a:t/>
-            </a:r>
-            <a:endParaRPr/>
+            <a:endParaRPr dirty="0"/>
           </a:p>
         </p:txBody>
       </p:sp>
@@ -1193,11 +1233,11 @@
 </file>
 
 <file path=ppt/notesSlides/notesSlide3.xml><?xml version="1.0" encoding="utf-8"?>
-<p:notes xmlns:a="http://schemas.openxmlformats.org/drawingml/2006/main" xmlns:r="http://schemas.openxmlformats.org/officeDocument/2006/relationships" xmlns:mc="http://schemas.openxmlformats.org/markup-compatibility/2006" xmlns:mv="urn:schemas-microsoft-com:mac:vml" xmlns:p="http://schemas.openxmlformats.org/presentationml/2006/main" xmlns:c="http://schemas.openxmlformats.org/drawingml/2006/chart" xmlns:dgm="http://schemas.openxmlformats.org/drawingml/2006/diagram" xmlns:o="urn:schemas-microsoft-com:office:office" xmlns:v="urn:schemas-microsoft-com:vml" xmlns:pvml="urn:schemas-microsoft-com:office:powerpoint" xmlns:com="http://schemas.openxmlformats.org/drawingml/2006/compatibility" xmlns:p14="http://schemas.microsoft.com/office/powerpoint/2010/main" xmlns:p15="http://schemas.microsoft.com/office/powerpoint/2012/main" showMasterPhAnim="0" showMasterSp="0">
+<p:notes xmlns:a="http://schemas.openxmlformats.org/drawingml/2006/main" xmlns:r="http://schemas.openxmlformats.org/officeDocument/2006/relationships" xmlns:p="http://schemas.openxmlformats.org/presentationml/2006/main" showMasterSp="0" showMasterPhAnim="0">
   <p:cSld>
     <p:spTree>
       <p:nvGrpSpPr>
-        <p:cNvPr id="63" name="Shape 63"/>
+        <p:cNvPr id="1" name="Shape 63"/>
         <p:cNvGrpSpPr/>
         <p:nvPr/>
       </p:nvGrpSpPr>
@@ -1212,20 +1252,26 @@
       <p:sp>
         <p:nvSpPr>
           <p:cNvPr id="64" name="Google Shape;64;g33e7246047_0_0:notes"/>
-          <p:cNvSpPr/>
+          <p:cNvSpPr>
+            <a:spLocks noGrp="1" noRot="1" noChangeAspect="1"/>
+          </p:cNvSpPr>
           <p:nvPr>
-            <p:ph idx="2" type="sldImg"/>
+            <p:ph type="sldImg" idx="2"/>
           </p:nvPr>
         </p:nvSpPr>
         <p:spPr>
           <a:xfrm>
-            <a:off x="381300" y="685800"/>
+            <a:off x="381000" y="685800"/>
             <a:ext cx="6096000" cy="3429000"/>
           </a:xfrm>
           <a:custGeom>
-            <a:rect b="b" l="l" r="r" t="t"/>
+            <a:avLst/>
+            <a:gdLst/>
+            <a:ahLst/>
+            <a:cxnLst/>
+            <a:rect l="l" t="t" r="r" b="b"/>
             <a:pathLst>
-              <a:path extrusionOk="0" h="120000" w="120000">
+              <a:path w="120000" h="120000" extrusionOk="0">
                 <a:moveTo>
                   <a:pt x="0" y="0"/>
                 </a:moveTo>
@@ -1247,9 +1293,11 @@
       <p:sp>
         <p:nvSpPr>
           <p:cNvPr id="65" name="Google Shape;65;g33e7246047_0_0:notes"/>
-          <p:cNvSpPr txBox="1"/>
+          <p:cNvSpPr txBox="1">
+            <a:spLocks noGrp="1"/>
+          </p:cNvSpPr>
           <p:nvPr>
-            <p:ph idx="1" type="body"/>
+            <p:ph type="body" idx="1"/>
           </p:nvPr>
         </p:nvSpPr>
         <p:spPr>
@@ -1262,12 +1310,12 @@
           </a:prstGeom>
         </p:spPr>
         <p:txBody>
-          <a:bodyPr anchorCtr="0" anchor="t" bIns="91425" lIns="91425" spcFirstLastPara="1" rIns="91425" wrap="square" tIns="91425">
+          <a:bodyPr spcFirstLastPara="1" wrap="square" lIns="91425" tIns="91425" rIns="91425" bIns="91425" anchor="t" anchorCtr="0">
             <a:noAutofit/>
           </a:bodyPr>
           <a:lstStyle/>
           <a:p>
-            <a:pPr indent="0" lvl="0" marL="0" rtl="0" algn="l">
+            <a:pPr marL="0" lvl="0" indent="0" algn="l" rtl="0">
               <a:spcBef>
                 <a:spcPts val="0"/>
               </a:spcBef>
@@ -1276,10 +1324,7 @@
               </a:spcAft>
               <a:buNone/>
             </a:pPr>
-            <a:r>
-              <a:t/>
-            </a:r>
-            <a:endParaRPr/>
+            <a:endParaRPr dirty="0"/>
           </a:p>
         </p:txBody>
       </p:sp>
@@ -1292,11 +1337,11 @@
 </file>
 
 <file path=ppt/notesSlides/notesSlide4.xml><?xml version="1.0" encoding="utf-8"?>
-<p:notes xmlns:a="http://schemas.openxmlformats.org/drawingml/2006/main" xmlns:r="http://schemas.openxmlformats.org/officeDocument/2006/relationships" xmlns:mc="http://schemas.openxmlformats.org/markup-compatibility/2006" xmlns:mv="urn:schemas-microsoft-com:mac:vml" xmlns:p="http://schemas.openxmlformats.org/presentationml/2006/main" xmlns:c="http://schemas.openxmlformats.org/drawingml/2006/chart" xmlns:dgm="http://schemas.openxmlformats.org/drawingml/2006/diagram" xmlns:o="urn:schemas-microsoft-com:office:office" xmlns:v="urn:schemas-microsoft-com:vml" xmlns:pvml="urn:schemas-microsoft-com:office:powerpoint" xmlns:com="http://schemas.openxmlformats.org/drawingml/2006/compatibility" xmlns:p14="http://schemas.microsoft.com/office/powerpoint/2010/main" xmlns:p15="http://schemas.microsoft.com/office/powerpoint/2012/main" showMasterPhAnim="0" showMasterSp="0">
+<p:notes xmlns:a="http://schemas.openxmlformats.org/drawingml/2006/main" xmlns:r="http://schemas.openxmlformats.org/officeDocument/2006/relationships" xmlns:p="http://schemas.openxmlformats.org/presentationml/2006/main" showMasterSp="0" showMasterPhAnim="0">
   <p:cSld>
     <p:spTree>
       <p:nvGrpSpPr>
-        <p:cNvPr id="70" name="Shape 70"/>
+        <p:cNvPr id="1" name="Shape 70"/>
         <p:cNvGrpSpPr/>
         <p:nvPr/>
       </p:nvGrpSpPr>
@@ -1311,20 +1356,26 @@
       <p:sp>
         <p:nvSpPr>
           <p:cNvPr id="71" name="Google Shape;71;g33e7246047_0_70:notes"/>
-          <p:cNvSpPr/>
+          <p:cNvSpPr>
+            <a:spLocks noGrp="1" noRot="1" noChangeAspect="1"/>
+          </p:cNvSpPr>
           <p:nvPr>
-            <p:ph idx="2" type="sldImg"/>
+            <p:ph type="sldImg" idx="2"/>
           </p:nvPr>
         </p:nvSpPr>
         <p:spPr>
           <a:xfrm>
-            <a:off x="381300" y="685800"/>
+            <a:off x="381000" y="685800"/>
             <a:ext cx="6096000" cy="3429000"/>
           </a:xfrm>
           <a:custGeom>
-            <a:rect b="b" l="l" r="r" t="t"/>
+            <a:avLst/>
+            <a:gdLst/>
+            <a:ahLst/>
+            <a:cxnLst/>
+            <a:rect l="l" t="t" r="r" b="b"/>
             <a:pathLst>
-              <a:path extrusionOk="0" h="120000" w="120000">
+              <a:path w="120000" h="120000" extrusionOk="0">
                 <a:moveTo>
                   <a:pt x="0" y="0"/>
                 </a:moveTo>
@@ -1346,9 +1397,11 @@
       <p:sp>
         <p:nvSpPr>
           <p:cNvPr id="72" name="Google Shape;72;g33e7246047_0_70:notes"/>
-          <p:cNvSpPr txBox="1"/>
+          <p:cNvSpPr txBox="1">
+            <a:spLocks noGrp="1"/>
+          </p:cNvSpPr>
           <p:nvPr>
-            <p:ph idx="1" type="body"/>
+            <p:ph type="body" idx="1"/>
           </p:nvPr>
         </p:nvSpPr>
         <p:spPr>
@@ -1361,12 +1414,12 @@
           </a:prstGeom>
         </p:spPr>
         <p:txBody>
-          <a:bodyPr anchorCtr="0" anchor="t" bIns="91425" lIns="91425" spcFirstLastPara="1" rIns="91425" wrap="square" tIns="91425">
+          <a:bodyPr spcFirstLastPara="1" wrap="square" lIns="91425" tIns="91425" rIns="91425" bIns="91425" anchor="t" anchorCtr="0">
             <a:noAutofit/>
           </a:bodyPr>
           <a:lstStyle/>
           <a:p>
-            <a:pPr indent="0" lvl="0" marL="0" rtl="0" algn="l">
+            <a:pPr marL="0" lvl="0" indent="0" algn="l" rtl="0">
               <a:spcBef>
                 <a:spcPts val="0"/>
               </a:spcBef>
@@ -1375,9 +1428,6 @@
               </a:spcAft>
               <a:buNone/>
             </a:pPr>
-            <a:r>
-              <a:t/>
-            </a:r>
             <a:endParaRPr/>
           </a:p>
         </p:txBody>
@@ -1391,11 +1441,11 @@
 </file>
 
 <file path=ppt/notesSlides/notesSlide5.xml><?xml version="1.0" encoding="utf-8"?>
-<p:notes xmlns:a="http://schemas.openxmlformats.org/drawingml/2006/main" xmlns:r="http://schemas.openxmlformats.org/officeDocument/2006/relationships" xmlns:mc="http://schemas.openxmlformats.org/markup-compatibility/2006" xmlns:mv="urn:schemas-microsoft-com:mac:vml" xmlns:p="http://schemas.openxmlformats.org/presentationml/2006/main" xmlns:c="http://schemas.openxmlformats.org/drawingml/2006/chart" xmlns:dgm="http://schemas.openxmlformats.org/drawingml/2006/diagram" xmlns:o="urn:schemas-microsoft-com:office:office" xmlns:v="urn:schemas-microsoft-com:vml" xmlns:pvml="urn:schemas-microsoft-com:office:powerpoint" xmlns:com="http://schemas.openxmlformats.org/drawingml/2006/compatibility" xmlns:p14="http://schemas.microsoft.com/office/powerpoint/2010/main" xmlns:p15="http://schemas.microsoft.com/office/powerpoint/2012/main" showMasterPhAnim="0" showMasterSp="0">
+<p:notes xmlns:a="http://schemas.openxmlformats.org/drawingml/2006/main" xmlns:r="http://schemas.openxmlformats.org/officeDocument/2006/relationships" xmlns:p="http://schemas.openxmlformats.org/presentationml/2006/main" showMasterSp="0" showMasterPhAnim="0">
   <p:cSld>
     <p:spTree>
       <p:nvGrpSpPr>
-        <p:cNvPr id="77" name="Shape 77"/>
+        <p:cNvPr id="1" name="Shape 77"/>
         <p:cNvGrpSpPr/>
         <p:nvPr/>
       </p:nvGrpSpPr>
@@ -1410,20 +1460,26 @@
       <p:sp>
         <p:nvSpPr>
           <p:cNvPr id="78" name="Google Shape;78;g33e7246047_0_5:notes"/>
-          <p:cNvSpPr/>
+          <p:cNvSpPr>
+            <a:spLocks noGrp="1" noRot="1" noChangeAspect="1"/>
+          </p:cNvSpPr>
           <p:nvPr>
-            <p:ph idx="2" type="sldImg"/>
+            <p:ph type="sldImg" idx="2"/>
           </p:nvPr>
         </p:nvSpPr>
         <p:spPr>
           <a:xfrm>
-            <a:off x="381300" y="685800"/>
+            <a:off x="381000" y="685800"/>
             <a:ext cx="6096000" cy="3429000"/>
           </a:xfrm>
           <a:custGeom>
-            <a:rect b="b" l="l" r="r" t="t"/>
+            <a:avLst/>
+            <a:gdLst/>
+            <a:ahLst/>
+            <a:cxnLst/>
+            <a:rect l="l" t="t" r="r" b="b"/>
             <a:pathLst>
-              <a:path extrusionOk="0" h="120000" w="120000">
+              <a:path w="120000" h="120000" extrusionOk="0">
                 <a:moveTo>
                   <a:pt x="0" y="0"/>
                 </a:moveTo>
@@ -1445,9 +1501,11 @@
       <p:sp>
         <p:nvSpPr>
           <p:cNvPr id="79" name="Google Shape;79;g33e7246047_0_5:notes"/>
-          <p:cNvSpPr txBox="1"/>
+          <p:cNvSpPr txBox="1">
+            <a:spLocks noGrp="1"/>
+          </p:cNvSpPr>
           <p:nvPr>
-            <p:ph idx="1" type="body"/>
+            <p:ph type="body" idx="1"/>
           </p:nvPr>
         </p:nvSpPr>
         <p:spPr>
@@ -1460,12 +1518,12 @@
           </a:prstGeom>
         </p:spPr>
         <p:txBody>
-          <a:bodyPr anchorCtr="0" anchor="t" bIns="91425" lIns="91425" spcFirstLastPara="1" rIns="91425" wrap="square" tIns="91425">
+          <a:bodyPr spcFirstLastPara="1" wrap="square" lIns="91425" tIns="91425" rIns="91425" bIns="91425" anchor="t" anchorCtr="0">
             <a:noAutofit/>
           </a:bodyPr>
           <a:lstStyle/>
           <a:p>
-            <a:pPr indent="0" lvl="0" marL="0" rtl="0" algn="l">
+            <a:pPr marL="0" lvl="0" indent="0" algn="l" rtl="0">
               <a:spcBef>
                 <a:spcPts val="0"/>
               </a:spcBef>
@@ -1474,9 +1532,6 @@
               </a:spcAft>
               <a:buNone/>
             </a:pPr>
-            <a:r>
-              <a:t/>
-            </a:r>
             <a:endParaRPr/>
           </a:p>
         </p:txBody>
@@ -1490,11 +1545,11 @@
 </file>
 
 <file path=ppt/notesSlides/notesSlide6.xml><?xml version="1.0" encoding="utf-8"?>
-<p:notes xmlns:a="http://schemas.openxmlformats.org/drawingml/2006/main" xmlns:r="http://schemas.openxmlformats.org/officeDocument/2006/relationships" xmlns:mc="http://schemas.openxmlformats.org/markup-compatibility/2006" xmlns:mv="urn:schemas-microsoft-com:mac:vml" xmlns:p="http://schemas.openxmlformats.org/presentationml/2006/main" xmlns:c="http://schemas.openxmlformats.org/drawingml/2006/chart" xmlns:dgm="http://schemas.openxmlformats.org/drawingml/2006/diagram" xmlns:o="urn:schemas-microsoft-com:office:office" xmlns:v="urn:schemas-microsoft-com:vml" xmlns:pvml="urn:schemas-microsoft-com:office:powerpoint" xmlns:com="http://schemas.openxmlformats.org/drawingml/2006/compatibility" xmlns:p14="http://schemas.microsoft.com/office/powerpoint/2010/main" xmlns:p15="http://schemas.microsoft.com/office/powerpoint/2012/main" showMasterPhAnim="0" showMasterSp="0">
+<p:notes xmlns:a="http://schemas.openxmlformats.org/drawingml/2006/main" xmlns:r="http://schemas.openxmlformats.org/officeDocument/2006/relationships" xmlns:p="http://schemas.openxmlformats.org/presentationml/2006/main" showMasterSp="0" showMasterPhAnim="0">
   <p:cSld>
     <p:spTree>
       <p:nvGrpSpPr>
-        <p:cNvPr id="84" name="Shape 84"/>
+        <p:cNvPr id="1" name="Shape 84"/>
         <p:cNvGrpSpPr/>
         <p:nvPr/>
       </p:nvGrpSpPr>
@@ -1509,20 +1564,26 @@
       <p:sp>
         <p:nvSpPr>
           <p:cNvPr id="85" name="Google Shape;85;g33e7246047_0_10:notes"/>
-          <p:cNvSpPr/>
+          <p:cNvSpPr>
+            <a:spLocks noGrp="1" noRot="1" noChangeAspect="1"/>
+          </p:cNvSpPr>
           <p:nvPr>
-            <p:ph idx="2" type="sldImg"/>
+            <p:ph type="sldImg" idx="2"/>
           </p:nvPr>
         </p:nvSpPr>
         <p:spPr>
           <a:xfrm>
-            <a:off x="381300" y="685800"/>
+            <a:off x="381000" y="685800"/>
             <a:ext cx="6096000" cy="3429000"/>
           </a:xfrm>
           <a:custGeom>
-            <a:rect b="b" l="l" r="r" t="t"/>
+            <a:avLst/>
+            <a:gdLst/>
+            <a:ahLst/>
+            <a:cxnLst/>
+            <a:rect l="l" t="t" r="r" b="b"/>
             <a:pathLst>
-              <a:path extrusionOk="0" h="120000" w="120000">
+              <a:path w="120000" h="120000" extrusionOk="0">
                 <a:moveTo>
                   <a:pt x="0" y="0"/>
                 </a:moveTo>
@@ -1544,9 +1605,11 @@
       <p:sp>
         <p:nvSpPr>
           <p:cNvPr id="86" name="Google Shape;86;g33e7246047_0_10:notes"/>
-          <p:cNvSpPr txBox="1"/>
+          <p:cNvSpPr txBox="1">
+            <a:spLocks noGrp="1"/>
+          </p:cNvSpPr>
           <p:nvPr>
-            <p:ph idx="1" type="body"/>
+            <p:ph type="body" idx="1"/>
           </p:nvPr>
         </p:nvSpPr>
         <p:spPr>
@@ -1559,12 +1622,12 @@
           </a:prstGeom>
         </p:spPr>
         <p:txBody>
-          <a:bodyPr anchorCtr="0" anchor="t" bIns="91425" lIns="91425" spcFirstLastPara="1" rIns="91425" wrap="square" tIns="91425">
+          <a:bodyPr spcFirstLastPara="1" wrap="square" lIns="91425" tIns="91425" rIns="91425" bIns="91425" anchor="t" anchorCtr="0">
             <a:noAutofit/>
           </a:bodyPr>
           <a:lstStyle/>
           <a:p>
-            <a:pPr indent="0" lvl="0" marL="0" rtl="0" algn="l">
+            <a:pPr marL="0" lvl="0" indent="0" algn="l" rtl="0">
               <a:spcBef>
                 <a:spcPts val="0"/>
               </a:spcBef>
@@ -1573,9 +1636,6 @@
               </a:spcAft>
               <a:buNone/>
             </a:pPr>
-            <a:r>
-              <a:t/>
-            </a:r>
             <a:endParaRPr/>
           </a:p>
         </p:txBody>
@@ -1589,11 +1649,11 @@
 </file>
 
 <file path=ppt/notesSlides/notesSlide7.xml><?xml version="1.0" encoding="utf-8"?>
-<p:notes xmlns:a="http://schemas.openxmlformats.org/drawingml/2006/main" xmlns:r="http://schemas.openxmlformats.org/officeDocument/2006/relationships" xmlns:mc="http://schemas.openxmlformats.org/markup-compatibility/2006" xmlns:mv="urn:schemas-microsoft-com:mac:vml" xmlns:p="http://schemas.openxmlformats.org/presentationml/2006/main" xmlns:c="http://schemas.openxmlformats.org/drawingml/2006/chart" xmlns:dgm="http://schemas.openxmlformats.org/drawingml/2006/diagram" xmlns:o="urn:schemas-microsoft-com:office:office" xmlns:v="urn:schemas-microsoft-com:vml" xmlns:pvml="urn:schemas-microsoft-com:office:powerpoint" xmlns:com="http://schemas.openxmlformats.org/drawingml/2006/compatibility" xmlns:p14="http://schemas.microsoft.com/office/powerpoint/2010/main" xmlns:p15="http://schemas.microsoft.com/office/powerpoint/2012/main" showMasterPhAnim="0" showMasterSp="0">
+<p:notes xmlns:a="http://schemas.openxmlformats.org/drawingml/2006/main" xmlns:r="http://schemas.openxmlformats.org/officeDocument/2006/relationships" xmlns:p="http://schemas.openxmlformats.org/presentationml/2006/main" showMasterSp="0" showMasterPhAnim="0">
   <p:cSld>
     <p:spTree>
       <p:nvGrpSpPr>
-        <p:cNvPr id="91" name="Shape 91"/>
+        <p:cNvPr id="1" name="Shape 91"/>
         <p:cNvGrpSpPr/>
         <p:nvPr/>
       </p:nvGrpSpPr>
@@ -1608,20 +1668,26 @@
       <p:sp>
         <p:nvSpPr>
           <p:cNvPr id="92" name="Google Shape;92;g33e7246047_0_27:notes"/>
-          <p:cNvSpPr/>
+          <p:cNvSpPr>
+            <a:spLocks noGrp="1" noRot="1" noChangeAspect="1"/>
+          </p:cNvSpPr>
           <p:nvPr>
-            <p:ph idx="2" type="sldImg"/>
+            <p:ph type="sldImg" idx="2"/>
           </p:nvPr>
         </p:nvSpPr>
         <p:spPr>
           <a:xfrm>
-            <a:off x="381300" y="685800"/>
+            <a:off x="381000" y="685800"/>
             <a:ext cx="6096000" cy="3429000"/>
           </a:xfrm>
           <a:custGeom>
-            <a:rect b="b" l="l" r="r" t="t"/>
+            <a:avLst/>
+            <a:gdLst/>
+            <a:ahLst/>
+            <a:cxnLst/>
+            <a:rect l="l" t="t" r="r" b="b"/>
             <a:pathLst>
-              <a:path extrusionOk="0" h="120000" w="120000">
+              <a:path w="120000" h="120000" extrusionOk="0">
                 <a:moveTo>
                   <a:pt x="0" y="0"/>
                 </a:moveTo>
@@ -1643,9 +1709,11 @@
       <p:sp>
         <p:nvSpPr>
           <p:cNvPr id="93" name="Google Shape;93;g33e7246047_0_27:notes"/>
-          <p:cNvSpPr txBox="1"/>
+          <p:cNvSpPr txBox="1">
+            <a:spLocks noGrp="1"/>
+          </p:cNvSpPr>
           <p:nvPr>
-            <p:ph idx="1" type="body"/>
+            <p:ph type="body" idx="1"/>
           </p:nvPr>
         </p:nvSpPr>
         <p:spPr>
@@ -1658,12 +1726,12 @@
           </a:prstGeom>
         </p:spPr>
         <p:txBody>
-          <a:bodyPr anchorCtr="0" anchor="t" bIns="91425" lIns="91425" spcFirstLastPara="1" rIns="91425" wrap="square" tIns="91425">
+          <a:bodyPr spcFirstLastPara="1" wrap="square" lIns="91425" tIns="91425" rIns="91425" bIns="91425" anchor="t" anchorCtr="0">
             <a:noAutofit/>
           </a:bodyPr>
           <a:lstStyle/>
           <a:p>
-            <a:pPr indent="0" lvl="0" marL="0" rtl="0" algn="l">
+            <a:pPr marL="0" lvl="0" indent="0" algn="l" rtl="0">
               <a:spcBef>
                 <a:spcPts val="0"/>
               </a:spcBef>
@@ -1672,9 +1740,6 @@
               </a:spcAft>
               <a:buNone/>
             </a:pPr>
-            <a:r>
-              <a:t/>
-            </a:r>
             <a:endParaRPr/>
           </a:p>
         </p:txBody>
@@ -1688,11 +1753,11 @@
 </file>
 
 <file path=ppt/notesSlides/notesSlide8.xml><?xml version="1.0" encoding="utf-8"?>
-<p:notes xmlns:a="http://schemas.openxmlformats.org/drawingml/2006/main" xmlns:r="http://schemas.openxmlformats.org/officeDocument/2006/relationships" xmlns:mc="http://schemas.openxmlformats.org/markup-compatibility/2006" xmlns:mv="urn:schemas-microsoft-com:mac:vml" xmlns:p="http://schemas.openxmlformats.org/presentationml/2006/main" xmlns:c="http://schemas.openxmlformats.org/drawingml/2006/chart" xmlns:dgm="http://schemas.openxmlformats.org/drawingml/2006/diagram" xmlns:o="urn:schemas-microsoft-com:office:office" xmlns:v="urn:schemas-microsoft-com:vml" xmlns:pvml="urn:schemas-microsoft-com:office:powerpoint" xmlns:com="http://schemas.openxmlformats.org/drawingml/2006/compatibility" xmlns:p14="http://schemas.microsoft.com/office/powerpoint/2010/main" xmlns:p15="http://schemas.microsoft.com/office/powerpoint/2012/main" showMasterPhAnim="0" showMasterSp="0">
+<p:notes xmlns:a="http://schemas.openxmlformats.org/drawingml/2006/main" xmlns:r="http://schemas.openxmlformats.org/officeDocument/2006/relationships" xmlns:p="http://schemas.openxmlformats.org/presentationml/2006/main" showMasterSp="0" showMasterPhAnim="0">
   <p:cSld>
     <p:spTree>
       <p:nvGrpSpPr>
-        <p:cNvPr id="98" name="Shape 98"/>
+        <p:cNvPr id="1" name="Shape 98"/>
         <p:cNvGrpSpPr/>
         <p:nvPr/>
       </p:nvGrpSpPr>
@@ -1707,20 +1772,26 @@
       <p:sp>
         <p:nvSpPr>
           <p:cNvPr id="99" name="Google Shape;99;g33e7246047_0_33:notes"/>
-          <p:cNvSpPr/>
+          <p:cNvSpPr>
+            <a:spLocks noGrp="1" noRot="1" noChangeAspect="1"/>
+          </p:cNvSpPr>
           <p:nvPr>
-            <p:ph idx="2" type="sldImg"/>
+            <p:ph type="sldImg" idx="2"/>
           </p:nvPr>
         </p:nvSpPr>
         <p:spPr>
           <a:xfrm>
-            <a:off x="381300" y="685800"/>
+            <a:off x="381000" y="685800"/>
             <a:ext cx="6096000" cy="3429000"/>
           </a:xfrm>
           <a:custGeom>
-            <a:rect b="b" l="l" r="r" t="t"/>
+            <a:avLst/>
+            <a:gdLst/>
+            <a:ahLst/>
+            <a:cxnLst/>
+            <a:rect l="l" t="t" r="r" b="b"/>
             <a:pathLst>
-              <a:path extrusionOk="0" h="120000" w="120000">
+              <a:path w="120000" h="120000" extrusionOk="0">
                 <a:moveTo>
                   <a:pt x="0" y="0"/>
                 </a:moveTo>
@@ -1742,9 +1813,11 @@
       <p:sp>
         <p:nvSpPr>
           <p:cNvPr id="100" name="Google Shape;100;g33e7246047_0_33:notes"/>
-          <p:cNvSpPr txBox="1"/>
+          <p:cNvSpPr txBox="1">
+            <a:spLocks noGrp="1"/>
+          </p:cNvSpPr>
           <p:nvPr>
-            <p:ph idx="1" type="body"/>
+            <p:ph type="body" idx="1"/>
           </p:nvPr>
         </p:nvSpPr>
         <p:spPr>
@@ -1757,12 +1830,12 @@
           </a:prstGeom>
         </p:spPr>
         <p:txBody>
-          <a:bodyPr anchorCtr="0" anchor="t" bIns="91425" lIns="91425" spcFirstLastPara="1" rIns="91425" wrap="square" tIns="91425">
+          <a:bodyPr spcFirstLastPara="1" wrap="square" lIns="91425" tIns="91425" rIns="91425" bIns="91425" anchor="t" anchorCtr="0">
             <a:noAutofit/>
           </a:bodyPr>
           <a:lstStyle/>
           <a:p>
-            <a:pPr indent="0" lvl="0" marL="0" rtl="0" algn="l">
+            <a:pPr marL="0" lvl="0" indent="0" algn="l" rtl="0">
               <a:spcBef>
                 <a:spcPts val="0"/>
               </a:spcBef>
@@ -1771,9 +1844,6 @@
               </a:spcAft>
               <a:buNone/>
             </a:pPr>
-            <a:r>
-              <a:t/>
-            </a:r>
             <a:endParaRPr/>
           </a:p>
         </p:txBody>
@@ -1787,11 +1857,11 @@
 </file>
 
 <file path=ppt/notesSlides/notesSlide9.xml><?xml version="1.0" encoding="utf-8"?>
-<p:notes xmlns:a="http://schemas.openxmlformats.org/drawingml/2006/main" xmlns:r="http://schemas.openxmlformats.org/officeDocument/2006/relationships" xmlns:mc="http://schemas.openxmlformats.org/markup-compatibility/2006" xmlns:mv="urn:schemas-microsoft-com:mac:vml" xmlns:p="http://schemas.openxmlformats.org/presentationml/2006/main" xmlns:c="http://schemas.openxmlformats.org/drawingml/2006/chart" xmlns:dgm="http://schemas.openxmlformats.org/drawingml/2006/diagram" xmlns:o="urn:schemas-microsoft-com:office:office" xmlns:v="urn:schemas-microsoft-com:vml" xmlns:pvml="urn:schemas-microsoft-com:office:powerpoint" xmlns:com="http://schemas.openxmlformats.org/drawingml/2006/compatibility" xmlns:p14="http://schemas.microsoft.com/office/powerpoint/2010/main" xmlns:p15="http://schemas.microsoft.com/office/powerpoint/2012/main" showMasterPhAnim="0" showMasterSp="0">
+<p:notes xmlns:a="http://schemas.openxmlformats.org/drawingml/2006/main" xmlns:r="http://schemas.openxmlformats.org/officeDocument/2006/relationships" xmlns:p="http://schemas.openxmlformats.org/presentationml/2006/main" showMasterSp="0" showMasterPhAnim="0">
   <p:cSld>
     <p:spTree>
       <p:nvGrpSpPr>
-        <p:cNvPr id="105" name="Shape 105"/>
+        <p:cNvPr id="1" name="Shape 105"/>
         <p:cNvGrpSpPr/>
         <p:nvPr/>
       </p:nvGrpSpPr>
@@ -1806,20 +1876,26 @@
       <p:sp>
         <p:nvSpPr>
           <p:cNvPr id="106" name="Google Shape;106;g33e7246047_0_40:notes"/>
-          <p:cNvSpPr/>
+          <p:cNvSpPr>
+            <a:spLocks noGrp="1" noRot="1" noChangeAspect="1"/>
+          </p:cNvSpPr>
           <p:nvPr>
-            <p:ph idx="2" type="sldImg"/>
+            <p:ph type="sldImg" idx="2"/>
           </p:nvPr>
         </p:nvSpPr>
         <p:spPr>
           <a:xfrm>
-            <a:off x="381300" y="685800"/>
+            <a:off x="381000" y="685800"/>
             <a:ext cx="6096000" cy="3429000"/>
           </a:xfrm>
           <a:custGeom>
-            <a:rect b="b" l="l" r="r" t="t"/>
+            <a:avLst/>
+            <a:gdLst/>
+            <a:ahLst/>
+            <a:cxnLst/>
+            <a:rect l="l" t="t" r="r" b="b"/>
             <a:pathLst>
-              <a:path extrusionOk="0" h="120000" w="120000">
+              <a:path w="120000" h="120000" extrusionOk="0">
                 <a:moveTo>
                   <a:pt x="0" y="0"/>
                 </a:moveTo>
@@ -1841,9 +1917,11 @@
       <p:sp>
         <p:nvSpPr>
           <p:cNvPr id="107" name="Google Shape;107;g33e7246047_0_40:notes"/>
-          <p:cNvSpPr txBox="1"/>
+          <p:cNvSpPr txBox="1">
+            <a:spLocks noGrp="1"/>
+          </p:cNvSpPr>
           <p:nvPr>
-            <p:ph idx="1" type="body"/>
+            <p:ph type="body" idx="1"/>
           </p:nvPr>
         </p:nvSpPr>
         <p:spPr>
@@ -1856,12 +1934,12 @@
           </a:prstGeom>
         </p:spPr>
         <p:txBody>
-          <a:bodyPr anchorCtr="0" anchor="t" bIns="91425" lIns="91425" spcFirstLastPara="1" rIns="91425" wrap="square" tIns="91425">
+          <a:bodyPr spcFirstLastPara="1" wrap="square" lIns="91425" tIns="91425" rIns="91425" bIns="91425" anchor="t" anchorCtr="0">
             <a:noAutofit/>
           </a:bodyPr>
           <a:lstStyle/>
           <a:p>
-            <a:pPr indent="0" lvl="0" marL="0" rtl="0" algn="l">
+            <a:pPr marL="0" lvl="0" indent="0" algn="l" rtl="0">
               <a:spcBef>
                 <a:spcPts val="0"/>
               </a:spcBef>
@@ -1870,9 +1948,6 @@
               </a:spcAft>
               <a:buNone/>
             </a:pPr>
-            <a:r>
-              <a:t/>
-            </a:r>
             <a:endParaRPr/>
           </a:p>
         </p:txBody>
@@ -1886,11 +1961,11 @@
 </file>
 
 <file path=ppt/slideLayouts/slideLayout1.xml><?xml version="1.0" encoding="utf-8"?>
-<p:sldLayout xmlns:a="http://schemas.openxmlformats.org/drawingml/2006/main" xmlns:r="http://schemas.openxmlformats.org/officeDocument/2006/relationships" xmlns:mc="http://schemas.openxmlformats.org/markup-compatibility/2006" xmlns:mv="urn:schemas-microsoft-com:mac:vml" xmlns:p="http://schemas.openxmlformats.org/presentationml/2006/main" xmlns:c="http://schemas.openxmlformats.org/drawingml/2006/chart" xmlns:dgm="http://schemas.openxmlformats.org/drawingml/2006/diagram" xmlns:o="urn:schemas-microsoft-com:office:office" xmlns:v="urn:schemas-microsoft-com:vml" xmlns:pvml="urn:schemas-microsoft-com:office:powerpoint" xmlns:com="http://schemas.openxmlformats.org/drawingml/2006/compatibility" xmlns:p14="http://schemas.microsoft.com/office/powerpoint/2010/main" xmlns:p15="http://schemas.microsoft.com/office/powerpoint/2012/main" matchingName="Title slide" type="title">
+<p:sldLayout xmlns:a="http://schemas.openxmlformats.org/drawingml/2006/main" xmlns:r="http://schemas.openxmlformats.org/officeDocument/2006/relationships" xmlns:p="http://schemas.openxmlformats.org/presentationml/2006/main" matchingName="Title slide" type="title">
   <p:cSld name="TITLE">
     <p:spTree>
       <p:nvGrpSpPr>
-        <p:cNvPr id="9" name="Shape 9"/>
+        <p:cNvPr id="1" name="Shape 9"/>
         <p:cNvGrpSpPr/>
         <p:nvPr/>
       </p:nvGrpSpPr>
@@ -1905,7 +1980,9 @@
       <p:sp>
         <p:nvSpPr>
           <p:cNvPr id="10" name="Google Shape;10;p2"/>
-          <p:cNvSpPr txBox="1"/>
+          <p:cNvSpPr txBox="1">
+            <a:spLocks noGrp="1"/>
+          </p:cNvSpPr>
           <p:nvPr>
             <p:ph type="ctrTitle"/>
           </p:nvPr>
@@ -1920,7 +1997,7 @@
           </a:prstGeom>
         </p:spPr>
         <p:txBody>
-          <a:bodyPr anchorCtr="0" anchor="b" bIns="91425" lIns="91425" spcFirstLastPara="1" rIns="91425" wrap="square" tIns="91425">
+          <a:bodyPr spcFirstLastPara="1" wrap="square" lIns="91425" tIns="91425" rIns="91425" bIns="91425" anchor="b" anchorCtr="0">
             <a:noAutofit/>
           </a:bodyPr>
           <a:lstStyle>
@@ -2024,15 +2101,19 @@
               <a:defRPr sz="5200"/>
             </a:lvl9pPr>
           </a:lstStyle>
-          <a:p/>
+          <a:p>
+            <a:endParaRPr/>
+          </a:p>
         </p:txBody>
       </p:sp>
       <p:sp>
         <p:nvSpPr>
           <p:cNvPr id="11" name="Google Shape;11;p2"/>
-          <p:cNvSpPr txBox="1"/>
+          <p:cNvSpPr txBox="1">
+            <a:spLocks noGrp="1"/>
+          </p:cNvSpPr>
           <p:nvPr>
-            <p:ph idx="1" type="subTitle"/>
+            <p:ph type="subTitle" idx="1"/>
           </p:nvPr>
         </p:nvSpPr>
         <p:spPr>
@@ -2045,7 +2126,7 @@
           </a:prstGeom>
         </p:spPr>
         <p:txBody>
-          <a:bodyPr anchorCtr="0" anchor="t" bIns="91425" lIns="91425" spcFirstLastPara="1" rIns="91425" wrap="square" tIns="91425">
+          <a:bodyPr spcFirstLastPara="1" wrap="square" lIns="91425" tIns="91425" rIns="91425" bIns="91425" anchor="t" anchorCtr="0">
             <a:noAutofit/>
           </a:bodyPr>
           <a:lstStyle>
@@ -2176,15 +2257,19 @@
               <a:defRPr sz="2800"/>
             </a:lvl9pPr>
           </a:lstStyle>
-          <a:p/>
+          <a:p>
+            <a:endParaRPr/>
+          </a:p>
         </p:txBody>
       </p:sp>
       <p:sp>
         <p:nvSpPr>
           <p:cNvPr id="12" name="Google Shape;12;p2"/>
-          <p:cNvSpPr txBox="1"/>
+          <p:cNvSpPr txBox="1">
+            <a:spLocks noGrp="1"/>
+          </p:cNvSpPr>
           <p:nvPr>
-            <p:ph idx="12" type="sldNum"/>
+            <p:ph type="sldNum" idx="12"/>
           </p:nvPr>
         </p:nvSpPr>
         <p:spPr>
@@ -2197,7 +2282,7 @@
           </a:prstGeom>
         </p:spPr>
         <p:txBody>
-          <a:bodyPr anchorCtr="0" anchor="ctr" bIns="91425" lIns="91425" spcFirstLastPara="1" rIns="91425" wrap="square" tIns="91425">
+          <a:bodyPr spcFirstLastPara="1" wrap="square" lIns="91425" tIns="91425" rIns="91425" bIns="91425" anchor="ctr" anchorCtr="0">
             <a:noAutofit/>
           </a:bodyPr>
           <a:lstStyle>
@@ -2239,7 +2324,7 @@
             </a:lvl9pPr>
           </a:lstStyle>
           <a:p>
-            <a:pPr indent="0" lvl="0" marL="0" rtl="0" algn="r">
+            <a:pPr marL="0" lvl="0" indent="0" algn="r" rtl="0">
               <a:spcBef>
                 <a:spcPts val="0"/>
               </a:spcBef>
@@ -2265,11 +2350,11 @@
 </file>
 
 <file path=ppt/slideLayouts/slideLayout10.xml><?xml version="1.0" encoding="utf-8"?>
-<p:sldLayout xmlns:a="http://schemas.openxmlformats.org/drawingml/2006/main" xmlns:r="http://schemas.openxmlformats.org/officeDocument/2006/relationships" xmlns:mc="http://schemas.openxmlformats.org/markup-compatibility/2006" xmlns:mv="urn:schemas-microsoft-com:mac:vml" xmlns:p="http://schemas.openxmlformats.org/presentationml/2006/main" xmlns:c="http://schemas.openxmlformats.org/drawingml/2006/chart" xmlns:dgm="http://schemas.openxmlformats.org/drawingml/2006/diagram" xmlns:o="urn:schemas-microsoft-com:office:office" xmlns:v="urn:schemas-microsoft-com:vml" xmlns:pvml="urn:schemas-microsoft-com:office:powerpoint" xmlns:com="http://schemas.openxmlformats.org/drawingml/2006/compatibility" xmlns:p14="http://schemas.microsoft.com/office/powerpoint/2010/main" xmlns:p15="http://schemas.microsoft.com/office/powerpoint/2012/main" matchingName="Big number">
+<p:sldLayout xmlns:a="http://schemas.openxmlformats.org/drawingml/2006/main" xmlns:r="http://schemas.openxmlformats.org/officeDocument/2006/relationships" xmlns:p="http://schemas.openxmlformats.org/presentationml/2006/main" matchingName="Big number">
   <p:cSld name="BIG_NUMBER">
     <p:spTree>
       <p:nvGrpSpPr>
-        <p:cNvPr id="44" name="Shape 44"/>
+        <p:cNvPr id="1" name="Shape 44"/>
         <p:cNvGrpSpPr/>
         <p:nvPr/>
       </p:nvGrpSpPr>
@@ -2284,9 +2369,11 @@
       <p:sp>
         <p:nvSpPr>
           <p:cNvPr id="45" name="Google Shape;45;p11"/>
-          <p:cNvSpPr txBox="1"/>
+          <p:cNvSpPr txBox="1">
+            <a:spLocks noGrp="1"/>
+          </p:cNvSpPr>
           <p:nvPr>
-            <p:ph hasCustomPrompt="1" type="title"/>
+            <p:ph type="title" hasCustomPrompt="1"/>
           </p:nvPr>
         </p:nvSpPr>
         <p:spPr>
@@ -2299,7 +2386,7 @@
           </a:prstGeom>
         </p:spPr>
         <p:txBody>
-          <a:bodyPr anchorCtr="0" anchor="b" bIns="91425" lIns="91425" spcFirstLastPara="1" rIns="91425" wrap="square" tIns="91425">
+          <a:bodyPr spcFirstLastPara="1" wrap="square" lIns="91425" tIns="91425" rIns="91425" bIns="91425" anchor="b" anchorCtr="0">
             <a:noAutofit/>
           </a:bodyPr>
           <a:lstStyle>
@@ -2413,9 +2500,11 @@
       <p:sp>
         <p:nvSpPr>
           <p:cNvPr id="46" name="Google Shape;46;p11"/>
-          <p:cNvSpPr txBox="1"/>
+          <p:cNvSpPr txBox="1">
+            <a:spLocks noGrp="1"/>
+          </p:cNvSpPr>
           <p:nvPr>
-            <p:ph idx="1" type="body"/>
+            <p:ph type="body" idx="1"/>
           </p:nvPr>
         </p:nvSpPr>
         <p:spPr>
@@ -2428,11 +2517,11 @@
           </a:prstGeom>
         </p:spPr>
         <p:txBody>
-          <a:bodyPr anchorCtr="0" anchor="t" bIns="91425" lIns="91425" spcFirstLastPara="1" rIns="91425" wrap="square" tIns="91425">
+          <a:bodyPr spcFirstLastPara="1" wrap="square" lIns="91425" tIns="91425" rIns="91425" bIns="91425" anchor="t" anchorCtr="0">
             <a:noAutofit/>
           </a:bodyPr>
           <a:lstStyle>
-            <a:lvl1pPr indent="-342900" lvl="0" marL="457200" algn="ctr">
+            <a:lvl1pPr marL="457200" lvl="0" indent="-342900" algn="ctr">
               <a:spcBef>
                 <a:spcPts val="0"/>
               </a:spcBef>
@@ -2443,7 +2532,7 @@
               <a:buChar char="●"/>
               <a:defRPr/>
             </a:lvl1pPr>
-            <a:lvl2pPr indent="-317500" lvl="1" marL="914400" algn="ctr">
+            <a:lvl2pPr marL="914400" lvl="1" indent="-317500" algn="ctr">
               <a:spcBef>
                 <a:spcPts val="1600"/>
               </a:spcBef>
@@ -2454,7 +2543,7 @@
               <a:buChar char="○"/>
               <a:defRPr/>
             </a:lvl2pPr>
-            <a:lvl3pPr indent="-317500" lvl="2" marL="1371600" algn="ctr">
+            <a:lvl3pPr marL="1371600" lvl="2" indent="-317500" algn="ctr">
               <a:spcBef>
                 <a:spcPts val="1600"/>
               </a:spcBef>
@@ -2465,7 +2554,7 @@
               <a:buChar char="■"/>
               <a:defRPr/>
             </a:lvl3pPr>
-            <a:lvl4pPr indent="-317500" lvl="3" marL="1828800" algn="ctr">
+            <a:lvl4pPr marL="1828800" lvl="3" indent="-317500" algn="ctr">
               <a:spcBef>
                 <a:spcPts val="1600"/>
               </a:spcBef>
@@ -2476,7 +2565,7 @@
               <a:buChar char="●"/>
               <a:defRPr/>
             </a:lvl4pPr>
-            <a:lvl5pPr indent="-317500" lvl="4" marL="2286000" algn="ctr">
+            <a:lvl5pPr marL="2286000" lvl="4" indent="-317500" algn="ctr">
               <a:spcBef>
                 <a:spcPts val="1600"/>
               </a:spcBef>
@@ -2487,7 +2576,7 @@
               <a:buChar char="○"/>
               <a:defRPr/>
             </a:lvl5pPr>
-            <a:lvl6pPr indent="-317500" lvl="5" marL="2743200" algn="ctr">
+            <a:lvl6pPr marL="2743200" lvl="5" indent="-317500" algn="ctr">
               <a:spcBef>
                 <a:spcPts val="1600"/>
               </a:spcBef>
@@ -2498,7 +2587,7 @@
               <a:buChar char="■"/>
               <a:defRPr/>
             </a:lvl6pPr>
-            <a:lvl7pPr indent="-317500" lvl="6" marL="3200400" algn="ctr">
+            <a:lvl7pPr marL="3200400" lvl="6" indent="-317500" algn="ctr">
               <a:spcBef>
                 <a:spcPts val="1600"/>
               </a:spcBef>
@@ -2509,7 +2598,7 @@
               <a:buChar char="●"/>
               <a:defRPr/>
             </a:lvl7pPr>
-            <a:lvl8pPr indent="-317500" lvl="7" marL="3657600" algn="ctr">
+            <a:lvl8pPr marL="3657600" lvl="7" indent="-317500" algn="ctr">
               <a:spcBef>
                 <a:spcPts val="1600"/>
               </a:spcBef>
@@ -2520,7 +2609,7 @@
               <a:buChar char="○"/>
               <a:defRPr/>
             </a:lvl8pPr>
-            <a:lvl9pPr indent="-317500" lvl="8" marL="4114800" algn="ctr">
+            <a:lvl9pPr marL="4114800" lvl="8" indent="-317500" algn="ctr">
               <a:spcBef>
                 <a:spcPts val="1600"/>
               </a:spcBef>
@@ -2532,15 +2621,19 @@
               <a:defRPr/>
             </a:lvl9pPr>
           </a:lstStyle>
-          <a:p/>
+          <a:p>
+            <a:endParaRPr/>
+          </a:p>
         </p:txBody>
       </p:sp>
       <p:sp>
         <p:nvSpPr>
           <p:cNvPr id="47" name="Google Shape;47;p11"/>
-          <p:cNvSpPr txBox="1"/>
+          <p:cNvSpPr txBox="1">
+            <a:spLocks noGrp="1"/>
+          </p:cNvSpPr>
           <p:nvPr>
-            <p:ph idx="12" type="sldNum"/>
+            <p:ph type="sldNum" idx="12"/>
           </p:nvPr>
         </p:nvSpPr>
         <p:spPr>
@@ -2553,7 +2646,7 @@
           </a:prstGeom>
         </p:spPr>
         <p:txBody>
-          <a:bodyPr anchorCtr="0" anchor="ctr" bIns="91425" lIns="91425" spcFirstLastPara="1" rIns="91425" wrap="square" tIns="91425">
+          <a:bodyPr spcFirstLastPara="1" wrap="square" lIns="91425" tIns="91425" rIns="91425" bIns="91425" anchor="ctr" anchorCtr="0">
             <a:noAutofit/>
           </a:bodyPr>
           <a:lstStyle>
@@ -2595,7 +2688,7 @@
             </a:lvl9pPr>
           </a:lstStyle>
           <a:p>
-            <a:pPr indent="0" lvl="0" marL="0" rtl="0" algn="r">
+            <a:pPr marL="0" lvl="0" indent="0" algn="r" rtl="0">
               <a:spcBef>
                 <a:spcPts val="0"/>
               </a:spcBef>
@@ -2621,11 +2714,11 @@
 </file>
 
 <file path=ppt/slideLayouts/slideLayout11.xml><?xml version="1.0" encoding="utf-8"?>
-<p:sldLayout xmlns:a="http://schemas.openxmlformats.org/drawingml/2006/main" xmlns:r="http://schemas.openxmlformats.org/officeDocument/2006/relationships" xmlns:mc="http://schemas.openxmlformats.org/markup-compatibility/2006" xmlns:mv="urn:schemas-microsoft-com:mac:vml" xmlns:p="http://schemas.openxmlformats.org/presentationml/2006/main" xmlns:c="http://schemas.openxmlformats.org/drawingml/2006/chart" xmlns:dgm="http://schemas.openxmlformats.org/drawingml/2006/diagram" xmlns:o="urn:schemas-microsoft-com:office:office" xmlns:v="urn:schemas-microsoft-com:vml" xmlns:pvml="urn:schemas-microsoft-com:office:powerpoint" xmlns:com="http://schemas.openxmlformats.org/drawingml/2006/compatibility" xmlns:p14="http://schemas.microsoft.com/office/powerpoint/2010/main" xmlns:p15="http://schemas.microsoft.com/office/powerpoint/2012/main" matchingName="Blank" type="blank">
+<p:sldLayout xmlns:a="http://schemas.openxmlformats.org/drawingml/2006/main" xmlns:r="http://schemas.openxmlformats.org/officeDocument/2006/relationships" xmlns:p="http://schemas.openxmlformats.org/presentationml/2006/main" matchingName="Blank" type="blank">
   <p:cSld name="BLANK">
     <p:spTree>
       <p:nvGrpSpPr>
-        <p:cNvPr id="48" name="Shape 48"/>
+        <p:cNvPr id="1" name="Shape 48"/>
         <p:cNvGrpSpPr/>
         <p:nvPr/>
       </p:nvGrpSpPr>
@@ -2640,9 +2733,11 @@
       <p:sp>
         <p:nvSpPr>
           <p:cNvPr id="49" name="Google Shape;49;p12"/>
-          <p:cNvSpPr txBox="1"/>
+          <p:cNvSpPr txBox="1">
+            <a:spLocks noGrp="1"/>
+          </p:cNvSpPr>
           <p:nvPr>
-            <p:ph idx="12" type="sldNum"/>
+            <p:ph type="sldNum" idx="12"/>
           </p:nvPr>
         </p:nvSpPr>
         <p:spPr>
@@ -2655,7 +2750,7 @@
           </a:prstGeom>
         </p:spPr>
         <p:txBody>
-          <a:bodyPr anchorCtr="0" anchor="ctr" bIns="91425" lIns="91425" spcFirstLastPara="1" rIns="91425" wrap="square" tIns="91425">
+          <a:bodyPr spcFirstLastPara="1" wrap="square" lIns="91425" tIns="91425" rIns="91425" bIns="91425" anchor="ctr" anchorCtr="0">
             <a:noAutofit/>
           </a:bodyPr>
           <a:lstStyle>
@@ -2697,7 +2792,7 @@
             </a:lvl9pPr>
           </a:lstStyle>
           <a:p>
-            <a:pPr indent="0" lvl="0" marL="0" rtl="0" algn="r">
+            <a:pPr marL="0" lvl="0" indent="0" algn="r" rtl="0">
               <a:spcBef>
                 <a:spcPts val="0"/>
               </a:spcBef>
@@ -2723,11 +2818,11 @@
 </file>
 
 <file path=ppt/slideLayouts/slideLayout2.xml><?xml version="1.0" encoding="utf-8"?>
-<p:sldLayout xmlns:a="http://schemas.openxmlformats.org/drawingml/2006/main" xmlns:r="http://schemas.openxmlformats.org/officeDocument/2006/relationships" xmlns:mc="http://schemas.openxmlformats.org/markup-compatibility/2006" xmlns:mv="urn:schemas-microsoft-com:mac:vml" xmlns:p="http://schemas.openxmlformats.org/presentationml/2006/main" xmlns:c="http://schemas.openxmlformats.org/drawingml/2006/chart" xmlns:dgm="http://schemas.openxmlformats.org/drawingml/2006/diagram" xmlns:o="urn:schemas-microsoft-com:office:office" xmlns:v="urn:schemas-microsoft-com:vml" xmlns:pvml="urn:schemas-microsoft-com:office:powerpoint" xmlns:com="http://schemas.openxmlformats.org/drawingml/2006/compatibility" xmlns:p14="http://schemas.microsoft.com/office/powerpoint/2010/main" xmlns:p15="http://schemas.microsoft.com/office/powerpoint/2012/main" matchingName="Section header" type="secHead">
+<p:sldLayout xmlns:a="http://schemas.openxmlformats.org/drawingml/2006/main" xmlns:r="http://schemas.openxmlformats.org/officeDocument/2006/relationships" xmlns:p="http://schemas.openxmlformats.org/presentationml/2006/main" matchingName="Section header" type="secHead">
   <p:cSld name="SECTION_HEADER">
     <p:spTree>
       <p:nvGrpSpPr>
-        <p:cNvPr id="13" name="Shape 13"/>
+        <p:cNvPr id="1" name="Shape 13"/>
         <p:cNvGrpSpPr/>
         <p:nvPr/>
       </p:nvGrpSpPr>
@@ -2742,7 +2837,9 @@
       <p:sp>
         <p:nvSpPr>
           <p:cNvPr id="14" name="Google Shape;14;p3"/>
-          <p:cNvSpPr txBox="1"/>
+          <p:cNvSpPr txBox="1">
+            <a:spLocks noGrp="1"/>
+          </p:cNvSpPr>
           <p:nvPr>
             <p:ph type="title"/>
           </p:nvPr>
@@ -2757,7 +2854,7 @@
           </a:prstGeom>
         </p:spPr>
         <p:txBody>
-          <a:bodyPr anchorCtr="0" anchor="ctr" bIns="91425" lIns="91425" spcFirstLastPara="1" rIns="91425" wrap="square" tIns="91425">
+          <a:bodyPr spcFirstLastPara="1" wrap="square" lIns="91425" tIns="91425" rIns="91425" bIns="91425" anchor="ctr" anchorCtr="0">
             <a:noAutofit/>
           </a:bodyPr>
           <a:lstStyle>
@@ -2861,15 +2958,19 @@
               <a:defRPr sz="3600"/>
             </a:lvl9pPr>
           </a:lstStyle>
-          <a:p/>
+          <a:p>
+            <a:endParaRPr/>
+          </a:p>
         </p:txBody>
       </p:sp>
       <p:sp>
         <p:nvSpPr>
           <p:cNvPr id="15" name="Google Shape;15;p3"/>
-          <p:cNvSpPr txBox="1"/>
+          <p:cNvSpPr txBox="1">
+            <a:spLocks noGrp="1"/>
+          </p:cNvSpPr>
           <p:nvPr>
-            <p:ph idx="12" type="sldNum"/>
+            <p:ph type="sldNum" idx="12"/>
           </p:nvPr>
         </p:nvSpPr>
         <p:spPr>
@@ -2882,7 +2983,7 @@
           </a:prstGeom>
         </p:spPr>
         <p:txBody>
-          <a:bodyPr anchorCtr="0" anchor="ctr" bIns="91425" lIns="91425" spcFirstLastPara="1" rIns="91425" wrap="square" tIns="91425">
+          <a:bodyPr spcFirstLastPara="1" wrap="square" lIns="91425" tIns="91425" rIns="91425" bIns="91425" anchor="ctr" anchorCtr="0">
             <a:noAutofit/>
           </a:bodyPr>
           <a:lstStyle>
@@ -2924,7 +3025,7 @@
             </a:lvl9pPr>
           </a:lstStyle>
           <a:p>
-            <a:pPr indent="0" lvl="0" marL="0" rtl="0" algn="r">
+            <a:pPr marL="0" lvl="0" indent="0" algn="r" rtl="0">
               <a:spcBef>
                 <a:spcPts val="0"/>
               </a:spcBef>
@@ -2950,11 +3051,11 @@
 </file>
 
 <file path=ppt/slideLayouts/slideLayout3.xml><?xml version="1.0" encoding="utf-8"?>
-<p:sldLayout xmlns:a="http://schemas.openxmlformats.org/drawingml/2006/main" xmlns:r="http://schemas.openxmlformats.org/officeDocument/2006/relationships" xmlns:mc="http://schemas.openxmlformats.org/markup-compatibility/2006" xmlns:mv="urn:schemas-microsoft-com:mac:vml" xmlns:p="http://schemas.openxmlformats.org/presentationml/2006/main" xmlns:c="http://schemas.openxmlformats.org/drawingml/2006/chart" xmlns:dgm="http://schemas.openxmlformats.org/drawingml/2006/diagram" xmlns:o="urn:schemas-microsoft-com:office:office" xmlns:v="urn:schemas-microsoft-com:vml" xmlns:pvml="urn:schemas-microsoft-com:office:powerpoint" xmlns:com="http://schemas.openxmlformats.org/drawingml/2006/compatibility" xmlns:p14="http://schemas.microsoft.com/office/powerpoint/2010/main" xmlns:p15="http://schemas.microsoft.com/office/powerpoint/2012/main" matchingName="Title and body" type="tx">
+<p:sldLayout xmlns:a="http://schemas.openxmlformats.org/drawingml/2006/main" xmlns:r="http://schemas.openxmlformats.org/officeDocument/2006/relationships" xmlns:p="http://schemas.openxmlformats.org/presentationml/2006/main" matchingName="Title and body" type="tx">
   <p:cSld name="TITLE_AND_BODY">
     <p:spTree>
       <p:nvGrpSpPr>
-        <p:cNvPr id="16" name="Shape 16"/>
+        <p:cNvPr id="1" name="Shape 16"/>
         <p:cNvGrpSpPr/>
         <p:nvPr/>
       </p:nvGrpSpPr>
@@ -2969,7 +3070,9 @@
       <p:sp>
         <p:nvSpPr>
           <p:cNvPr id="17" name="Google Shape;17;p4"/>
-          <p:cNvSpPr txBox="1"/>
+          <p:cNvSpPr txBox="1">
+            <a:spLocks noGrp="1"/>
+          </p:cNvSpPr>
           <p:nvPr>
             <p:ph type="title"/>
           </p:nvPr>
@@ -2984,7 +3087,7 @@
           </a:prstGeom>
         </p:spPr>
         <p:txBody>
-          <a:bodyPr anchorCtr="0" anchor="t" bIns="91425" lIns="91425" spcFirstLastPara="1" rIns="91425" wrap="square" tIns="91425">
+          <a:bodyPr spcFirstLastPara="1" wrap="square" lIns="91425" tIns="91425" rIns="91425" bIns="91425" anchor="t" anchorCtr="0">
             <a:noAutofit/>
           </a:bodyPr>
           <a:lstStyle>
@@ -3088,15 +3191,19 @@
               <a:defRPr/>
             </a:lvl9pPr>
           </a:lstStyle>
-          <a:p/>
+          <a:p>
+            <a:endParaRPr/>
+          </a:p>
         </p:txBody>
       </p:sp>
       <p:sp>
         <p:nvSpPr>
           <p:cNvPr id="18" name="Google Shape;18;p4"/>
-          <p:cNvSpPr txBox="1"/>
+          <p:cNvSpPr txBox="1">
+            <a:spLocks noGrp="1"/>
+          </p:cNvSpPr>
           <p:nvPr>
-            <p:ph idx="1" type="body"/>
+            <p:ph type="body" idx="1"/>
           </p:nvPr>
         </p:nvSpPr>
         <p:spPr>
@@ -3109,11 +3216,11 @@
           </a:prstGeom>
         </p:spPr>
         <p:txBody>
-          <a:bodyPr anchorCtr="0" anchor="t" bIns="91425" lIns="91425" spcFirstLastPara="1" rIns="91425" wrap="square" tIns="91425">
+          <a:bodyPr spcFirstLastPara="1" wrap="square" lIns="91425" tIns="91425" rIns="91425" bIns="91425" anchor="t" anchorCtr="0">
             <a:noAutofit/>
           </a:bodyPr>
           <a:lstStyle>
-            <a:lvl1pPr indent="-342900" lvl="0" marL="457200">
+            <a:lvl1pPr marL="457200" lvl="0" indent="-342900">
               <a:spcBef>
                 <a:spcPts val="0"/>
               </a:spcBef>
@@ -3124,7 +3231,7 @@
               <a:buChar char="●"/>
               <a:defRPr/>
             </a:lvl1pPr>
-            <a:lvl2pPr indent="-317500" lvl="1" marL="914400">
+            <a:lvl2pPr marL="914400" lvl="1" indent="-317500">
               <a:spcBef>
                 <a:spcPts val="1600"/>
               </a:spcBef>
@@ -3135,7 +3242,7 @@
               <a:buChar char="○"/>
               <a:defRPr/>
             </a:lvl2pPr>
-            <a:lvl3pPr indent="-317500" lvl="2" marL="1371600">
+            <a:lvl3pPr marL="1371600" lvl="2" indent="-317500">
               <a:spcBef>
                 <a:spcPts val="1600"/>
               </a:spcBef>
@@ -3146,7 +3253,7 @@
               <a:buChar char="■"/>
               <a:defRPr/>
             </a:lvl3pPr>
-            <a:lvl4pPr indent="-317500" lvl="3" marL="1828800">
+            <a:lvl4pPr marL="1828800" lvl="3" indent="-317500">
               <a:spcBef>
                 <a:spcPts val="1600"/>
               </a:spcBef>
@@ -3157,7 +3264,7 @@
               <a:buChar char="●"/>
               <a:defRPr/>
             </a:lvl4pPr>
-            <a:lvl5pPr indent="-317500" lvl="4" marL="2286000">
+            <a:lvl5pPr marL="2286000" lvl="4" indent="-317500">
               <a:spcBef>
                 <a:spcPts val="1600"/>
               </a:spcBef>
@@ -3168,7 +3275,7 @@
               <a:buChar char="○"/>
               <a:defRPr/>
             </a:lvl5pPr>
-            <a:lvl6pPr indent="-317500" lvl="5" marL="2743200">
+            <a:lvl6pPr marL="2743200" lvl="5" indent="-317500">
               <a:spcBef>
                 <a:spcPts val="1600"/>
               </a:spcBef>
@@ -3179,7 +3286,7 @@
               <a:buChar char="■"/>
               <a:defRPr/>
             </a:lvl6pPr>
-            <a:lvl7pPr indent="-317500" lvl="6" marL="3200400">
+            <a:lvl7pPr marL="3200400" lvl="6" indent="-317500">
               <a:spcBef>
                 <a:spcPts val="1600"/>
               </a:spcBef>
@@ -3190,7 +3297,7 @@
               <a:buChar char="●"/>
               <a:defRPr/>
             </a:lvl7pPr>
-            <a:lvl8pPr indent="-317500" lvl="7" marL="3657600">
+            <a:lvl8pPr marL="3657600" lvl="7" indent="-317500">
               <a:spcBef>
                 <a:spcPts val="1600"/>
               </a:spcBef>
@@ -3201,7 +3308,7 @@
               <a:buChar char="○"/>
               <a:defRPr/>
             </a:lvl8pPr>
-            <a:lvl9pPr indent="-317500" lvl="8" marL="4114800">
+            <a:lvl9pPr marL="4114800" lvl="8" indent="-317500">
               <a:spcBef>
                 <a:spcPts val="1600"/>
               </a:spcBef>
@@ -3213,15 +3320,19 @@
               <a:defRPr/>
             </a:lvl9pPr>
           </a:lstStyle>
-          <a:p/>
+          <a:p>
+            <a:endParaRPr/>
+          </a:p>
         </p:txBody>
       </p:sp>
       <p:sp>
         <p:nvSpPr>
           <p:cNvPr id="19" name="Google Shape;19;p4"/>
-          <p:cNvSpPr txBox="1"/>
+          <p:cNvSpPr txBox="1">
+            <a:spLocks noGrp="1"/>
+          </p:cNvSpPr>
           <p:nvPr>
-            <p:ph idx="12" type="sldNum"/>
+            <p:ph type="sldNum" idx="12"/>
           </p:nvPr>
         </p:nvSpPr>
         <p:spPr>
@@ -3234,7 +3345,7 @@
           </a:prstGeom>
         </p:spPr>
         <p:txBody>
-          <a:bodyPr anchorCtr="0" anchor="ctr" bIns="91425" lIns="91425" spcFirstLastPara="1" rIns="91425" wrap="square" tIns="91425">
+          <a:bodyPr spcFirstLastPara="1" wrap="square" lIns="91425" tIns="91425" rIns="91425" bIns="91425" anchor="ctr" anchorCtr="0">
             <a:noAutofit/>
           </a:bodyPr>
           <a:lstStyle>
@@ -3276,7 +3387,7 @@
             </a:lvl9pPr>
           </a:lstStyle>
           <a:p>
-            <a:pPr indent="0" lvl="0" marL="0" rtl="0" algn="r">
+            <a:pPr marL="0" lvl="0" indent="0" algn="r" rtl="0">
               <a:spcBef>
                 <a:spcPts val="0"/>
               </a:spcBef>
@@ -3302,11 +3413,11 @@
 </file>
 
 <file path=ppt/slideLayouts/slideLayout4.xml><?xml version="1.0" encoding="utf-8"?>
-<p:sldLayout xmlns:a="http://schemas.openxmlformats.org/drawingml/2006/main" xmlns:r="http://schemas.openxmlformats.org/officeDocument/2006/relationships" xmlns:mc="http://schemas.openxmlformats.org/markup-compatibility/2006" xmlns:mv="urn:schemas-microsoft-com:mac:vml" xmlns:p="http://schemas.openxmlformats.org/presentationml/2006/main" xmlns:c="http://schemas.openxmlformats.org/drawingml/2006/chart" xmlns:dgm="http://schemas.openxmlformats.org/drawingml/2006/diagram" xmlns:o="urn:schemas-microsoft-com:office:office" xmlns:v="urn:schemas-microsoft-com:vml" xmlns:pvml="urn:schemas-microsoft-com:office:powerpoint" xmlns:com="http://schemas.openxmlformats.org/drawingml/2006/compatibility" xmlns:p14="http://schemas.microsoft.com/office/powerpoint/2010/main" xmlns:p15="http://schemas.microsoft.com/office/powerpoint/2012/main" matchingName="Title and two columns" type="twoColTx">
+<p:sldLayout xmlns:a="http://schemas.openxmlformats.org/drawingml/2006/main" xmlns:r="http://schemas.openxmlformats.org/officeDocument/2006/relationships" xmlns:p="http://schemas.openxmlformats.org/presentationml/2006/main" matchingName="Title and two columns" type="twoColTx">
   <p:cSld name="TITLE_AND_TWO_COLUMNS">
     <p:spTree>
       <p:nvGrpSpPr>
-        <p:cNvPr id="20" name="Shape 20"/>
+        <p:cNvPr id="1" name="Shape 20"/>
         <p:cNvGrpSpPr/>
         <p:nvPr/>
       </p:nvGrpSpPr>
@@ -3321,7 +3432,9 @@
       <p:sp>
         <p:nvSpPr>
           <p:cNvPr id="21" name="Google Shape;21;p5"/>
-          <p:cNvSpPr txBox="1"/>
+          <p:cNvSpPr txBox="1">
+            <a:spLocks noGrp="1"/>
+          </p:cNvSpPr>
           <p:nvPr>
             <p:ph type="title"/>
           </p:nvPr>
@@ -3336,7 +3449,7 @@
           </a:prstGeom>
         </p:spPr>
         <p:txBody>
-          <a:bodyPr anchorCtr="0" anchor="t" bIns="91425" lIns="91425" spcFirstLastPara="1" rIns="91425" wrap="square" tIns="91425">
+          <a:bodyPr spcFirstLastPara="1" wrap="square" lIns="91425" tIns="91425" rIns="91425" bIns="91425" anchor="t" anchorCtr="0">
             <a:noAutofit/>
           </a:bodyPr>
           <a:lstStyle>
@@ -3440,15 +3553,19 @@
               <a:defRPr/>
             </a:lvl9pPr>
           </a:lstStyle>
-          <a:p/>
+          <a:p>
+            <a:endParaRPr/>
+          </a:p>
         </p:txBody>
       </p:sp>
       <p:sp>
         <p:nvSpPr>
           <p:cNvPr id="22" name="Google Shape;22;p5"/>
-          <p:cNvSpPr txBox="1"/>
+          <p:cNvSpPr txBox="1">
+            <a:spLocks noGrp="1"/>
+          </p:cNvSpPr>
           <p:nvPr>
-            <p:ph idx="1" type="body"/>
+            <p:ph type="body" idx="1"/>
           </p:nvPr>
         </p:nvSpPr>
         <p:spPr>
@@ -3461,11 +3578,11 @@
           </a:prstGeom>
         </p:spPr>
         <p:txBody>
-          <a:bodyPr anchorCtr="0" anchor="t" bIns="91425" lIns="91425" spcFirstLastPara="1" rIns="91425" wrap="square" tIns="91425">
+          <a:bodyPr spcFirstLastPara="1" wrap="square" lIns="91425" tIns="91425" rIns="91425" bIns="91425" anchor="t" anchorCtr="0">
             <a:noAutofit/>
           </a:bodyPr>
           <a:lstStyle>
-            <a:lvl1pPr indent="-317500" lvl="0" marL="457200">
+            <a:lvl1pPr marL="457200" lvl="0" indent="-317500">
               <a:spcBef>
                 <a:spcPts val="0"/>
               </a:spcBef>
@@ -3476,7 +3593,7 @@
               <a:buChar char="●"/>
               <a:defRPr sz="1400"/>
             </a:lvl1pPr>
-            <a:lvl2pPr indent="-304800" lvl="1" marL="914400">
+            <a:lvl2pPr marL="914400" lvl="1" indent="-304800">
               <a:spcBef>
                 <a:spcPts val="1600"/>
               </a:spcBef>
@@ -3487,7 +3604,7 @@
               <a:buChar char="○"/>
               <a:defRPr sz="1200"/>
             </a:lvl2pPr>
-            <a:lvl3pPr indent="-304800" lvl="2" marL="1371600">
+            <a:lvl3pPr marL="1371600" lvl="2" indent="-304800">
               <a:spcBef>
                 <a:spcPts val="1600"/>
               </a:spcBef>
@@ -3498,7 +3615,7 @@
               <a:buChar char="■"/>
               <a:defRPr sz="1200"/>
             </a:lvl3pPr>
-            <a:lvl4pPr indent="-304800" lvl="3" marL="1828800">
+            <a:lvl4pPr marL="1828800" lvl="3" indent="-304800">
               <a:spcBef>
                 <a:spcPts val="1600"/>
               </a:spcBef>
@@ -3509,7 +3626,7 @@
               <a:buChar char="●"/>
               <a:defRPr sz="1200"/>
             </a:lvl4pPr>
-            <a:lvl5pPr indent="-304800" lvl="4" marL="2286000">
+            <a:lvl5pPr marL="2286000" lvl="4" indent="-304800">
               <a:spcBef>
                 <a:spcPts val="1600"/>
               </a:spcBef>
@@ -3520,7 +3637,7 @@
               <a:buChar char="○"/>
               <a:defRPr sz="1200"/>
             </a:lvl5pPr>
-            <a:lvl6pPr indent="-304800" lvl="5" marL="2743200">
+            <a:lvl6pPr marL="2743200" lvl="5" indent="-304800">
               <a:spcBef>
                 <a:spcPts val="1600"/>
               </a:spcBef>
@@ -3531,7 +3648,7 @@
               <a:buChar char="■"/>
               <a:defRPr sz="1200"/>
             </a:lvl6pPr>
-            <a:lvl7pPr indent="-304800" lvl="6" marL="3200400">
+            <a:lvl7pPr marL="3200400" lvl="6" indent="-304800">
               <a:spcBef>
                 <a:spcPts val="1600"/>
               </a:spcBef>
@@ -3542,7 +3659,7 @@
               <a:buChar char="●"/>
               <a:defRPr sz="1200"/>
             </a:lvl7pPr>
-            <a:lvl8pPr indent="-304800" lvl="7" marL="3657600">
+            <a:lvl8pPr marL="3657600" lvl="7" indent="-304800">
               <a:spcBef>
                 <a:spcPts val="1600"/>
               </a:spcBef>
@@ -3553,7 +3670,7 @@
               <a:buChar char="○"/>
               <a:defRPr sz="1200"/>
             </a:lvl8pPr>
-            <a:lvl9pPr indent="-304800" lvl="8" marL="4114800">
+            <a:lvl9pPr marL="4114800" lvl="8" indent="-304800">
               <a:spcBef>
                 <a:spcPts val="1600"/>
               </a:spcBef>
@@ -3565,15 +3682,19 @@
               <a:defRPr sz="1200"/>
             </a:lvl9pPr>
           </a:lstStyle>
-          <a:p/>
+          <a:p>
+            <a:endParaRPr/>
+          </a:p>
         </p:txBody>
       </p:sp>
       <p:sp>
         <p:nvSpPr>
           <p:cNvPr id="23" name="Google Shape;23;p5"/>
-          <p:cNvSpPr txBox="1"/>
+          <p:cNvSpPr txBox="1">
+            <a:spLocks noGrp="1"/>
+          </p:cNvSpPr>
           <p:nvPr>
-            <p:ph idx="2" type="body"/>
+            <p:ph type="body" idx="2"/>
           </p:nvPr>
         </p:nvSpPr>
         <p:spPr>
@@ -3586,11 +3707,11 @@
           </a:prstGeom>
         </p:spPr>
         <p:txBody>
-          <a:bodyPr anchorCtr="0" anchor="t" bIns="91425" lIns="91425" spcFirstLastPara="1" rIns="91425" wrap="square" tIns="91425">
+          <a:bodyPr spcFirstLastPara="1" wrap="square" lIns="91425" tIns="91425" rIns="91425" bIns="91425" anchor="t" anchorCtr="0">
             <a:noAutofit/>
           </a:bodyPr>
           <a:lstStyle>
-            <a:lvl1pPr indent="-317500" lvl="0" marL="457200">
+            <a:lvl1pPr marL="457200" lvl="0" indent="-317500">
               <a:spcBef>
                 <a:spcPts val="0"/>
               </a:spcBef>
@@ -3601,7 +3722,7 @@
               <a:buChar char="●"/>
               <a:defRPr sz="1400"/>
             </a:lvl1pPr>
-            <a:lvl2pPr indent="-304800" lvl="1" marL="914400">
+            <a:lvl2pPr marL="914400" lvl="1" indent="-304800">
               <a:spcBef>
                 <a:spcPts val="1600"/>
               </a:spcBef>
@@ -3612,7 +3733,7 @@
               <a:buChar char="○"/>
               <a:defRPr sz="1200"/>
             </a:lvl2pPr>
-            <a:lvl3pPr indent="-304800" lvl="2" marL="1371600">
+            <a:lvl3pPr marL="1371600" lvl="2" indent="-304800">
               <a:spcBef>
                 <a:spcPts val="1600"/>
               </a:spcBef>
@@ -3623,7 +3744,7 @@
               <a:buChar char="■"/>
               <a:defRPr sz="1200"/>
             </a:lvl3pPr>
-            <a:lvl4pPr indent="-304800" lvl="3" marL="1828800">
+            <a:lvl4pPr marL="1828800" lvl="3" indent="-304800">
               <a:spcBef>
                 <a:spcPts val="1600"/>
               </a:spcBef>
@@ -3634,7 +3755,7 @@
               <a:buChar char="●"/>
               <a:defRPr sz="1200"/>
             </a:lvl4pPr>
-            <a:lvl5pPr indent="-304800" lvl="4" marL="2286000">
+            <a:lvl5pPr marL="2286000" lvl="4" indent="-304800">
               <a:spcBef>
                 <a:spcPts val="1600"/>
               </a:spcBef>
@@ -3645,7 +3766,7 @@
               <a:buChar char="○"/>
               <a:defRPr sz="1200"/>
             </a:lvl5pPr>
-            <a:lvl6pPr indent="-304800" lvl="5" marL="2743200">
+            <a:lvl6pPr marL="2743200" lvl="5" indent="-304800">
               <a:spcBef>
                 <a:spcPts val="1600"/>
               </a:spcBef>
@@ -3656,7 +3777,7 @@
               <a:buChar char="■"/>
               <a:defRPr sz="1200"/>
             </a:lvl6pPr>
-            <a:lvl7pPr indent="-304800" lvl="6" marL="3200400">
+            <a:lvl7pPr marL="3200400" lvl="6" indent="-304800">
               <a:spcBef>
                 <a:spcPts val="1600"/>
               </a:spcBef>
@@ -3667,7 +3788,7 @@
               <a:buChar char="●"/>
               <a:defRPr sz="1200"/>
             </a:lvl7pPr>
-            <a:lvl8pPr indent="-304800" lvl="7" marL="3657600">
+            <a:lvl8pPr marL="3657600" lvl="7" indent="-304800">
               <a:spcBef>
                 <a:spcPts val="1600"/>
               </a:spcBef>
@@ -3678,7 +3799,7 @@
               <a:buChar char="○"/>
               <a:defRPr sz="1200"/>
             </a:lvl8pPr>
-            <a:lvl9pPr indent="-304800" lvl="8" marL="4114800">
+            <a:lvl9pPr marL="4114800" lvl="8" indent="-304800">
               <a:spcBef>
                 <a:spcPts val="1600"/>
               </a:spcBef>
@@ -3690,15 +3811,19 @@
               <a:defRPr sz="1200"/>
             </a:lvl9pPr>
           </a:lstStyle>
-          <a:p/>
+          <a:p>
+            <a:endParaRPr/>
+          </a:p>
         </p:txBody>
       </p:sp>
       <p:sp>
         <p:nvSpPr>
           <p:cNvPr id="24" name="Google Shape;24;p5"/>
-          <p:cNvSpPr txBox="1"/>
+          <p:cNvSpPr txBox="1">
+            <a:spLocks noGrp="1"/>
+          </p:cNvSpPr>
           <p:nvPr>
-            <p:ph idx="12" type="sldNum"/>
+            <p:ph type="sldNum" idx="12"/>
           </p:nvPr>
         </p:nvSpPr>
         <p:spPr>
@@ -3711,7 +3836,7 @@
           </a:prstGeom>
         </p:spPr>
         <p:txBody>
-          <a:bodyPr anchorCtr="0" anchor="ctr" bIns="91425" lIns="91425" spcFirstLastPara="1" rIns="91425" wrap="square" tIns="91425">
+          <a:bodyPr spcFirstLastPara="1" wrap="square" lIns="91425" tIns="91425" rIns="91425" bIns="91425" anchor="ctr" anchorCtr="0">
             <a:noAutofit/>
           </a:bodyPr>
           <a:lstStyle>
@@ -3753,7 +3878,7 @@
             </a:lvl9pPr>
           </a:lstStyle>
           <a:p>
-            <a:pPr indent="0" lvl="0" marL="0" rtl="0" algn="r">
+            <a:pPr marL="0" lvl="0" indent="0" algn="r" rtl="0">
               <a:spcBef>
                 <a:spcPts val="0"/>
               </a:spcBef>
@@ -3779,11 +3904,11 @@
 </file>
 
 <file path=ppt/slideLayouts/slideLayout5.xml><?xml version="1.0" encoding="utf-8"?>
-<p:sldLayout xmlns:a="http://schemas.openxmlformats.org/drawingml/2006/main" xmlns:r="http://schemas.openxmlformats.org/officeDocument/2006/relationships" xmlns:mc="http://schemas.openxmlformats.org/markup-compatibility/2006" xmlns:mv="urn:schemas-microsoft-com:mac:vml" xmlns:p="http://schemas.openxmlformats.org/presentationml/2006/main" xmlns:c="http://schemas.openxmlformats.org/drawingml/2006/chart" xmlns:dgm="http://schemas.openxmlformats.org/drawingml/2006/diagram" xmlns:o="urn:schemas-microsoft-com:office:office" xmlns:v="urn:schemas-microsoft-com:vml" xmlns:pvml="urn:schemas-microsoft-com:office:powerpoint" xmlns:com="http://schemas.openxmlformats.org/drawingml/2006/compatibility" xmlns:p14="http://schemas.microsoft.com/office/powerpoint/2010/main" xmlns:p15="http://schemas.microsoft.com/office/powerpoint/2012/main" matchingName="Title only" type="titleOnly">
+<p:sldLayout xmlns:a="http://schemas.openxmlformats.org/drawingml/2006/main" xmlns:r="http://schemas.openxmlformats.org/officeDocument/2006/relationships" xmlns:p="http://schemas.openxmlformats.org/presentationml/2006/main" matchingName="Title only" type="titleOnly">
   <p:cSld name="TITLE_ONLY">
     <p:spTree>
       <p:nvGrpSpPr>
-        <p:cNvPr id="25" name="Shape 25"/>
+        <p:cNvPr id="1" name="Shape 25"/>
         <p:cNvGrpSpPr/>
         <p:nvPr/>
       </p:nvGrpSpPr>
@@ -3798,7 +3923,9 @@
       <p:sp>
         <p:nvSpPr>
           <p:cNvPr id="26" name="Google Shape;26;p6"/>
-          <p:cNvSpPr txBox="1"/>
+          <p:cNvSpPr txBox="1">
+            <a:spLocks noGrp="1"/>
+          </p:cNvSpPr>
           <p:nvPr>
             <p:ph type="title"/>
           </p:nvPr>
@@ -3813,7 +3940,7 @@
           </a:prstGeom>
         </p:spPr>
         <p:txBody>
-          <a:bodyPr anchorCtr="0" anchor="t" bIns="91425" lIns="91425" spcFirstLastPara="1" rIns="91425" wrap="square" tIns="91425">
+          <a:bodyPr spcFirstLastPara="1" wrap="square" lIns="91425" tIns="91425" rIns="91425" bIns="91425" anchor="t" anchorCtr="0">
             <a:noAutofit/>
           </a:bodyPr>
           <a:lstStyle>
@@ -3917,15 +4044,19 @@
               <a:defRPr/>
             </a:lvl9pPr>
           </a:lstStyle>
-          <a:p/>
+          <a:p>
+            <a:endParaRPr/>
+          </a:p>
         </p:txBody>
       </p:sp>
       <p:sp>
         <p:nvSpPr>
           <p:cNvPr id="27" name="Google Shape;27;p6"/>
-          <p:cNvSpPr txBox="1"/>
+          <p:cNvSpPr txBox="1">
+            <a:spLocks noGrp="1"/>
+          </p:cNvSpPr>
           <p:nvPr>
-            <p:ph idx="12" type="sldNum"/>
+            <p:ph type="sldNum" idx="12"/>
           </p:nvPr>
         </p:nvSpPr>
         <p:spPr>
@@ -3938,7 +4069,7 @@
           </a:prstGeom>
         </p:spPr>
         <p:txBody>
-          <a:bodyPr anchorCtr="0" anchor="ctr" bIns="91425" lIns="91425" spcFirstLastPara="1" rIns="91425" wrap="square" tIns="91425">
+          <a:bodyPr spcFirstLastPara="1" wrap="square" lIns="91425" tIns="91425" rIns="91425" bIns="91425" anchor="ctr" anchorCtr="0">
             <a:noAutofit/>
           </a:bodyPr>
           <a:lstStyle>
@@ -3980,7 +4111,7 @@
             </a:lvl9pPr>
           </a:lstStyle>
           <a:p>
-            <a:pPr indent="0" lvl="0" marL="0" rtl="0" algn="r">
+            <a:pPr marL="0" lvl="0" indent="0" algn="r" rtl="0">
               <a:spcBef>
                 <a:spcPts val="0"/>
               </a:spcBef>
@@ -4006,11 +4137,11 @@
 </file>
 
 <file path=ppt/slideLayouts/slideLayout6.xml><?xml version="1.0" encoding="utf-8"?>
-<p:sldLayout xmlns:a="http://schemas.openxmlformats.org/drawingml/2006/main" xmlns:r="http://schemas.openxmlformats.org/officeDocument/2006/relationships" xmlns:mc="http://schemas.openxmlformats.org/markup-compatibility/2006" xmlns:mv="urn:schemas-microsoft-com:mac:vml" xmlns:p="http://schemas.openxmlformats.org/presentationml/2006/main" xmlns:c="http://schemas.openxmlformats.org/drawingml/2006/chart" xmlns:dgm="http://schemas.openxmlformats.org/drawingml/2006/diagram" xmlns:o="urn:schemas-microsoft-com:office:office" xmlns:v="urn:schemas-microsoft-com:vml" xmlns:pvml="urn:schemas-microsoft-com:office:powerpoint" xmlns:com="http://schemas.openxmlformats.org/drawingml/2006/compatibility" xmlns:p14="http://schemas.microsoft.com/office/powerpoint/2010/main" xmlns:p15="http://schemas.microsoft.com/office/powerpoint/2012/main" matchingName="One column text">
+<p:sldLayout xmlns:a="http://schemas.openxmlformats.org/drawingml/2006/main" xmlns:r="http://schemas.openxmlformats.org/officeDocument/2006/relationships" xmlns:p="http://schemas.openxmlformats.org/presentationml/2006/main" matchingName="One column text">
   <p:cSld name="ONE_COLUMN_TEXT">
     <p:spTree>
       <p:nvGrpSpPr>
-        <p:cNvPr id="28" name="Shape 28"/>
+        <p:cNvPr id="1" name="Shape 28"/>
         <p:cNvGrpSpPr/>
         <p:nvPr/>
       </p:nvGrpSpPr>
@@ -4025,7 +4156,9 @@
       <p:sp>
         <p:nvSpPr>
           <p:cNvPr id="29" name="Google Shape;29;p7"/>
-          <p:cNvSpPr txBox="1"/>
+          <p:cNvSpPr txBox="1">
+            <a:spLocks noGrp="1"/>
+          </p:cNvSpPr>
           <p:nvPr>
             <p:ph type="title"/>
           </p:nvPr>
@@ -4040,7 +4173,7 @@
           </a:prstGeom>
         </p:spPr>
         <p:txBody>
-          <a:bodyPr anchorCtr="0" anchor="b" bIns="91425" lIns="91425" spcFirstLastPara="1" rIns="91425" wrap="square" tIns="91425">
+          <a:bodyPr spcFirstLastPara="1" wrap="square" lIns="91425" tIns="91425" rIns="91425" bIns="91425" anchor="b" anchorCtr="0">
             <a:noAutofit/>
           </a:bodyPr>
           <a:lstStyle>
@@ -4144,15 +4277,19 @@
               <a:defRPr sz="2400"/>
             </a:lvl9pPr>
           </a:lstStyle>
-          <a:p/>
+          <a:p>
+            <a:endParaRPr/>
+          </a:p>
         </p:txBody>
       </p:sp>
       <p:sp>
         <p:nvSpPr>
           <p:cNvPr id="30" name="Google Shape;30;p7"/>
-          <p:cNvSpPr txBox="1"/>
+          <p:cNvSpPr txBox="1">
+            <a:spLocks noGrp="1"/>
+          </p:cNvSpPr>
           <p:nvPr>
-            <p:ph idx="1" type="body"/>
+            <p:ph type="body" idx="1"/>
           </p:nvPr>
         </p:nvSpPr>
         <p:spPr>
@@ -4165,11 +4302,11 @@
           </a:prstGeom>
         </p:spPr>
         <p:txBody>
-          <a:bodyPr anchorCtr="0" anchor="t" bIns="91425" lIns="91425" spcFirstLastPara="1" rIns="91425" wrap="square" tIns="91425">
+          <a:bodyPr spcFirstLastPara="1" wrap="square" lIns="91425" tIns="91425" rIns="91425" bIns="91425" anchor="t" anchorCtr="0">
             <a:noAutofit/>
           </a:bodyPr>
           <a:lstStyle>
-            <a:lvl1pPr indent="-304800" lvl="0" marL="457200">
+            <a:lvl1pPr marL="457200" lvl="0" indent="-304800">
               <a:spcBef>
                 <a:spcPts val="0"/>
               </a:spcBef>
@@ -4180,7 +4317,7 @@
               <a:buChar char="●"/>
               <a:defRPr sz="1200"/>
             </a:lvl1pPr>
-            <a:lvl2pPr indent="-304800" lvl="1" marL="914400">
+            <a:lvl2pPr marL="914400" lvl="1" indent="-304800">
               <a:spcBef>
                 <a:spcPts val="1600"/>
               </a:spcBef>
@@ -4191,7 +4328,7 @@
               <a:buChar char="○"/>
               <a:defRPr sz="1200"/>
             </a:lvl2pPr>
-            <a:lvl3pPr indent="-304800" lvl="2" marL="1371600">
+            <a:lvl3pPr marL="1371600" lvl="2" indent="-304800">
               <a:spcBef>
                 <a:spcPts val="1600"/>
               </a:spcBef>
@@ -4202,7 +4339,7 @@
               <a:buChar char="■"/>
               <a:defRPr sz="1200"/>
             </a:lvl3pPr>
-            <a:lvl4pPr indent="-304800" lvl="3" marL="1828800">
+            <a:lvl4pPr marL="1828800" lvl="3" indent="-304800">
               <a:spcBef>
                 <a:spcPts val="1600"/>
               </a:spcBef>
@@ -4213,7 +4350,7 @@
               <a:buChar char="●"/>
               <a:defRPr sz="1200"/>
             </a:lvl4pPr>
-            <a:lvl5pPr indent="-304800" lvl="4" marL="2286000">
+            <a:lvl5pPr marL="2286000" lvl="4" indent="-304800">
               <a:spcBef>
                 <a:spcPts val="1600"/>
               </a:spcBef>
@@ -4224,7 +4361,7 @@
               <a:buChar char="○"/>
               <a:defRPr sz="1200"/>
             </a:lvl5pPr>
-            <a:lvl6pPr indent="-304800" lvl="5" marL="2743200">
+            <a:lvl6pPr marL="2743200" lvl="5" indent="-304800">
               <a:spcBef>
                 <a:spcPts val="1600"/>
               </a:spcBef>
@@ -4235,7 +4372,7 @@
               <a:buChar char="■"/>
               <a:defRPr sz="1200"/>
             </a:lvl6pPr>
-            <a:lvl7pPr indent="-304800" lvl="6" marL="3200400">
+            <a:lvl7pPr marL="3200400" lvl="6" indent="-304800">
               <a:spcBef>
                 <a:spcPts val="1600"/>
               </a:spcBef>
@@ -4246,7 +4383,7 @@
               <a:buChar char="●"/>
               <a:defRPr sz="1200"/>
             </a:lvl7pPr>
-            <a:lvl8pPr indent="-304800" lvl="7" marL="3657600">
+            <a:lvl8pPr marL="3657600" lvl="7" indent="-304800">
               <a:spcBef>
                 <a:spcPts val="1600"/>
               </a:spcBef>
@@ -4257,7 +4394,7 @@
               <a:buChar char="○"/>
               <a:defRPr sz="1200"/>
             </a:lvl8pPr>
-            <a:lvl9pPr indent="-304800" lvl="8" marL="4114800">
+            <a:lvl9pPr marL="4114800" lvl="8" indent="-304800">
               <a:spcBef>
                 <a:spcPts val="1600"/>
               </a:spcBef>
@@ -4269,15 +4406,19 @@
               <a:defRPr sz="1200"/>
             </a:lvl9pPr>
           </a:lstStyle>
-          <a:p/>
+          <a:p>
+            <a:endParaRPr/>
+          </a:p>
         </p:txBody>
       </p:sp>
       <p:sp>
         <p:nvSpPr>
           <p:cNvPr id="31" name="Google Shape;31;p7"/>
-          <p:cNvSpPr txBox="1"/>
+          <p:cNvSpPr txBox="1">
+            <a:spLocks noGrp="1"/>
+          </p:cNvSpPr>
           <p:nvPr>
-            <p:ph idx="12" type="sldNum"/>
+            <p:ph type="sldNum" idx="12"/>
           </p:nvPr>
         </p:nvSpPr>
         <p:spPr>
@@ -4290,7 +4431,7 @@
           </a:prstGeom>
         </p:spPr>
         <p:txBody>
-          <a:bodyPr anchorCtr="0" anchor="ctr" bIns="91425" lIns="91425" spcFirstLastPara="1" rIns="91425" wrap="square" tIns="91425">
+          <a:bodyPr spcFirstLastPara="1" wrap="square" lIns="91425" tIns="91425" rIns="91425" bIns="91425" anchor="ctr" anchorCtr="0">
             <a:noAutofit/>
           </a:bodyPr>
           <a:lstStyle>
@@ -4332,7 +4473,7 @@
             </a:lvl9pPr>
           </a:lstStyle>
           <a:p>
-            <a:pPr indent="0" lvl="0" marL="0" rtl="0" algn="r">
+            <a:pPr marL="0" lvl="0" indent="0" algn="r" rtl="0">
               <a:spcBef>
                 <a:spcPts val="0"/>
               </a:spcBef>
@@ -4358,11 +4499,11 @@
 </file>
 
 <file path=ppt/slideLayouts/slideLayout7.xml><?xml version="1.0" encoding="utf-8"?>
-<p:sldLayout xmlns:a="http://schemas.openxmlformats.org/drawingml/2006/main" xmlns:r="http://schemas.openxmlformats.org/officeDocument/2006/relationships" xmlns:mc="http://schemas.openxmlformats.org/markup-compatibility/2006" xmlns:mv="urn:schemas-microsoft-com:mac:vml" xmlns:p="http://schemas.openxmlformats.org/presentationml/2006/main" xmlns:c="http://schemas.openxmlformats.org/drawingml/2006/chart" xmlns:dgm="http://schemas.openxmlformats.org/drawingml/2006/diagram" xmlns:o="urn:schemas-microsoft-com:office:office" xmlns:v="urn:schemas-microsoft-com:vml" xmlns:pvml="urn:schemas-microsoft-com:office:powerpoint" xmlns:com="http://schemas.openxmlformats.org/drawingml/2006/compatibility" xmlns:p14="http://schemas.microsoft.com/office/powerpoint/2010/main" xmlns:p15="http://schemas.microsoft.com/office/powerpoint/2012/main" matchingName="Main point">
+<p:sldLayout xmlns:a="http://schemas.openxmlformats.org/drawingml/2006/main" xmlns:r="http://schemas.openxmlformats.org/officeDocument/2006/relationships" xmlns:p="http://schemas.openxmlformats.org/presentationml/2006/main" matchingName="Main point">
   <p:cSld name="MAIN_POINT">
     <p:spTree>
       <p:nvGrpSpPr>
-        <p:cNvPr id="32" name="Shape 32"/>
+        <p:cNvPr id="1" name="Shape 32"/>
         <p:cNvGrpSpPr/>
         <p:nvPr/>
       </p:nvGrpSpPr>
@@ -4377,7 +4518,9 @@
       <p:sp>
         <p:nvSpPr>
           <p:cNvPr id="33" name="Google Shape;33;p8"/>
-          <p:cNvSpPr txBox="1"/>
+          <p:cNvSpPr txBox="1">
+            <a:spLocks noGrp="1"/>
+          </p:cNvSpPr>
           <p:nvPr>
             <p:ph type="title"/>
           </p:nvPr>
@@ -4392,7 +4535,7 @@
           </a:prstGeom>
         </p:spPr>
         <p:txBody>
-          <a:bodyPr anchorCtr="0" anchor="ctr" bIns="91425" lIns="91425" spcFirstLastPara="1" rIns="91425" wrap="square" tIns="91425">
+          <a:bodyPr spcFirstLastPara="1" wrap="square" lIns="91425" tIns="91425" rIns="91425" bIns="91425" anchor="ctr" anchorCtr="0">
             <a:noAutofit/>
           </a:bodyPr>
           <a:lstStyle>
@@ -4496,15 +4639,19 @@
               <a:defRPr sz="4800"/>
             </a:lvl9pPr>
           </a:lstStyle>
-          <a:p/>
+          <a:p>
+            <a:endParaRPr/>
+          </a:p>
         </p:txBody>
       </p:sp>
       <p:sp>
         <p:nvSpPr>
           <p:cNvPr id="34" name="Google Shape;34;p8"/>
-          <p:cNvSpPr txBox="1"/>
+          <p:cNvSpPr txBox="1">
+            <a:spLocks noGrp="1"/>
+          </p:cNvSpPr>
           <p:nvPr>
-            <p:ph idx="12" type="sldNum"/>
+            <p:ph type="sldNum" idx="12"/>
           </p:nvPr>
         </p:nvSpPr>
         <p:spPr>
@@ -4517,7 +4664,7 @@
           </a:prstGeom>
         </p:spPr>
         <p:txBody>
-          <a:bodyPr anchorCtr="0" anchor="ctr" bIns="91425" lIns="91425" spcFirstLastPara="1" rIns="91425" wrap="square" tIns="91425">
+          <a:bodyPr spcFirstLastPara="1" wrap="square" lIns="91425" tIns="91425" rIns="91425" bIns="91425" anchor="ctr" anchorCtr="0">
             <a:noAutofit/>
           </a:bodyPr>
           <a:lstStyle>
@@ -4559,7 +4706,7 @@
             </a:lvl9pPr>
           </a:lstStyle>
           <a:p>
-            <a:pPr indent="0" lvl="0" marL="0" rtl="0" algn="r">
+            <a:pPr marL="0" lvl="0" indent="0" algn="r" rtl="0">
               <a:spcBef>
                 <a:spcPts val="0"/>
               </a:spcBef>
@@ -4585,11 +4732,11 @@
 </file>
 
 <file path=ppt/slideLayouts/slideLayout8.xml><?xml version="1.0" encoding="utf-8"?>
-<p:sldLayout xmlns:a="http://schemas.openxmlformats.org/drawingml/2006/main" xmlns:r="http://schemas.openxmlformats.org/officeDocument/2006/relationships" xmlns:mc="http://schemas.openxmlformats.org/markup-compatibility/2006" xmlns:mv="urn:schemas-microsoft-com:mac:vml" xmlns:p="http://schemas.openxmlformats.org/presentationml/2006/main" xmlns:c="http://schemas.openxmlformats.org/drawingml/2006/chart" xmlns:dgm="http://schemas.openxmlformats.org/drawingml/2006/diagram" xmlns:o="urn:schemas-microsoft-com:office:office" xmlns:v="urn:schemas-microsoft-com:vml" xmlns:pvml="urn:schemas-microsoft-com:office:powerpoint" xmlns:com="http://schemas.openxmlformats.org/drawingml/2006/compatibility" xmlns:p14="http://schemas.microsoft.com/office/powerpoint/2010/main" xmlns:p15="http://schemas.microsoft.com/office/powerpoint/2012/main" matchingName="Section title and description">
+<p:sldLayout xmlns:a="http://schemas.openxmlformats.org/drawingml/2006/main" xmlns:r="http://schemas.openxmlformats.org/officeDocument/2006/relationships" xmlns:p="http://schemas.openxmlformats.org/presentationml/2006/main" matchingName="Section title and description">
   <p:cSld name="SECTION_TITLE_AND_DESCRIPTION">
     <p:spTree>
       <p:nvGrpSpPr>
-        <p:cNvPr id="35" name="Shape 35"/>
+        <p:cNvPr id="1" name="Shape 35"/>
         <p:cNvGrpSpPr/>
         <p:nvPr/>
       </p:nvGrpSpPr>
@@ -4623,12 +4770,12 @@
           </a:ln>
         </p:spPr>
         <p:txBody>
-          <a:bodyPr anchorCtr="0" anchor="ctr" bIns="91425" lIns="91425" spcFirstLastPara="1" rIns="91425" wrap="square" tIns="91425">
+          <a:bodyPr spcFirstLastPara="1" wrap="square" lIns="91425" tIns="91425" rIns="91425" bIns="91425" anchor="ctr" anchorCtr="0">
             <a:noAutofit/>
           </a:bodyPr>
           <a:lstStyle/>
           <a:p>
-            <a:pPr indent="0" lvl="0" marL="0" rtl="0" algn="l">
+            <a:pPr marL="0" lvl="0" indent="0" algn="l" rtl="0">
               <a:spcBef>
                 <a:spcPts val="0"/>
               </a:spcBef>
@@ -4637,9 +4784,6 @@
               </a:spcAft>
               <a:buNone/>
             </a:pPr>
-            <a:r>
-              <a:t/>
-            </a:r>
             <a:endParaRPr/>
           </a:p>
         </p:txBody>
@@ -4647,7 +4791,9 @@
       <p:sp>
         <p:nvSpPr>
           <p:cNvPr id="37" name="Google Shape;37;p9"/>
-          <p:cNvSpPr txBox="1"/>
+          <p:cNvSpPr txBox="1">
+            <a:spLocks noGrp="1"/>
+          </p:cNvSpPr>
           <p:nvPr>
             <p:ph type="title"/>
           </p:nvPr>
@@ -4662,7 +4808,7 @@
           </a:prstGeom>
         </p:spPr>
         <p:txBody>
-          <a:bodyPr anchorCtr="0" anchor="b" bIns="91425" lIns="91425" spcFirstLastPara="1" rIns="91425" wrap="square" tIns="91425">
+          <a:bodyPr spcFirstLastPara="1" wrap="square" lIns="91425" tIns="91425" rIns="91425" bIns="91425" anchor="b" anchorCtr="0">
             <a:noAutofit/>
           </a:bodyPr>
           <a:lstStyle>
@@ -4766,15 +4912,19 @@
               <a:defRPr sz="4200"/>
             </a:lvl9pPr>
           </a:lstStyle>
-          <a:p/>
+          <a:p>
+            <a:endParaRPr/>
+          </a:p>
         </p:txBody>
       </p:sp>
       <p:sp>
         <p:nvSpPr>
           <p:cNvPr id="38" name="Google Shape;38;p9"/>
-          <p:cNvSpPr txBox="1"/>
+          <p:cNvSpPr txBox="1">
+            <a:spLocks noGrp="1"/>
+          </p:cNvSpPr>
           <p:nvPr>
-            <p:ph idx="1" type="subTitle"/>
+            <p:ph type="subTitle" idx="1"/>
           </p:nvPr>
         </p:nvSpPr>
         <p:spPr>
@@ -4787,7 +4937,7 @@
           </a:prstGeom>
         </p:spPr>
         <p:txBody>
-          <a:bodyPr anchorCtr="0" anchor="t" bIns="91425" lIns="91425" spcFirstLastPara="1" rIns="91425" wrap="square" tIns="91425">
+          <a:bodyPr spcFirstLastPara="1" wrap="square" lIns="91425" tIns="91425" rIns="91425" bIns="91425" anchor="t" anchorCtr="0">
             <a:noAutofit/>
           </a:bodyPr>
           <a:lstStyle>
@@ -4918,15 +5068,19 @@
               <a:defRPr sz="2100"/>
             </a:lvl9pPr>
           </a:lstStyle>
-          <a:p/>
+          <a:p>
+            <a:endParaRPr/>
+          </a:p>
         </p:txBody>
       </p:sp>
       <p:sp>
         <p:nvSpPr>
           <p:cNvPr id="39" name="Google Shape;39;p9"/>
-          <p:cNvSpPr txBox="1"/>
+          <p:cNvSpPr txBox="1">
+            <a:spLocks noGrp="1"/>
+          </p:cNvSpPr>
           <p:nvPr>
-            <p:ph idx="2" type="body"/>
+            <p:ph type="body" idx="2"/>
           </p:nvPr>
         </p:nvSpPr>
         <p:spPr>
@@ -4939,11 +5093,11 @@
           </a:prstGeom>
         </p:spPr>
         <p:txBody>
-          <a:bodyPr anchorCtr="0" anchor="ctr" bIns="91425" lIns="91425" spcFirstLastPara="1" rIns="91425" wrap="square" tIns="91425">
+          <a:bodyPr spcFirstLastPara="1" wrap="square" lIns="91425" tIns="91425" rIns="91425" bIns="91425" anchor="ctr" anchorCtr="0">
             <a:noAutofit/>
           </a:bodyPr>
           <a:lstStyle>
-            <a:lvl1pPr indent="-342900" lvl="0" marL="457200">
+            <a:lvl1pPr marL="457200" lvl="0" indent="-342900">
               <a:spcBef>
                 <a:spcPts val="0"/>
               </a:spcBef>
@@ -4954,7 +5108,7 @@
               <a:buChar char="●"/>
               <a:defRPr/>
             </a:lvl1pPr>
-            <a:lvl2pPr indent="-317500" lvl="1" marL="914400">
+            <a:lvl2pPr marL="914400" lvl="1" indent="-317500">
               <a:spcBef>
                 <a:spcPts val="1600"/>
               </a:spcBef>
@@ -4965,7 +5119,7 @@
               <a:buChar char="○"/>
               <a:defRPr/>
             </a:lvl2pPr>
-            <a:lvl3pPr indent="-317500" lvl="2" marL="1371600">
+            <a:lvl3pPr marL="1371600" lvl="2" indent="-317500">
               <a:spcBef>
                 <a:spcPts val="1600"/>
               </a:spcBef>
@@ -4976,7 +5130,7 @@
               <a:buChar char="■"/>
               <a:defRPr/>
             </a:lvl3pPr>
-            <a:lvl4pPr indent="-317500" lvl="3" marL="1828800">
+            <a:lvl4pPr marL="1828800" lvl="3" indent="-317500">
               <a:spcBef>
                 <a:spcPts val="1600"/>
               </a:spcBef>
@@ -4987,7 +5141,7 @@
               <a:buChar char="●"/>
               <a:defRPr/>
             </a:lvl4pPr>
-            <a:lvl5pPr indent="-317500" lvl="4" marL="2286000">
+            <a:lvl5pPr marL="2286000" lvl="4" indent="-317500">
               <a:spcBef>
                 <a:spcPts val="1600"/>
               </a:spcBef>
@@ -4998,7 +5152,7 @@
               <a:buChar char="○"/>
               <a:defRPr/>
             </a:lvl5pPr>
-            <a:lvl6pPr indent="-317500" lvl="5" marL="2743200">
+            <a:lvl6pPr marL="2743200" lvl="5" indent="-317500">
               <a:spcBef>
                 <a:spcPts val="1600"/>
               </a:spcBef>
@@ -5009,7 +5163,7 @@
               <a:buChar char="■"/>
               <a:defRPr/>
             </a:lvl6pPr>
-            <a:lvl7pPr indent="-317500" lvl="6" marL="3200400">
+            <a:lvl7pPr marL="3200400" lvl="6" indent="-317500">
               <a:spcBef>
                 <a:spcPts val="1600"/>
               </a:spcBef>
@@ -5020,7 +5174,7 @@
               <a:buChar char="●"/>
               <a:defRPr/>
             </a:lvl7pPr>
-            <a:lvl8pPr indent="-317500" lvl="7" marL="3657600">
+            <a:lvl8pPr marL="3657600" lvl="7" indent="-317500">
               <a:spcBef>
                 <a:spcPts val="1600"/>
               </a:spcBef>
@@ -5031,7 +5185,7 @@
               <a:buChar char="○"/>
               <a:defRPr/>
             </a:lvl8pPr>
-            <a:lvl9pPr indent="-317500" lvl="8" marL="4114800">
+            <a:lvl9pPr marL="4114800" lvl="8" indent="-317500">
               <a:spcBef>
                 <a:spcPts val="1600"/>
               </a:spcBef>
@@ -5043,15 +5197,19 @@
               <a:defRPr/>
             </a:lvl9pPr>
           </a:lstStyle>
-          <a:p/>
+          <a:p>
+            <a:endParaRPr/>
+          </a:p>
         </p:txBody>
       </p:sp>
       <p:sp>
         <p:nvSpPr>
           <p:cNvPr id="40" name="Google Shape;40;p9"/>
-          <p:cNvSpPr txBox="1"/>
+          <p:cNvSpPr txBox="1">
+            <a:spLocks noGrp="1"/>
+          </p:cNvSpPr>
           <p:nvPr>
-            <p:ph idx="12" type="sldNum"/>
+            <p:ph type="sldNum" idx="12"/>
           </p:nvPr>
         </p:nvSpPr>
         <p:spPr>
@@ -5064,7 +5222,7 @@
           </a:prstGeom>
         </p:spPr>
         <p:txBody>
-          <a:bodyPr anchorCtr="0" anchor="ctr" bIns="91425" lIns="91425" spcFirstLastPara="1" rIns="91425" wrap="square" tIns="91425">
+          <a:bodyPr spcFirstLastPara="1" wrap="square" lIns="91425" tIns="91425" rIns="91425" bIns="91425" anchor="ctr" anchorCtr="0">
             <a:noAutofit/>
           </a:bodyPr>
           <a:lstStyle>
@@ -5106,7 +5264,7 @@
             </a:lvl9pPr>
           </a:lstStyle>
           <a:p>
-            <a:pPr indent="0" lvl="0" marL="0" rtl="0" algn="r">
+            <a:pPr marL="0" lvl="0" indent="0" algn="r" rtl="0">
               <a:spcBef>
                 <a:spcPts val="0"/>
               </a:spcBef>
@@ -5132,11 +5290,11 @@
 </file>
 
 <file path=ppt/slideLayouts/slideLayout9.xml><?xml version="1.0" encoding="utf-8"?>
-<p:sldLayout xmlns:a="http://schemas.openxmlformats.org/drawingml/2006/main" xmlns:r="http://schemas.openxmlformats.org/officeDocument/2006/relationships" xmlns:mc="http://schemas.openxmlformats.org/markup-compatibility/2006" xmlns:mv="urn:schemas-microsoft-com:mac:vml" xmlns:p="http://schemas.openxmlformats.org/presentationml/2006/main" xmlns:c="http://schemas.openxmlformats.org/drawingml/2006/chart" xmlns:dgm="http://schemas.openxmlformats.org/drawingml/2006/diagram" xmlns:o="urn:schemas-microsoft-com:office:office" xmlns:v="urn:schemas-microsoft-com:vml" xmlns:pvml="urn:schemas-microsoft-com:office:powerpoint" xmlns:com="http://schemas.openxmlformats.org/drawingml/2006/compatibility" xmlns:p14="http://schemas.microsoft.com/office/powerpoint/2010/main" xmlns:p15="http://schemas.microsoft.com/office/powerpoint/2012/main" matchingName="Caption">
+<p:sldLayout xmlns:a="http://schemas.openxmlformats.org/drawingml/2006/main" xmlns:r="http://schemas.openxmlformats.org/officeDocument/2006/relationships" xmlns:p="http://schemas.openxmlformats.org/presentationml/2006/main" matchingName="Caption">
   <p:cSld name="CAPTION_ONLY">
     <p:spTree>
       <p:nvGrpSpPr>
-        <p:cNvPr id="41" name="Shape 41"/>
+        <p:cNvPr id="1" name="Shape 41"/>
         <p:cNvGrpSpPr/>
         <p:nvPr/>
       </p:nvGrpSpPr>
@@ -5151,9 +5309,11 @@
       <p:sp>
         <p:nvSpPr>
           <p:cNvPr id="42" name="Google Shape;42;p10"/>
-          <p:cNvSpPr txBox="1"/>
+          <p:cNvSpPr txBox="1">
+            <a:spLocks noGrp="1"/>
+          </p:cNvSpPr>
           <p:nvPr>
-            <p:ph idx="1" type="body"/>
+            <p:ph type="body" idx="1"/>
           </p:nvPr>
         </p:nvSpPr>
         <p:spPr>
@@ -5166,11 +5326,11 @@
           </a:prstGeom>
         </p:spPr>
         <p:txBody>
-          <a:bodyPr anchorCtr="0" anchor="ctr" bIns="91425" lIns="91425" spcFirstLastPara="1" rIns="91425" wrap="square" tIns="91425">
+          <a:bodyPr spcFirstLastPara="1" wrap="square" lIns="91425" tIns="91425" rIns="91425" bIns="91425" anchor="ctr" anchorCtr="0">
             <a:noAutofit/>
           </a:bodyPr>
           <a:lstStyle>
-            <a:lvl1pPr indent="-228600" lvl="0" marL="457200">
+            <a:lvl1pPr marL="457200" lvl="0" indent="-228600">
               <a:lnSpc>
                 <a:spcPct val="100000"/>
               </a:lnSpc>
@@ -5185,15 +5345,19 @@
               <a:defRPr/>
             </a:lvl1pPr>
           </a:lstStyle>
-          <a:p/>
+          <a:p>
+            <a:endParaRPr/>
+          </a:p>
         </p:txBody>
       </p:sp>
       <p:sp>
         <p:nvSpPr>
           <p:cNvPr id="43" name="Google Shape;43;p10"/>
-          <p:cNvSpPr txBox="1"/>
+          <p:cNvSpPr txBox="1">
+            <a:spLocks noGrp="1"/>
+          </p:cNvSpPr>
           <p:nvPr>
-            <p:ph idx="12" type="sldNum"/>
+            <p:ph type="sldNum" idx="12"/>
           </p:nvPr>
         </p:nvSpPr>
         <p:spPr>
@@ -5206,7 +5370,7 @@
           </a:prstGeom>
         </p:spPr>
         <p:txBody>
-          <a:bodyPr anchorCtr="0" anchor="ctr" bIns="91425" lIns="91425" spcFirstLastPara="1" rIns="91425" wrap="square" tIns="91425">
+          <a:bodyPr spcFirstLastPara="1" wrap="square" lIns="91425" tIns="91425" rIns="91425" bIns="91425" anchor="ctr" anchorCtr="0">
             <a:noAutofit/>
           </a:bodyPr>
           <a:lstStyle>
@@ -5248,7 +5412,7 @@
             </a:lvl9pPr>
           </a:lstStyle>
           <a:p>
-            <a:pPr indent="0" lvl="0" marL="0" rtl="0" algn="r">
+            <a:pPr marL="0" lvl="0" indent="0" algn="r" rtl="0">
               <a:spcBef>
                 <a:spcPts val="0"/>
               </a:spcBef>
@@ -5274,18 +5438,19 @@
 </file>
 
 <file path=ppt/slideMasters/slideMaster1.xml><?xml version="1.0" encoding="utf-8"?>
-<p:sldMaster xmlns:a="http://schemas.openxmlformats.org/drawingml/2006/main" xmlns:r="http://schemas.openxmlformats.org/officeDocument/2006/relationships" xmlns:mc="http://schemas.openxmlformats.org/markup-compatibility/2006" xmlns:mv="urn:schemas-microsoft-com:mac:vml" xmlns:p="http://schemas.openxmlformats.org/presentationml/2006/main" xmlns:c="http://schemas.openxmlformats.org/drawingml/2006/chart" xmlns:dgm="http://schemas.openxmlformats.org/drawingml/2006/diagram" xmlns:o="urn:schemas-microsoft-com:office:office" xmlns:v="urn:schemas-microsoft-com:vml" xmlns:pvml="urn:schemas-microsoft-com:office:powerpoint" xmlns:com="http://schemas.openxmlformats.org/drawingml/2006/compatibility" xmlns:p14="http://schemas.microsoft.com/office/powerpoint/2010/main" xmlns:p15="http://schemas.microsoft.com/office/powerpoint/2012/main">
+<p:sldMaster xmlns:a="http://schemas.openxmlformats.org/drawingml/2006/main" xmlns:r="http://schemas.openxmlformats.org/officeDocument/2006/relationships" xmlns:p="http://schemas.openxmlformats.org/presentationml/2006/main">
   <p:cSld name="simple-light-2">
     <p:bg>
       <p:bgPr>
         <a:solidFill>
           <a:schemeClr val="lt1"/>
         </a:solidFill>
+        <a:effectLst/>
       </p:bgPr>
     </p:bg>
     <p:spTree>
       <p:nvGrpSpPr>
-        <p:cNvPr id="5" name="Shape 5"/>
+        <p:cNvPr id="1" name="Shape 5"/>
         <p:cNvGrpSpPr/>
         <p:nvPr/>
       </p:nvGrpSpPr>
@@ -5300,7 +5465,9 @@
       <p:sp>
         <p:nvSpPr>
           <p:cNvPr id="6" name="Google Shape;6;p1"/>
-          <p:cNvSpPr txBox="1"/>
+          <p:cNvSpPr txBox="1">
+            <a:spLocks noGrp="1"/>
+          </p:cNvSpPr>
           <p:nvPr>
             <p:ph type="title"/>
           </p:nvPr>
@@ -5319,7 +5486,7 @@
           </a:ln>
         </p:spPr>
         <p:txBody>
-          <a:bodyPr anchorCtr="0" anchor="t" bIns="91425" lIns="91425" spcFirstLastPara="1" rIns="91425" wrap="square" tIns="91425">
+          <a:bodyPr spcFirstLastPara="1" wrap="square" lIns="91425" tIns="91425" rIns="91425" bIns="91425" anchor="t" anchorCtr="0">
             <a:noAutofit/>
           </a:bodyPr>
           <a:lstStyle>
@@ -5486,15 +5653,19 @@
               </a:defRPr>
             </a:lvl9pPr>
           </a:lstStyle>
-          <a:p/>
+          <a:p>
+            <a:endParaRPr/>
+          </a:p>
         </p:txBody>
       </p:sp>
       <p:sp>
         <p:nvSpPr>
           <p:cNvPr id="7" name="Google Shape;7;p1"/>
-          <p:cNvSpPr txBox="1"/>
+          <p:cNvSpPr txBox="1">
+            <a:spLocks noGrp="1"/>
+          </p:cNvSpPr>
           <p:nvPr>
-            <p:ph idx="1" type="body"/>
+            <p:ph type="body" idx="1"/>
           </p:nvPr>
         </p:nvSpPr>
         <p:spPr>
@@ -5511,11 +5682,11 @@
           </a:ln>
         </p:spPr>
         <p:txBody>
-          <a:bodyPr anchorCtr="0" anchor="t" bIns="91425" lIns="91425" spcFirstLastPara="1" rIns="91425" wrap="square" tIns="91425">
+          <a:bodyPr spcFirstLastPara="1" wrap="square" lIns="91425" tIns="91425" rIns="91425" bIns="91425" anchor="t" anchorCtr="0">
             <a:noAutofit/>
           </a:bodyPr>
           <a:lstStyle>
-            <a:lvl1pPr indent="-342900" lvl="0" marL="457200">
+            <a:lvl1pPr marL="457200" lvl="0" indent="-342900">
               <a:lnSpc>
                 <a:spcPct val="115000"/>
               </a:lnSpc>
@@ -5536,7 +5707,7 @@
                 </a:solidFill>
               </a:defRPr>
             </a:lvl1pPr>
-            <a:lvl2pPr indent="-317500" lvl="1" marL="914400">
+            <a:lvl2pPr marL="914400" lvl="1" indent="-317500">
               <a:lnSpc>
                 <a:spcPct val="115000"/>
               </a:lnSpc>
@@ -5557,7 +5728,7 @@
                 </a:solidFill>
               </a:defRPr>
             </a:lvl2pPr>
-            <a:lvl3pPr indent="-317500" lvl="2" marL="1371600">
+            <a:lvl3pPr marL="1371600" lvl="2" indent="-317500">
               <a:lnSpc>
                 <a:spcPct val="115000"/>
               </a:lnSpc>
@@ -5578,7 +5749,7 @@
                 </a:solidFill>
               </a:defRPr>
             </a:lvl3pPr>
-            <a:lvl4pPr indent="-317500" lvl="3" marL="1828800">
+            <a:lvl4pPr marL="1828800" lvl="3" indent="-317500">
               <a:lnSpc>
                 <a:spcPct val="115000"/>
               </a:lnSpc>
@@ -5599,7 +5770,7 @@
                 </a:solidFill>
               </a:defRPr>
             </a:lvl4pPr>
-            <a:lvl5pPr indent="-317500" lvl="4" marL="2286000">
+            <a:lvl5pPr marL="2286000" lvl="4" indent="-317500">
               <a:lnSpc>
                 <a:spcPct val="115000"/>
               </a:lnSpc>
@@ -5620,7 +5791,7 @@
                 </a:solidFill>
               </a:defRPr>
             </a:lvl5pPr>
-            <a:lvl6pPr indent="-317500" lvl="5" marL="2743200">
+            <a:lvl6pPr marL="2743200" lvl="5" indent="-317500">
               <a:lnSpc>
                 <a:spcPct val="115000"/>
               </a:lnSpc>
@@ -5641,7 +5812,7 @@
                 </a:solidFill>
               </a:defRPr>
             </a:lvl6pPr>
-            <a:lvl7pPr indent="-317500" lvl="6" marL="3200400">
+            <a:lvl7pPr marL="3200400" lvl="6" indent="-317500">
               <a:lnSpc>
                 <a:spcPct val="115000"/>
               </a:lnSpc>
@@ -5662,7 +5833,7 @@
                 </a:solidFill>
               </a:defRPr>
             </a:lvl7pPr>
-            <a:lvl8pPr indent="-317500" lvl="7" marL="3657600">
+            <a:lvl8pPr marL="3657600" lvl="7" indent="-317500">
               <a:lnSpc>
                 <a:spcPct val="115000"/>
               </a:lnSpc>
@@ -5683,7 +5854,7 @@
                 </a:solidFill>
               </a:defRPr>
             </a:lvl8pPr>
-            <a:lvl9pPr indent="-317500" lvl="8" marL="4114800">
+            <a:lvl9pPr marL="4114800" lvl="8" indent="-317500">
               <a:lnSpc>
                 <a:spcPct val="115000"/>
               </a:lnSpc>
@@ -5705,15 +5876,19 @@
               </a:defRPr>
             </a:lvl9pPr>
           </a:lstStyle>
-          <a:p/>
+          <a:p>
+            <a:endParaRPr/>
+          </a:p>
         </p:txBody>
       </p:sp>
       <p:sp>
         <p:nvSpPr>
           <p:cNvPr id="8" name="Google Shape;8;p1"/>
-          <p:cNvSpPr txBox="1"/>
+          <p:cNvSpPr txBox="1">
+            <a:spLocks noGrp="1"/>
+          </p:cNvSpPr>
           <p:nvPr>
-            <p:ph idx="12" type="sldNum"/>
+            <p:ph type="sldNum" idx="12"/>
           </p:nvPr>
         </p:nvSpPr>
         <p:spPr>
@@ -5730,7 +5905,7 @@
           </a:ln>
         </p:spPr>
         <p:txBody>
-          <a:bodyPr anchorCtr="0" anchor="ctr" bIns="91425" lIns="91425" spcFirstLastPara="1" rIns="91425" wrap="square" tIns="91425">
+          <a:bodyPr spcFirstLastPara="1" wrap="square" lIns="91425" tIns="91425" rIns="91425" bIns="91425" anchor="ctr" anchorCtr="0">
             <a:noAutofit/>
           </a:bodyPr>
           <a:lstStyle>
@@ -5808,7 +5983,7 @@
             </a:lvl9pPr>
           </a:lstStyle>
           <a:p>
-            <a:pPr indent="0" lvl="0" marL="0" rtl="0" algn="r">
+            <a:pPr marL="0" lvl="0" indent="0" algn="r" rtl="0">
               <a:spcBef>
                 <a:spcPts val="0"/>
               </a:spcBef>
@@ -5827,7 +6002,7 @@
       </p:sp>
     </p:spTree>
   </p:cSld>
-  <p:clrMap accent1="accent1" accent2="accent2" accent3="accent3" accent4="accent4" accent5="accent5" accent6="accent6" bg1="lt1" bg2="dk2" tx1="dk1" tx2="lt2" folHlink="folHlink" hlink="hlink"/>
+  <p:clrMap bg1="lt1" tx1="dk1" bg2="dk2" tx2="lt2" accent1="accent1" accent2="accent2" accent3="accent3" accent4="accent4" accent5="accent5" accent6="accent6" hlink="hlink" folHlink="folHlink"/>
   <p:sldLayoutIdLst>
     <p:sldLayoutId id="2147483648" r:id="rId1"/>
     <p:sldLayoutId id="2147483649" r:id="rId2"/>
@@ -5841,10 +6016,10 @@
     <p:sldLayoutId id="2147483657" r:id="rId10"/>
     <p:sldLayoutId id="2147483658" r:id="rId11"/>
   </p:sldLayoutIdLst>
-  <p:hf dt="0" ftr="0" hdr="0" sldNum="0"/>
+  <p:hf sldNum="0" hdr="0" ftr="0" dt="0"/>
   <p:txStyles>
     <p:titleStyle>
-      <a:defPPr lvl="0" marR="0" rtl="0" algn="l">
+      <a:defPPr marR="0" lvl="0" algn="l" rtl="0">
         <a:lnSpc>
           <a:spcPct val="100000"/>
         </a:lnSpc>
@@ -5855,7 +6030,7 @@
           <a:spcPts val="0"/>
         </a:spcAft>
       </a:defPPr>
-      <a:lvl1pPr lvl="0" marR="0" rtl="0" algn="l">
+      <a:lvl1pPr marR="0" lvl="0" algn="l" rtl="0">
         <a:lnSpc>
           <a:spcPct val="100000"/>
         </a:lnSpc>
@@ -5869,7 +6044,7 @@
           <a:srgbClr val="000000"/>
         </a:buClr>
         <a:buFont typeface="Arial"/>
-        <a:defRPr b="0" i="0" sz="1400" u="none" cap="none" strike="noStrike">
+        <a:defRPr sz="1400" b="0" i="0" u="none" strike="noStrike" cap="none">
           <a:solidFill>
             <a:srgbClr val="000000"/>
           </a:solidFill>
@@ -5879,7 +6054,7 @@
           <a:sym typeface="Arial"/>
         </a:defRPr>
       </a:lvl1pPr>
-      <a:lvl2pPr lvl="1" marR="0" rtl="0" algn="l">
+      <a:lvl2pPr marR="0" lvl="1" algn="l" rtl="0">
         <a:lnSpc>
           <a:spcPct val="100000"/>
         </a:lnSpc>
@@ -5893,7 +6068,7 @@
           <a:srgbClr val="000000"/>
         </a:buClr>
         <a:buFont typeface="Arial"/>
-        <a:defRPr b="0" i="0" sz="1400" u="none" cap="none" strike="noStrike">
+        <a:defRPr sz="1400" b="0" i="0" u="none" strike="noStrike" cap="none">
           <a:solidFill>
             <a:srgbClr val="000000"/>
           </a:solidFill>
@@ -5903,7 +6078,7 @@
           <a:sym typeface="Arial"/>
         </a:defRPr>
       </a:lvl2pPr>
-      <a:lvl3pPr lvl="2" marR="0" rtl="0" algn="l">
+      <a:lvl3pPr marR="0" lvl="2" algn="l" rtl="0">
         <a:lnSpc>
           <a:spcPct val="100000"/>
         </a:lnSpc>
@@ -5917,7 +6092,7 @@
           <a:srgbClr val="000000"/>
         </a:buClr>
         <a:buFont typeface="Arial"/>
-        <a:defRPr b="0" i="0" sz="1400" u="none" cap="none" strike="noStrike">
+        <a:defRPr sz="1400" b="0" i="0" u="none" strike="noStrike" cap="none">
           <a:solidFill>
             <a:srgbClr val="000000"/>
           </a:solidFill>
@@ -5927,7 +6102,7 @@
           <a:sym typeface="Arial"/>
         </a:defRPr>
       </a:lvl3pPr>
-      <a:lvl4pPr lvl="3" marR="0" rtl="0" algn="l">
+      <a:lvl4pPr marR="0" lvl="3" algn="l" rtl="0">
         <a:lnSpc>
           <a:spcPct val="100000"/>
         </a:lnSpc>
@@ -5941,7 +6116,7 @@
           <a:srgbClr val="000000"/>
         </a:buClr>
         <a:buFont typeface="Arial"/>
-        <a:defRPr b="0" i="0" sz="1400" u="none" cap="none" strike="noStrike">
+        <a:defRPr sz="1400" b="0" i="0" u="none" strike="noStrike" cap="none">
           <a:solidFill>
             <a:srgbClr val="000000"/>
           </a:solidFill>
@@ -5951,7 +6126,7 @@
           <a:sym typeface="Arial"/>
         </a:defRPr>
       </a:lvl4pPr>
-      <a:lvl5pPr lvl="4" marR="0" rtl="0" algn="l">
+      <a:lvl5pPr marR="0" lvl="4" algn="l" rtl="0">
         <a:lnSpc>
           <a:spcPct val="100000"/>
         </a:lnSpc>
@@ -5965,7 +6140,7 @@
           <a:srgbClr val="000000"/>
         </a:buClr>
         <a:buFont typeface="Arial"/>
-        <a:defRPr b="0" i="0" sz="1400" u="none" cap="none" strike="noStrike">
+        <a:defRPr sz="1400" b="0" i="0" u="none" strike="noStrike" cap="none">
           <a:solidFill>
             <a:srgbClr val="000000"/>
           </a:solidFill>
@@ -5975,7 +6150,7 @@
           <a:sym typeface="Arial"/>
         </a:defRPr>
       </a:lvl5pPr>
-      <a:lvl6pPr lvl="5" marR="0" rtl="0" algn="l">
+      <a:lvl6pPr marR="0" lvl="5" algn="l" rtl="0">
         <a:lnSpc>
           <a:spcPct val="100000"/>
         </a:lnSpc>
@@ -5989,7 +6164,7 @@
           <a:srgbClr val="000000"/>
         </a:buClr>
         <a:buFont typeface="Arial"/>
-        <a:defRPr b="0" i="0" sz="1400" u="none" cap="none" strike="noStrike">
+        <a:defRPr sz="1400" b="0" i="0" u="none" strike="noStrike" cap="none">
           <a:solidFill>
             <a:srgbClr val="000000"/>
           </a:solidFill>
@@ -5999,7 +6174,7 @@
           <a:sym typeface="Arial"/>
         </a:defRPr>
       </a:lvl6pPr>
-      <a:lvl7pPr lvl="6" marR="0" rtl="0" algn="l">
+      <a:lvl7pPr marR="0" lvl="6" algn="l" rtl="0">
         <a:lnSpc>
           <a:spcPct val="100000"/>
         </a:lnSpc>
@@ -6013,7 +6188,7 @@
           <a:srgbClr val="000000"/>
         </a:buClr>
         <a:buFont typeface="Arial"/>
-        <a:defRPr b="0" i="0" sz="1400" u="none" cap="none" strike="noStrike">
+        <a:defRPr sz="1400" b="0" i="0" u="none" strike="noStrike" cap="none">
           <a:solidFill>
             <a:srgbClr val="000000"/>
           </a:solidFill>
@@ -6023,7 +6198,7 @@
           <a:sym typeface="Arial"/>
         </a:defRPr>
       </a:lvl7pPr>
-      <a:lvl8pPr lvl="7" marR="0" rtl="0" algn="l">
+      <a:lvl8pPr marR="0" lvl="7" algn="l" rtl="0">
         <a:lnSpc>
           <a:spcPct val="100000"/>
         </a:lnSpc>
@@ -6037,7 +6212,7 @@
           <a:srgbClr val="000000"/>
         </a:buClr>
         <a:buFont typeface="Arial"/>
-        <a:defRPr b="0" i="0" sz="1400" u="none" cap="none" strike="noStrike">
+        <a:defRPr sz="1400" b="0" i="0" u="none" strike="noStrike" cap="none">
           <a:solidFill>
             <a:srgbClr val="000000"/>
           </a:solidFill>
@@ -6047,7 +6222,7 @@
           <a:sym typeface="Arial"/>
         </a:defRPr>
       </a:lvl8pPr>
-      <a:lvl9pPr lvl="8" marR="0" rtl="0" algn="l">
+      <a:lvl9pPr marR="0" lvl="8" algn="l" rtl="0">
         <a:lnSpc>
           <a:spcPct val="100000"/>
         </a:lnSpc>
@@ -6061,7 +6236,7 @@
           <a:srgbClr val="000000"/>
         </a:buClr>
         <a:buFont typeface="Arial"/>
-        <a:defRPr b="0" i="0" sz="1400" u="none" cap="none" strike="noStrike">
+        <a:defRPr sz="1400" b="0" i="0" u="none" strike="noStrike" cap="none">
           <a:solidFill>
             <a:srgbClr val="000000"/>
           </a:solidFill>
@@ -6073,7 +6248,7 @@
       </a:lvl9pPr>
     </p:titleStyle>
     <p:bodyStyle>
-      <a:defPPr lvl="0" marR="0" rtl="0" algn="l">
+      <a:defPPr marR="0" lvl="0" algn="l" rtl="0">
         <a:lnSpc>
           <a:spcPct val="100000"/>
         </a:lnSpc>
@@ -6084,7 +6259,7 @@
           <a:spcPts val="0"/>
         </a:spcAft>
       </a:defPPr>
-      <a:lvl1pPr lvl="0" marR="0" rtl="0" algn="l">
+      <a:lvl1pPr marR="0" lvl="0" algn="l" rtl="0">
         <a:lnSpc>
           <a:spcPct val="100000"/>
         </a:lnSpc>
@@ -6098,7 +6273,7 @@
           <a:srgbClr val="000000"/>
         </a:buClr>
         <a:buFont typeface="Arial"/>
-        <a:defRPr b="0" i="0" sz="1400" u="none" cap="none" strike="noStrike">
+        <a:defRPr sz="1400" b="0" i="0" u="none" strike="noStrike" cap="none">
           <a:solidFill>
             <a:srgbClr val="000000"/>
           </a:solidFill>
@@ -6108,7 +6283,7 @@
           <a:sym typeface="Arial"/>
         </a:defRPr>
       </a:lvl1pPr>
-      <a:lvl2pPr lvl="1" marR="0" rtl="0" algn="l">
+      <a:lvl2pPr marR="0" lvl="1" algn="l" rtl="0">
         <a:lnSpc>
           <a:spcPct val="100000"/>
         </a:lnSpc>
@@ -6122,7 +6297,7 @@
           <a:srgbClr val="000000"/>
         </a:buClr>
         <a:buFont typeface="Arial"/>
-        <a:defRPr b="0" i="0" sz="1400" u="none" cap="none" strike="noStrike">
+        <a:defRPr sz="1400" b="0" i="0" u="none" strike="noStrike" cap="none">
           <a:solidFill>
             <a:srgbClr val="000000"/>
           </a:solidFill>
@@ -6132,7 +6307,7 @@
           <a:sym typeface="Arial"/>
         </a:defRPr>
       </a:lvl2pPr>
-      <a:lvl3pPr lvl="2" marR="0" rtl="0" algn="l">
+      <a:lvl3pPr marR="0" lvl="2" algn="l" rtl="0">
         <a:lnSpc>
           <a:spcPct val="100000"/>
         </a:lnSpc>
@@ -6146,7 +6321,7 @@
           <a:srgbClr val="000000"/>
         </a:buClr>
         <a:buFont typeface="Arial"/>
-        <a:defRPr b="0" i="0" sz="1400" u="none" cap="none" strike="noStrike">
+        <a:defRPr sz="1400" b="0" i="0" u="none" strike="noStrike" cap="none">
           <a:solidFill>
             <a:srgbClr val="000000"/>
           </a:solidFill>
@@ -6156,7 +6331,7 @@
           <a:sym typeface="Arial"/>
         </a:defRPr>
       </a:lvl3pPr>
-      <a:lvl4pPr lvl="3" marR="0" rtl="0" algn="l">
+      <a:lvl4pPr marR="0" lvl="3" algn="l" rtl="0">
         <a:lnSpc>
           <a:spcPct val="100000"/>
         </a:lnSpc>
@@ -6170,7 +6345,7 @@
           <a:srgbClr val="000000"/>
         </a:buClr>
         <a:buFont typeface="Arial"/>
-        <a:defRPr b="0" i="0" sz="1400" u="none" cap="none" strike="noStrike">
+        <a:defRPr sz="1400" b="0" i="0" u="none" strike="noStrike" cap="none">
           <a:solidFill>
             <a:srgbClr val="000000"/>
           </a:solidFill>
@@ -6180,7 +6355,7 @@
           <a:sym typeface="Arial"/>
         </a:defRPr>
       </a:lvl4pPr>
-      <a:lvl5pPr lvl="4" marR="0" rtl="0" algn="l">
+      <a:lvl5pPr marR="0" lvl="4" algn="l" rtl="0">
         <a:lnSpc>
           <a:spcPct val="100000"/>
         </a:lnSpc>
@@ -6194,7 +6369,7 @@
           <a:srgbClr val="000000"/>
         </a:buClr>
         <a:buFont typeface="Arial"/>
-        <a:defRPr b="0" i="0" sz="1400" u="none" cap="none" strike="noStrike">
+        <a:defRPr sz="1400" b="0" i="0" u="none" strike="noStrike" cap="none">
           <a:solidFill>
             <a:srgbClr val="000000"/>
           </a:solidFill>
@@ -6204,7 +6379,7 @@
           <a:sym typeface="Arial"/>
         </a:defRPr>
       </a:lvl5pPr>
-      <a:lvl6pPr lvl="5" marR="0" rtl="0" algn="l">
+      <a:lvl6pPr marR="0" lvl="5" algn="l" rtl="0">
         <a:lnSpc>
           <a:spcPct val="100000"/>
         </a:lnSpc>
@@ -6218,7 +6393,7 @@
           <a:srgbClr val="000000"/>
         </a:buClr>
         <a:buFont typeface="Arial"/>
-        <a:defRPr b="0" i="0" sz="1400" u="none" cap="none" strike="noStrike">
+        <a:defRPr sz="1400" b="0" i="0" u="none" strike="noStrike" cap="none">
           <a:solidFill>
             <a:srgbClr val="000000"/>
           </a:solidFill>
@@ -6228,7 +6403,7 @@
           <a:sym typeface="Arial"/>
         </a:defRPr>
       </a:lvl6pPr>
-      <a:lvl7pPr lvl="6" marR="0" rtl="0" algn="l">
+      <a:lvl7pPr marR="0" lvl="6" algn="l" rtl="0">
         <a:lnSpc>
           <a:spcPct val="100000"/>
         </a:lnSpc>
@@ -6242,7 +6417,7 @@
           <a:srgbClr val="000000"/>
         </a:buClr>
         <a:buFont typeface="Arial"/>
-        <a:defRPr b="0" i="0" sz="1400" u="none" cap="none" strike="noStrike">
+        <a:defRPr sz="1400" b="0" i="0" u="none" strike="noStrike" cap="none">
           <a:solidFill>
             <a:srgbClr val="000000"/>
           </a:solidFill>
@@ -6252,7 +6427,7 @@
           <a:sym typeface="Arial"/>
         </a:defRPr>
       </a:lvl7pPr>
-      <a:lvl8pPr lvl="7" marR="0" rtl="0" algn="l">
+      <a:lvl8pPr marR="0" lvl="7" algn="l" rtl="0">
         <a:lnSpc>
           <a:spcPct val="100000"/>
         </a:lnSpc>
@@ -6266,7 +6441,7 @@
           <a:srgbClr val="000000"/>
         </a:buClr>
         <a:buFont typeface="Arial"/>
-        <a:defRPr b="0" i="0" sz="1400" u="none" cap="none" strike="noStrike">
+        <a:defRPr sz="1400" b="0" i="0" u="none" strike="noStrike" cap="none">
           <a:solidFill>
             <a:srgbClr val="000000"/>
           </a:solidFill>
@@ -6276,7 +6451,7 @@
           <a:sym typeface="Arial"/>
         </a:defRPr>
       </a:lvl8pPr>
-      <a:lvl9pPr lvl="8" marR="0" rtl="0" algn="l">
+      <a:lvl9pPr marR="0" lvl="8" algn="l" rtl="0">
         <a:lnSpc>
           <a:spcPct val="100000"/>
         </a:lnSpc>
@@ -6290,7 +6465,7 @@
           <a:srgbClr val="000000"/>
         </a:buClr>
         <a:buFont typeface="Arial"/>
-        <a:defRPr b="0" i="0" sz="1400" u="none" cap="none" strike="noStrike">
+        <a:defRPr sz="1400" b="0" i="0" u="none" strike="noStrike" cap="none">
           <a:solidFill>
             <a:srgbClr val="000000"/>
           </a:solidFill>
@@ -6302,7 +6477,7 @@
       </a:lvl9pPr>
     </p:bodyStyle>
     <p:otherStyle>
-      <a:defPPr lvl="0" marR="0" rtl="0" algn="l">
+      <a:defPPr marR="0" lvl="0" algn="l" rtl="0">
         <a:lnSpc>
           <a:spcPct val="100000"/>
         </a:lnSpc>
@@ -6313,7 +6488,7 @@
           <a:spcPts val="0"/>
         </a:spcAft>
       </a:defPPr>
-      <a:lvl1pPr lvl="0" marR="0" rtl="0" algn="l">
+      <a:lvl1pPr marR="0" lvl="0" algn="l" rtl="0">
         <a:lnSpc>
           <a:spcPct val="100000"/>
         </a:lnSpc>
@@ -6327,7 +6502,7 @@
           <a:srgbClr val="000000"/>
         </a:buClr>
         <a:buFont typeface="Arial"/>
-        <a:defRPr b="0" i="0" sz="1400" u="none" cap="none" strike="noStrike">
+        <a:defRPr sz="1400" b="0" i="0" u="none" strike="noStrike" cap="none">
           <a:solidFill>
             <a:srgbClr val="000000"/>
           </a:solidFill>
@@ -6337,7 +6512,7 @@
           <a:sym typeface="Arial"/>
         </a:defRPr>
       </a:lvl1pPr>
-      <a:lvl2pPr lvl="1" marR="0" rtl="0" algn="l">
+      <a:lvl2pPr marR="0" lvl="1" algn="l" rtl="0">
         <a:lnSpc>
           <a:spcPct val="100000"/>
         </a:lnSpc>
@@ -6351,7 +6526,7 @@
           <a:srgbClr val="000000"/>
         </a:buClr>
         <a:buFont typeface="Arial"/>
-        <a:defRPr b="0" i="0" sz="1400" u="none" cap="none" strike="noStrike">
+        <a:defRPr sz="1400" b="0" i="0" u="none" strike="noStrike" cap="none">
           <a:solidFill>
             <a:srgbClr val="000000"/>
           </a:solidFill>
@@ -6361,7 +6536,7 @@
           <a:sym typeface="Arial"/>
         </a:defRPr>
       </a:lvl2pPr>
-      <a:lvl3pPr lvl="2" marR="0" rtl="0" algn="l">
+      <a:lvl3pPr marR="0" lvl="2" algn="l" rtl="0">
         <a:lnSpc>
           <a:spcPct val="100000"/>
         </a:lnSpc>
@@ -6375,7 +6550,7 @@
           <a:srgbClr val="000000"/>
         </a:buClr>
         <a:buFont typeface="Arial"/>
-        <a:defRPr b="0" i="0" sz="1400" u="none" cap="none" strike="noStrike">
+        <a:defRPr sz="1400" b="0" i="0" u="none" strike="noStrike" cap="none">
           <a:solidFill>
             <a:srgbClr val="000000"/>
           </a:solidFill>
@@ -6385,7 +6560,7 @@
           <a:sym typeface="Arial"/>
         </a:defRPr>
       </a:lvl3pPr>
-      <a:lvl4pPr lvl="3" marR="0" rtl="0" algn="l">
+      <a:lvl4pPr marR="0" lvl="3" algn="l" rtl="0">
         <a:lnSpc>
           <a:spcPct val="100000"/>
         </a:lnSpc>
@@ -6399,7 +6574,7 @@
           <a:srgbClr val="000000"/>
         </a:buClr>
         <a:buFont typeface="Arial"/>
-        <a:defRPr b="0" i="0" sz="1400" u="none" cap="none" strike="noStrike">
+        <a:defRPr sz="1400" b="0" i="0" u="none" strike="noStrike" cap="none">
           <a:solidFill>
             <a:srgbClr val="000000"/>
           </a:solidFill>
@@ -6409,7 +6584,7 @@
           <a:sym typeface="Arial"/>
         </a:defRPr>
       </a:lvl4pPr>
-      <a:lvl5pPr lvl="4" marR="0" rtl="0" algn="l">
+      <a:lvl5pPr marR="0" lvl="4" algn="l" rtl="0">
         <a:lnSpc>
           <a:spcPct val="100000"/>
         </a:lnSpc>
@@ -6423,7 +6598,7 @@
           <a:srgbClr val="000000"/>
         </a:buClr>
         <a:buFont typeface="Arial"/>
-        <a:defRPr b="0" i="0" sz="1400" u="none" cap="none" strike="noStrike">
+        <a:defRPr sz="1400" b="0" i="0" u="none" strike="noStrike" cap="none">
           <a:solidFill>
             <a:srgbClr val="000000"/>
           </a:solidFill>
@@ -6433,7 +6608,7 @@
           <a:sym typeface="Arial"/>
         </a:defRPr>
       </a:lvl5pPr>
-      <a:lvl6pPr lvl="5" marR="0" rtl="0" algn="l">
+      <a:lvl6pPr marR="0" lvl="5" algn="l" rtl="0">
         <a:lnSpc>
           <a:spcPct val="100000"/>
         </a:lnSpc>
@@ -6447,7 +6622,7 @@
           <a:srgbClr val="000000"/>
         </a:buClr>
         <a:buFont typeface="Arial"/>
-        <a:defRPr b="0" i="0" sz="1400" u="none" cap="none" strike="noStrike">
+        <a:defRPr sz="1400" b="0" i="0" u="none" strike="noStrike" cap="none">
           <a:solidFill>
             <a:srgbClr val="000000"/>
           </a:solidFill>
@@ -6457,7 +6632,7 @@
           <a:sym typeface="Arial"/>
         </a:defRPr>
       </a:lvl6pPr>
-      <a:lvl7pPr lvl="6" marR="0" rtl="0" algn="l">
+      <a:lvl7pPr marR="0" lvl="6" algn="l" rtl="0">
         <a:lnSpc>
           <a:spcPct val="100000"/>
         </a:lnSpc>
@@ -6471,7 +6646,7 @@
           <a:srgbClr val="000000"/>
         </a:buClr>
         <a:buFont typeface="Arial"/>
-        <a:defRPr b="0" i="0" sz="1400" u="none" cap="none" strike="noStrike">
+        <a:defRPr sz="1400" b="0" i="0" u="none" strike="noStrike" cap="none">
           <a:solidFill>
             <a:srgbClr val="000000"/>
           </a:solidFill>
@@ -6481,7 +6656,7 @@
           <a:sym typeface="Arial"/>
         </a:defRPr>
       </a:lvl7pPr>
-      <a:lvl8pPr lvl="7" marR="0" rtl="0" algn="l">
+      <a:lvl8pPr marR="0" lvl="7" algn="l" rtl="0">
         <a:lnSpc>
           <a:spcPct val="100000"/>
         </a:lnSpc>
@@ -6495,7 +6670,7 @@
           <a:srgbClr val="000000"/>
         </a:buClr>
         <a:buFont typeface="Arial"/>
-        <a:defRPr b="0" i="0" sz="1400" u="none" cap="none" strike="noStrike">
+        <a:defRPr sz="1400" b="0" i="0" u="none" strike="noStrike" cap="none">
           <a:solidFill>
             <a:srgbClr val="000000"/>
           </a:solidFill>
@@ -6505,7 +6680,7 @@
           <a:sym typeface="Arial"/>
         </a:defRPr>
       </a:lvl8pPr>
-      <a:lvl9pPr lvl="8" marR="0" rtl="0" algn="l">
+      <a:lvl9pPr marR="0" lvl="8" algn="l" rtl="0">
         <a:lnSpc>
           <a:spcPct val="100000"/>
         </a:lnSpc>
@@ -6519,7 +6694,7 @@
           <a:srgbClr val="000000"/>
         </a:buClr>
         <a:buFont typeface="Arial"/>
-        <a:defRPr b="0" i="0" sz="1400" u="none" cap="none" strike="noStrike">
+        <a:defRPr sz="1400" b="0" i="0" u="none" strike="noStrike" cap="none">
           <a:solidFill>
             <a:srgbClr val="000000"/>
           </a:solidFill>
@@ -6535,11 +6710,11 @@
 </file>
 
 <file path=ppt/slides/slide1.xml><?xml version="1.0" encoding="utf-8"?>
-<p:sld xmlns:a="http://schemas.openxmlformats.org/drawingml/2006/main" xmlns:r="http://schemas.openxmlformats.org/officeDocument/2006/relationships" xmlns:mc="http://schemas.openxmlformats.org/markup-compatibility/2006" xmlns:mv="urn:schemas-microsoft-com:mac:vml" xmlns:p="http://schemas.openxmlformats.org/presentationml/2006/main" xmlns:c="http://schemas.openxmlformats.org/drawingml/2006/chart" xmlns:dgm="http://schemas.openxmlformats.org/drawingml/2006/diagram" xmlns:o="urn:schemas-microsoft-com:office:office" xmlns:v="urn:schemas-microsoft-com:vml" xmlns:pvml="urn:schemas-microsoft-com:office:powerpoint" xmlns:com="http://schemas.openxmlformats.org/drawingml/2006/compatibility" xmlns:p14="http://schemas.microsoft.com/office/powerpoint/2010/main" xmlns:p15="http://schemas.microsoft.com/office/powerpoint/2012/main">
+<p:sld xmlns:a="http://schemas.openxmlformats.org/drawingml/2006/main" xmlns:r="http://schemas.openxmlformats.org/officeDocument/2006/relationships" xmlns:p="http://schemas.openxmlformats.org/presentationml/2006/main">
   <p:cSld>
     <p:spTree>
       <p:nvGrpSpPr>
-        <p:cNvPr id="53" name="Shape 53"/>
+        <p:cNvPr id="1" name="Shape 53"/>
         <p:cNvGrpSpPr/>
         <p:nvPr/>
       </p:nvGrpSpPr>
@@ -6554,7 +6729,9 @@
       <p:sp>
         <p:nvSpPr>
           <p:cNvPr id="54" name="Google Shape;54;p13"/>
-          <p:cNvSpPr txBox="1"/>
+          <p:cNvSpPr txBox="1">
+            <a:spLocks noGrp="1"/>
+          </p:cNvSpPr>
           <p:nvPr>
             <p:ph type="ctrTitle"/>
           </p:nvPr>
@@ -6569,12 +6746,12 @@
           </a:prstGeom>
         </p:spPr>
         <p:txBody>
-          <a:bodyPr anchorCtr="0" anchor="b" bIns="91425" lIns="91425" spcFirstLastPara="1" rIns="91425" wrap="square" tIns="91425">
+          <a:bodyPr spcFirstLastPara="1" wrap="square" lIns="91425" tIns="91425" rIns="91425" bIns="91425" anchor="b" anchorCtr="0">
             <a:noAutofit/>
           </a:bodyPr>
           <a:lstStyle/>
           <a:p>
-            <a:pPr indent="0" lvl="0" marL="0" rtl="0" algn="ctr">
+            <a:pPr marL="0" lvl="0" indent="0" algn="ctr" rtl="0">
               <a:spcBef>
                 <a:spcPts val="0"/>
               </a:spcBef>
@@ -6584,19 +6761,21 @@
               <a:buNone/>
             </a:pPr>
             <a:r>
-              <a:rPr lang="en"/>
+              <a:rPr lang="en" dirty="0"/>
               <a:t>CS 4476 Project 1</a:t>
             </a:r>
-            <a:endParaRPr/>
+            <a:endParaRPr dirty="0"/>
           </a:p>
         </p:txBody>
       </p:sp>
       <p:sp>
         <p:nvSpPr>
           <p:cNvPr id="55" name="Google Shape;55;p13"/>
-          <p:cNvSpPr txBox="1"/>
+          <p:cNvSpPr txBox="1">
+            <a:spLocks noGrp="1"/>
+          </p:cNvSpPr>
           <p:nvPr>
-            <p:ph idx="1" type="subTitle"/>
+            <p:ph type="subTitle" idx="1"/>
           </p:nvPr>
         </p:nvSpPr>
         <p:spPr>
@@ -6609,12 +6788,12 @@
           </a:prstGeom>
         </p:spPr>
         <p:txBody>
-          <a:bodyPr anchorCtr="0" anchor="t" bIns="91425" lIns="91425" spcFirstLastPara="1" rIns="91425" wrap="square" tIns="91425">
+          <a:bodyPr spcFirstLastPara="1" wrap="square" lIns="91425" tIns="91425" rIns="91425" bIns="91425" anchor="t" anchorCtr="0">
             <a:noAutofit/>
           </a:bodyPr>
           <a:lstStyle/>
           <a:p>
-            <a:pPr indent="0" lvl="0" marL="0" rtl="0" algn="ctr">
+            <a:pPr marL="0" lvl="0" indent="0" algn="ctr" rtl="0">
               <a:spcBef>
                 <a:spcPts val="0"/>
               </a:spcBef>
@@ -6624,13 +6803,13 @@
               <a:buNone/>
             </a:pPr>
             <a:r>
-              <a:rPr lang="en"/>
-              <a:t>&lt;name&gt;</a:t>
+              <a:rPr lang="en-US" dirty="0" smtClean="0"/>
+              <a:t>Jie Lyu</a:t>
             </a:r>
-            <a:endParaRPr/>
-          </a:p>
-          <a:p>
-            <a:pPr indent="0" lvl="0" marL="0" rtl="0" algn="ctr">
+            <a:endParaRPr dirty="0"/>
+          </a:p>
+          <a:p>
+            <a:pPr marL="0" lvl="0" indent="0" algn="ctr" rtl="0">
               <a:spcBef>
                 <a:spcPts val="0"/>
               </a:spcBef>
@@ -6640,13 +6819,13 @@
               <a:buNone/>
             </a:pPr>
             <a:r>
-              <a:rPr lang="en"/>
-              <a:t>&lt;GT email&gt;</a:t>
+              <a:rPr lang="en-US" dirty="0" smtClean="0"/>
+              <a:t>jie.lyu@gatech.edu</a:t>
             </a:r>
-            <a:endParaRPr/>
-          </a:p>
-          <a:p>
-            <a:pPr indent="0" lvl="0" marL="0" rtl="0" algn="ctr">
+            <a:endParaRPr dirty="0"/>
+          </a:p>
+          <a:p>
+            <a:pPr marL="0" lvl="0" indent="0" algn="ctr" rtl="0">
               <a:spcBef>
                 <a:spcPts val="0"/>
               </a:spcBef>
@@ -6656,13 +6835,13 @@
               <a:buNone/>
             </a:pPr>
             <a:r>
-              <a:rPr lang="en"/>
-              <a:t>&lt;GT username&gt;</a:t>
+              <a:rPr lang="en-US" dirty="0" smtClean="0"/>
+              <a:t>jlyu31</a:t>
             </a:r>
-            <a:endParaRPr/>
-          </a:p>
-          <a:p>
-            <a:pPr indent="0" lvl="0" marL="0" rtl="0" algn="ctr">
+            <a:endParaRPr dirty="0"/>
+          </a:p>
+          <a:p>
+            <a:pPr marL="0" lvl="0" indent="0" algn="ctr" rtl="0">
               <a:spcBef>
                 <a:spcPts val="0"/>
               </a:spcBef>
@@ -6672,10 +6851,10 @@
               <a:buNone/>
             </a:pPr>
             <a:r>
-              <a:rPr lang="en"/>
-              <a:t>&lt;GTID&gt;</a:t>
+              <a:rPr lang="en-US" dirty="0" smtClean="0"/>
+              <a:t>903329676</a:t>
             </a:r>
-            <a:endParaRPr/>
+            <a:endParaRPr dirty="0"/>
           </a:p>
         </p:txBody>
       </p:sp>
@@ -6688,11 +6867,11 @@
 </file>
 
 <file path=ppt/slides/slide10.xml><?xml version="1.0" encoding="utf-8"?>
-<p:sld xmlns:a="http://schemas.openxmlformats.org/drawingml/2006/main" xmlns:r="http://schemas.openxmlformats.org/officeDocument/2006/relationships" xmlns:mc="http://schemas.openxmlformats.org/markup-compatibility/2006" xmlns:mv="urn:schemas-microsoft-com:mac:vml" xmlns:p="http://schemas.openxmlformats.org/presentationml/2006/main" xmlns:c="http://schemas.openxmlformats.org/drawingml/2006/chart" xmlns:dgm="http://schemas.openxmlformats.org/drawingml/2006/diagram" xmlns:o="urn:schemas-microsoft-com:office:office" xmlns:v="urn:schemas-microsoft-com:vml" xmlns:pvml="urn:schemas-microsoft-com:office:powerpoint" xmlns:com="http://schemas.openxmlformats.org/drawingml/2006/compatibility" xmlns:p14="http://schemas.microsoft.com/office/powerpoint/2010/main" xmlns:p15="http://schemas.microsoft.com/office/powerpoint/2012/main">
+<p:sld xmlns:a="http://schemas.openxmlformats.org/drawingml/2006/main" xmlns:r="http://schemas.openxmlformats.org/officeDocument/2006/relationships" xmlns:p="http://schemas.openxmlformats.org/presentationml/2006/main">
   <p:cSld>
     <p:spTree>
       <p:nvGrpSpPr>
-        <p:cNvPr id="115" name="Shape 115"/>
+        <p:cNvPr id="1" name="Shape 115"/>
         <p:cNvGrpSpPr/>
         <p:nvPr/>
       </p:nvGrpSpPr>
@@ -6707,7 +6886,9 @@
       <p:sp>
         <p:nvSpPr>
           <p:cNvPr id="116" name="Google Shape;116;p22"/>
-          <p:cNvSpPr txBox="1"/>
+          <p:cNvSpPr txBox="1">
+            <a:spLocks noGrp="1"/>
+          </p:cNvSpPr>
           <p:nvPr>
             <p:ph type="title"/>
           </p:nvPr>
@@ -6722,12 +6903,12 @@
           </a:prstGeom>
         </p:spPr>
         <p:txBody>
-          <a:bodyPr anchorCtr="0" anchor="t" bIns="91425" lIns="91425" spcFirstLastPara="1" rIns="91425" wrap="square" tIns="91425">
+          <a:bodyPr spcFirstLastPara="1" wrap="square" lIns="91425" tIns="91425" rIns="91425" bIns="91425" anchor="t" anchorCtr="0">
             <a:noAutofit/>
           </a:bodyPr>
           <a:lstStyle/>
           <a:p>
-            <a:pPr indent="0" lvl="0" marL="0" rtl="0" algn="l">
+            <a:pPr marL="0" lvl="0" indent="0" algn="l" rtl="0">
               <a:spcBef>
                 <a:spcPts val="0"/>
               </a:spcBef>
@@ -6747,9 +6928,11 @@
       <p:sp>
         <p:nvSpPr>
           <p:cNvPr id="117" name="Google Shape;117;p22"/>
-          <p:cNvSpPr txBox="1"/>
+          <p:cNvSpPr txBox="1">
+            <a:spLocks noGrp="1"/>
+          </p:cNvSpPr>
           <p:nvPr>
-            <p:ph idx="1" type="body"/>
+            <p:ph type="body" idx="1"/>
           </p:nvPr>
         </p:nvSpPr>
         <p:spPr>
@@ -6762,12 +6945,12 @@
           </a:prstGeom>
         </p:spPr>
         <p:txBody>
-          <a:bodyPr anchorCtr="0" anchor="t" bIns="91425" lIns="91425" spcFirstLastPara="1" rIns="91425" wrap="square" tIns="91425">
+          <a:bodyPr spcFirstLastPara="1" wrap="square" lIns="91425" tIns="91425" rIns="91425" bIns="91425" anchor="t" anchorCtr="0">
             <a:noAutofit/>
           </a:bodyPr>
           <a:lstStyle/>
           <a:p>
-            <a:pPr indent="0" lvl="0" marL="0" rtl="0" algn="l">
+            <a:pPr marL="0" lvl="0" indent="0" algn="l" rtl="0">
               <a:spcBef>
                 <a:spcPts val="0"/>
               </a:spcBef>
@@ -6782,55 +6965,33 @@
               <a:buNone/>
             </a:pPr>
             <a:r>
-              <a:rPr b="1" lang="en"/>
+              <a:rPr lang="en" b="1" dirty="0"/>
               <a:t>Submarine + Fish</a:t>
             </a:r>
-            <a:endParaRPr b="1"/>
-          </a:p>
-          <a:p>
-            <a:pPr indent="0" lvl="0" marL="0" rtl="0" algn="l">
-              <a:spcBef>
-                <a:spcPts val="1600"/>
-              </a:spcBef>
-              <a:spcAft>
-                <a:spcPts val="0"/>
-              </a:spcAft>
-              <a:buClr>
-                <a:schemeClr val="dk1"/>
-              </a:buClr>
-              <a:buSzPts val="1100"/>
-              <a:buFont typeface="Arial"/>
+            <a:endParaRPr b="1" dirty="0"/>
+          </a:p>
+          <a:p>
+            <a:pPr marL="0" lvl="0" indent="0" algn="l" rtl="0">
+              <a:spcBef>
+                <a:spcPts val="1600"/>
+              </a:spcBef>
+              <a:spcAft>
+                <a:spcPts val="1600"/>
+              </a:spcAft>
               <a:buNone/>
             </a:pPr>
-            <a:r>
-              <a:rPr lang="en"/>
-              <a:t>&lt;insert your hybrid image here&gt;</a:t>
-            </a:r>
-            <a:endParaRPr b="1"/>
-          </a:p>
-          <a:p>
-            <a:pPr indent="0" lvl="0" marL="0" rtl="0" algn="l">
-              <a:spcBef>
-                <a:spcPts val="1600"/>
-              </a:spcBef>
-              <a:spcAft>
-                <a:spcPts val="1600"/>
-              </a:spcAft>
-              <a:buNone/>
-            </a:pPr>
-            <a:r>
-              <a:t/>
-            </a:r>
-            <a:endParaRPr/>
+            <a:endParaRPr dirty="0"/>
           </a:p>
         </p:txBody>
       </p:sp>
       <p:sp>
         <p:nvSpPr>
           <p:cNvPr id="118" name="Google Shape;118;p22"/>
-          <p:cNvSpPr txBox="1"/>
+          <p:cNvSpPr txBox="1">
+            <a:spLocks noGrp="1"/>
+          </p:cNvSpPr>
           <p:nvPr>
-            <p:ph idx="2" type="body"/>
+            <p:ph type="body" idx="2"/>
           </p:nvPr>
         </p:nvSpPr>
         <p:spPr>
@@ -6843,12 +7004,12 @@
           </a:prstGeom>
         </p:spPr>
         <p:txBody>
-          <a:bodyPr anchorCtr="0" anchor="t" bIns="91425" lIns="91425" spcFirstLastPara="1" rIns="91425" wrap="square" tIns="91425">
+          <a:bodyPr spcFirstLastPara="1" wrap="square" lIns="91425" tIns="91425" rIns="91425" bIns="91425" anchor="t" anchorCtr="0">
             <a:noAutofit/>
           </a:bodyPr>
           <a:lstStyle/>
           <a:p>
-            <a:pPr indent="0" lvl="0" marL="0" rtl="0" algn="l">
+            <a:pPr marL="0" lvl="0" indent="0" algn="l" rtl="0">
               <a:spcBef>
                 <a:spcPts val="0"/>
               </a:spcBef>
@@ -6858,13 +7019,13 @@
               <a:buNone/>
             </a:pPr>
             <a:r>
-              <a:rPr b="1" lang="en"/>
+              <a:rPr lang="en" b="1" dirty="0"/>
               <a:t>Part 1 vs. Part 2</a:t>
             </a:r>
-            <a:endParaRPr/>
-          </a:p>
-          <a:p>
-            <a:pPr indent="0" lvl="0" marL="0" rtl="0" algn="l">
+            <a:endParaRPr dirty="0"/>
+          </a:p>
+          <a:p>
+            <a:pPr marL="0" lvl="0" indent="0">
               <a:spcBef>
                 <a:spcPts val="1600"/>
               </a:spcBef>
@@ -6874,27 +7035,80 @@
               <a:buNone/>
             </a:pPr>
             <a:r>
-              <a:rPr lang="en"/>
-              <a:t>&lt;Compare the run-times of Parts 1 and 2 here, as calculated in proj1.ipynb. What can you say about the two methods?&gt;</a:t>
+              <a:rPr lang="en-US" dirty="0" smtClean="0"/>
+              <a:t>Part 1 </a:t>
             </a:r>
-            <a:endParaRPr/>
+            <a:r>
+              <a:rPr lang="en-US" dirty="0"/>
+              <a:t>took 9.276 seconds and </a:t>
+            </a:r>
+            <a:r>
+              <a:rPr lang="en-US" dirty="0" smtClean="0"/>
+              <a:t>part 2 took </a:t>
+            </a:r>
+            <a:r>
+              <a:rPr lang="en-US" dirty="0"/>
+              <a:t>1.677 second</a:t>
+            </a:r>
+            <a:r>
+              <a:rPr lang="en-US" dirty="0" smtClean="0"/>
+              <a:t>. Part 2 is 82% faster. To me that means better.</a:t>
+            </a:r>
+            <a:endParaRPr lang="en-US" dirty="0"/>
           </a:p>
         </p:txBody>
       </p:sp>
+      <p:pic>
+        <p:nvPicPr>
+          <p:cNvPr id="2" name="Picture 1"/>
+          <p:cNvPicPr>
+            <a:picLocks noChangeAspect="1"/>
+          </p:cNvPicPr>
+          <p:nvPr/>
+        </p:nvPicPr>
+        <p:blipFill>
+          <a:blip r:embed="rId3">
+            <a:extLst>
+              <a:ext uri="{28A0092B-C50C-407E-A947-70E740481C1C}">
+                <a14:useLocalDpi xmlns:a14="http://schemas.microsoft.com/office/drawing/2010/main" val="0"/>
+              </a:ext>
+            </a:extLst>
+          </a:blip>
+          <a:stretch>
+            <a:fillRect/>
+          </a:stretch>
+        </p:blipFill>
+        <p:spPr>
+          <a:xfrm>
+            <a:off x="311700" y="1763395"/>
+            <a:ext cx="2680651" cy="2194560"/>
+          </a:xfrm>
+          <a:prstGeom prst="rect">
+            <a:avLst/>
+          </a:prstGeom>
+        </p:spPr>
+      </p:pic>
     </p:spTree>
   </p:cSld>
   <p:clrMapOvr>
     <a:masterClrMapping/>
   </p:clrMapOvr>
+  <p:timing>
+    <p:tnLst>
+      <p:par>
+        <p:cTn id="1" dur="indefinite" restart="never" nodeType="tmRoot"/>
+      </p:par>
+    </p:tnLst>
+  </p:timing>
 </p:sld>
 </file>
 
 <file path=ppt/slides/slide11.xml><?xml version="1.0" encoding="utf-8"?>
-<p:sld xmlns:a="http://schemas.openxmlformats.org/drawingml/2006/main" xmlns:r="http://schemas.openxmlformats.org/officeDocument/2006/relationships" xmlns:mc="http://schemas.openxmlformats.org/markup-compatibility/2006" xmlns:mv="urn:schemas-microsoft-com:mac:vml" xmlns:p="http://schemas.openxmlformats.org/presentationml/2006/main" xmlns:c="http://schemas.openxmlformats.org/drawingml/2006/chart" xmlns:dgm="http://schemas.openxmlformats.org/drawingml/2006/diagram" xmlns:o="urn:schemas-microsoft-com:office:office" xmlns:v="urn:schemas-microsoft-com:vml" xmlns:pvml="urn:schemas-microsoft-com:office:powerpoint" xmlns:com="http://schemas.openxmlformats.org/drawingml/2006/compatibility" xmlns:p14="http://schemas.microsoft.com/office/powerpoint/2010/main" xmlns:p15="http://schemas.microsoft.com/office/powerpoint/2012/main">
+<p:sld xmlns:a="http://schemas.openxmlformats.org/drawingml/2006/main" xmlns:r="http://schemas.openxmlformats.org/officeDocument/2006/relationships" xmlns:p="http://schemas.openxmlformats.org/presentationml/2006/main">
   <p:cSld>
     <p:spTree>
       <p:nvGrpSpPr>
-        <p:cNvPr id="122" name="Shape 122"/>
+        <p:cNvPr id="1" name="Shape 122"/>
         <p:cNvGrpSpPr/>
         <p:nvPr/>
       </p:nvGrpSpPr>
@@ -6909,7 +7123,9 @@
       <p:sp>
         <p:nvSpPr>
           <p:cNvPr id="123" name="Google Shape;123;p23"/>
-          <p:cNvSpPr txBox="1"/>
+          <p:cNvSpPr txBox="1">
+            <a:spLocks noGrp="1"/>
+          </p:cNvSpPr>
           <p:nvPr>
             <p:ph type="title"/>
           </p:nvPr>
@@ -6924,12 +7140,12 @@
           </a:prstGeom>
         </p:spPr>
         <p:txBody>
-          <a:bodyPr anchorCtr="0" anchor="t" bIns="91425" lIns="91425" spcFirstLastPara="1" rIns="91425" wrap="square" tIns="91425">
+          <a:bodyPr spcFirstLastPara="1" wrap="square" lIns="91425" tIns="91425" rIns="91425" bIns="91425" anchor="t" anchorCtr="0">
             <a:noAutofit/>
           </a:bodyPr>
           <a:lstStyle/>
           <a:p>
-            <a:pPr indent="0" lvl="0" marL="0" rtl="0" algn="l">
+            <a:pPr marL="0" lvl="0" indent="0" algn="l" rtl="0">
               <a:spcBef>
                 <a:spcPts val="0"/>
               </a:spcBef>
@@ -6946,60 +7162,56 @@
           </a:p>
         </p:txBody>
       </p:sp>
-      <p:sp>
-        <p:nvSpPr>
-          <p:cNvPr id="124" name="Google Shape;124;p23"/>
-          <p:cNvSpPr txBox="1"/>
-          <p:nvPr>
-            <p:ph idx="1" type="body"/>
-          </p:nvPr>
-        </p:nvSpPr>
-        <p:spPr>
-          <a:xfrm>
-            <a:off x="311700" y="1152475"/>
-            <a:ext cx="8520600" cy="3416400"/>
+      <p:pic>
+        <p:nvPicPr>
+          <p:cNvPr id="2" name="Picture 1"/>
+          <p:cNvPicPr>
+            <a:picLocks noChangeAspect="1"/>
+          </p:cNvPicPr>
+          <p:nvPr/>
+        </p:nvPicPr>
+        <p:blipFill rotWithShape="1">
+          <a:blip r:embed="rId3">
+            <a:extLst>
+              <a:ext uri="{28A0092B-C50C-407E-A947-70E740481C1C}">
+                <a14:useLocalDpi xmlns:a14="http://schemas.microsoft.com/office/drawing/2010/main" val="0"/>
+              </a:ext>
+            </a:extLst>
+          </a:blip>
+          <a:srcRect b="70196"/>
+          <a:stretch/>
+        </p:blipFill>
+        <p:spPr>
+          <a:xfrm>
+            <a:off x="84237" y="1017725"/>
+            <a:ext cx="8975526" cy="2501153"/>
           </a:xfrm>
           <a:prstGeom prst="rect">
             <a:avLst/>
           </a:prstGeom>
         </p:spPr>
-        <p:txBody>
-          <a:bodyPr anchorCtr="0" anchor="t" bIns="91425" lIns="91425" spcFirstLastPara="1" rIns="91425" wrap="square" tIns="91425">
-            <a:noAutofit/>
-          </a:bodyPr>
-          <a:lstStyle/>
-          <a:p>
-            <a:pPr indent="0" lvl="0" marL="0" rtl="0" algn="l">
-              <a:spcBef>
-                <a:spcPts val="0"/>
-              </a:spcBef>
-              <a:spcAft>
-                <a:spcPts val="1600"/>
-              </a:spcAft>
-              <a:buNone/>
-            </a:pPr>
-            <a:r>
-              <a:rPr lang="en"/>
-              <a:t>&lt;Provide a screenshot of the results when you run `pytest tests` on your final code implementation (note: we will re-run these tests).&gt;</a:t>
-            </a:r>
-            <a:endParaRPr/>
-          </a:p>
-        </p:txBody>
-      </p:sp>
+      </p:pic>
     </p:spTree>
   </p:cSld>
   <p:clrMapOvr>
     <a:masterClrMapping/>
   </p:clrMapOvr>
+  <p:timing>
+    <p:tnLst>
+      <p:par>
+        <p:cTn id="1" dur="indefinite" restart="never" nodeType="tmRoot"/>
+      </p:par>
+    </p:tnLst>
+  </p:timing>
 </p:sld>
 </file>
 
 <file path=ppt/slides/slide12.xml><?xml version="1.0" encoding="utf-8"?>
-<p:sld xmlns:a="http://schemas.openxmlformats.org/drawingml/2006/main" xmlns:r="http://schemas.openxmlformats.org/officeDocument/2006/relationships" xmlns:mc="http://schemas.openxmlformats.org/markup-compatibility/2006" xmlns:mv="urn:schemas-microsoft-com:mac:vml" xmlns:p="http://schemas.openxmlformats.org/presentationml/2006/main" xmlns:c="http://schemas.openxmlformats.org/drawingml/2006/chart" xmlns:dgm="http://schemas.openxmlformats.org/drawingml/2006/diagram" xmlns:o="urn:schemas-microsoft-com:office:office" xmlns:v="urn:schemas-microsoft-com:vml" xmlns:pvml="urn:schemas-microsoft-com:office:powerpoint" xmlns:com="http://schemas.openxmlformats.org/drawingml/2006/compatibility" xmlns:p14="http://schemas.microsoft.com/office/powerpoint/2010/main" xmlns:p15="http://schemas.microsoft.com/office/powerpoint/2012/main">
+<p:sld xmlns:a="http://schemas.openxmlformats.org/drawingml/2006/main" xmlns:r="http://schemas.openxmlformats.org/officeDocument/2006/relationships" xmlns:p="http://schemas.openxmlformats.org/presentationml/2006/main">
   <p:cSld>
     <p:spTree>
       <p:nvGrpSpPr>
-        <p:cNvPr id="128" name="Shape 128"/>
+        <p:cNvPr id="1" name="Shape 128"/>
         <p:cNvGrpSpPr/>
         <p:nvPr/>
       </p:nvGrpSpPr>
@@ -7014,7 +7226,9 @@
       <p:sp>
         <p:nvSpPr>
           <p:cNvPr id="129" name="Google Shape;129;p24"/>
-          <p:cNvSpPr txBox="1"/>
+          <p:cNvSpPr txBox="1">
+            <a:spLocks noGrp="1"/>
+          </p:cNvSpPr>
           <p:nvPr>
             <p:ph type="title"/>
           </p:nvPr>
@@ -7029,12 +7243,12 @@
           </a:prstGeom>
         </p:spPr>
         <p:txBody>
-          <a:bodyPr anchorCtr="0" anchor="t" bIns="91425" lIns="91425" spcFirstLastPara="1" rIns="91425" wrap="square" tIns="91425">
+          <a:bodyPr spcFirstLastPara="1" wrap="square" lIns="91425" tIns="91425" rIns="91425" bIns="91425" anchor="t" anchorCtr="0">
             <a:noAutofit/>
           </a:bodyPr>
           <a:lstStyle/>
           <a:p>
-            <a:pPr indent="0" lvl="0" marL="0" rtl="0" algn="l">
+            <a:pPr marL="0" lvl="0" indent="0" algn="l" rtl="0">
               <a:spcBef>
                 <a:spcPts val="0"/>
               </a:spcBef>
@@ -7054,9 +7268,11 @@
       <p:sp>
         <p:nvSpPr>
           <p:cNvPr id="130" name="Google Shape;130;p24"/>
-          <p:cNvSpPr txBox="1"/>
+          <p:cNvSpPr txBox="1">
+            <a:spLocks noGrp="1"/>
+          </p:cNvSpPr>
           <p:nvPr>
-            <p:ph idx="1" type="body"/>
+            <p:ph type="body" idx="1"/>
           </p:nvPr>
         </p:nvSpPr>
         <p:spPr>
@@ -7069,25 +7285,41 @@
           </a:prstGeom>
         </p:spPr>
         <p:txBody>
-          <a:bodyPr anchorCtr="0" anchor="t" bIns="91425" lIns="91425" spcFirstLastPara="1" rIns="91425" wrap="square" tIns="91425">
+          <a:bodyPr spcFirstLastPara="1" wrap="square" lIns="91425" tIns="91425" rIns="91425" bIns="91425" anchor="t" anchorCtr="0">
             <a:noAutofit/>
           </a:bodyPr>
           <a:lstStyle/>
           <a:p>
-            <a:pPr indent="0" lvl="0" marL="0" rtl="0" algn="l">
-              <a:spcBef>
-                <a:spcPts val="0"/>
-              </a:spcBef>
+            <a:pPr marL="0" lvl="0" indent="0">
               <a:spcAft>
                 <a:spcPts val="1600"/>
               </a:spcAft>
               <a:buNone/>
             </a:pPr>
             <a:r>
-              <a:rPr lang="en"/>
-              <a:t>&lt;Describe what you have learned in this project. Consider questions like how varying the cutoff frequency value or swapping images within a pair influences the resulting hybrid image. Feel free to include any challenges you ran into.&gt;</a:t>
+              <a:rPr lang="en-US" dirty="0" smtClean="0"/>
+              <a:t>With a default cutoff frequency at 7, some high frequency images shows too much edge (e.g. Einstein + Marilyn), thus dominating the hybrid images and making people hard to ignore it. Lowering the cutoff frequency in those cases will produce a better result.</a:t>
             </a:r>
-            <a:endParaRPr/>
+            <a:r>
+              <a:rPr lang="en-US" dirty="0"/>
+              <a:t> </a:t>
+            </a:r>
+            <a:r>
+              <a:rPr lang="en-US" dirty="0" smtClean="0"/>
+              <a:t>Also I found it better to set the frequency to 5 for the cat and dog case. Rods and cones works different for everybody, so for me this frequency works the best. The biggest challenge has been learning to work with numpy, but it is also rewarding since it is an awesome tool.</a:t>
+            </a:r>
+          </a:p>
+          <a:p>
+            <a:pPr marL="0" lvl="0" indent="0">
+              <a:spcAft>
+                <a:spcPts val="1600"/>
+              </a:spcAft>
+              <a:buNone/>
+            </a:pPr>
+            <a:r>
+              <a:rPr lang="en-US" dirty="0" smtClean="0"/>
+              <a:t>Thank you for reading!</a:t>
+            </a:r>
           </a:p>
         </p:txBody>
       </p:sp>
@@ -7096,15 +7328,22 @@
   <p:clrMapOvr>
     <a:masterClrMapping/>
   </p:clrMapOvr>
+  <p:timing>
+    <p:tnLst>
+      <p:par>
+        <p:cTn id="1" dur="indefinite" restart="never" nodeType="tmRoot"/>
+      </p:par>
+    </p:tnLst>
+  </p:timing>
 </p:sld>
 </file>
 
 <file path=ppt/slides/slide2.xml><?xml version="1.0" encoding="utf-8"?>
-<p:sld xmlns:a="http://schemas.openxmlformats.org/drawingml/2006/main" xmlns:r="http://schemas.openxmlformats.org/officeDocument/2006/relationships" xmlns:mc="http://schemas.openxmlformats.org/markup-compatibility/2006" xmlns:mv="urn:schemas-microsoft-com:mac:vml" xmlns:p="http://schemas.openxmlformats.org/presentationml/2006/main" xmlns:c="http://schemas.openxmlformats.org/drawingml/2006/chart" xmlns:dgm="http://schemas.openxmlformats.org/drawingml/2006/diagram" xmlns:o="urn:schemas-microsoft-com:office:office" xmlns:v="urn:schemas-microsoft-com:vml" xmlns:pvml="urn:schemas-microsoft-com:office:powerpoint" xmlns:com="http://schemas.openxmlformats.org/drawingml/2006/compatibility" xmlns:p14="http://schemas.microsoft.com/office/powerpoint/2010/main" xmlns:p15="http://schemas.microsoft.com/office/powerpoint/2012/main">
+<p:sld xmlns:a="http://schemas.openxmlformats.org/drawingml/2006/main" xmlns:r="http://schemas.openxmlformats.org/officeDocument/2006/relationships" xmlns:p="http://schemas.openxmlformats.org/presentationml/2006/main">
   <p:cSld>
     <p:spTree>
       <p:nvGrpSpPr>
-        <p:cNvPr id="59" name="Shape 59"/>
+        <p:cNvPr id="1" name="Shape 59"/>
         <p:cNvGrpSpPr/>
         <p:nvPr/>
       </p:nvGrpSpPr>
@@ -7119,7 +7358,9 @@
       <p:sp>
         <p:nvSpPr>
           <p:cNvPr id="60" name="Google Shape;60;p14"/>
-          <p:cNvSpPr txBox="1"/>
+          <p:cNvSpPr txBox="1">
+            <a:spLocks noGrp="1"/>
+          </p:cNvSpPr>
           <p:nvPr>
             <p:ph type="title"/>
           </p:nvPr>
@@ -7134,12 +7375,12 @@
           </a:prstGeom>
         </p:spPr>
         <p:txBody>
-          <a:bodyPr anchorCtr="0" anchor="t" bIns="91425" lIns="91425" spcFirstLastPara="1" rIns="91425" wrap="square" tIns="91425">
+          <a:bodyPr spcFirstLastPara="1" wrap="square" lIns="91425" tIns="91425" rIns="91425" bIns="91425" anchor="t" anchorCtr="0">
             <a:noAutofit/>
           </a:bodyPr>
           <a:lstStyle/>
           <a:p>
-            <a:pPr indent="0" lvl="0" marL="0" rtl="0" algn="l">
+            <a:pPr marL="0" lvl="0" indent="0" algn="l" rtl="0">
               <a:spcBef>
                 <a:spcPts val="0"/>
               </a:spcBef>
@@ -7149,59 +7390,21 @@
               <a:buNone/>
             </a:pPr>
             <a:r>
-              <a:rPr lang="en"/>
+              <a:rPr lang="en" dirty="0"/>
               <a:t>Part 1: Image filtering</a:t>
             </a:r>
-            <a:endParaRPr/>
-          </a:p>
-        </p:txBody>
-      </p:sp>
-      <p:sp>
-        <p:nvSpPr>
-          <p:cNvPr id="61" name="Google Shape;61;p14"/>
-          <p:cNvSpPr txBox="1"/>
-          <p:nvPr>
-            <p:ph idx="1" type="body"/>
-          </p:nvPr>
-        </p:nvSpPr>
-        <p:spPr>
-          <a:xfrm>
-            <a:off x="311700" y="1152475"/>
-            <a:ext cx="3999900" cy="3416400"/>
-          </a:xfrm>
-          <a:prstGeom prst="rect">
-            <a:avLst/>
-          </a:prstGeom>
-        </p:spPr>
-        <p:txBody>
-          <a:bodyPr anchorCtr="0" anchor="t" bIns="91425" lIns="91425" spcFirstLastPara="1" rIns="91425" wrap="square" tIns="91425">
-            <a:noAutofit/>
-          </a:bodyPr>
-          <a:lstStyle/>
-          <a:p>
-            <a:pPr indent="0" lvl="0" marL="0" rtl="0" algn="l">
-              <a:spcBef>
-                <a:spcPts val="0"/>
-              </a:spcBef>
-              <a:spcAft>
-                <a:spcPts val="1600"/>
-              </a:spcAft>
-              <a:buNone/>
-            </a:pPr>
-            <a:r>
-              <a:rPr lang="en"/>
-              <a:t>&lt;insert visualization of Gaussian kernel from proj1.ipynb here&gt;</a:t>
-            </a:r>
-            <a:endParaRPr/>
+            <a:endParaRPr dirty="0"/>
           </a:p>
         </p:txBody>
       </p:sp>
       <p:sp>
         <p:nvSpPr>
           <p:cNvPr id="62" name="Google Shape;62;p14"/>
-          <p:cNvSpPr txBox="1"/>
+          <p:cNvSpPr txBox="1">
+            <a:spLocks noGrp="1"/>
+          </p:cNvSpPr>
           <p:nvPr>
-            <p:ph idx="2" type="body"/>
+            <p:ph type="body" idx="2"/>
           </p:nvPr>
         </p:nvSpPr>
         <p:spPr>
@@ -7214,25 +7417,129 @@
           </a:prstGeom>
         </p:spPr>
         <p:txBody>
-          <a:bodyPr anchorCtr="0" anchor="t" bIns="91425" lIns="91425" spcFirstLastPara="1" rIns="91425" wrap="square" tIns="91425">
+          <a:bodyPr spcFirstLastPara="1" wrap="square" lIns="91425" tIns="91425" rIns="91425" bIns="91425" anchor="t" anchorCtr="0">
             <a:noAutofit/>
           </a:bodyPr>
           <a:lstStyle/>
           <a:p>
-            <a:pPr indent="0" lvl="0" marL="0" rtl="0" algn="l">
-              <a:spcBef>
-                <a:spcPts val="0"/>
-              </a:spcBef>
+            <a:pPr marL="0" lvl="0" indent="0">
               <a:spcAft>
                 <a:spcPts val="1600"/>
               </a:spcAft>
               <a:buNone/>
             </a:pPr>
             <a:r>
-              <a:rPr lang="en"/>
-              <a:t>&lt;Describe your implementation of my_imfilter() in words.&gt;</a:t>
+              <a:rPr lang="en-US" dirty="0" smtClean="0"/>
+              <a:t>I first generate a 1d </a:t>
             </a:r>
-            <a:endParaRPr/>
+            <a:r>
+              <a:rPr lang="en-US" dirty="0"/>
+              <a:t>G</a:t>
+            </a:r>
+            <a:r>
+              <a:rPr lang="en-US" dirty="0" smtClean="0"/>
+              <a:t>aussian array using numpy.fromfunction() and a helper method I wrote that does the </a:t>
+            </a:r>
+            <a:r>
+              <a:rPr lang="en-US" dirty="0"/>
+              <a:t>G</a:t>
+            </a:r>
+            <a:r>
+              <a:rPr lang="en-US" dirty="0" smtClean="0"/>
+              <a:t>aussian calculation</a:t>
+            </a:r>
+            <a:r>
+              <a:rPr lang="en-US" dirty="0"/>
+              <a:t> </a:t>
+            </a:r>
+            <a:r>
+              <a:rPr lang="en-US" dirty="0" smtClean="0"/>
+              <a:t>using the standard </a:t>
+            </a:r>
+            <a:r>
+              <a:rPr lang="en-US" dirty="0" smtClean="0"/>
+              <a:t>1D </a:t>
+            </a:r>
+            <a:r>
+              <a:rPr lang="en-US" dirty="0"/>
+              <a:t>Gaussian</a:t>
+            </a:r>
+            <a:r>
+              <a:rPr lang="en-US" dirty="0" smtClean="0"/>
+              <a:t> formula. Then I used numpy.outer to find the outer product of the 1D array with itself, which is a 2d Gaussian array</a:t>
+            </a:r>
+            <a:r>
+              <a:rPr lang="mr-IN" dirty="0"/>
+              <a:t/>
+            </a:r>
+            <a:br>
+              <a:rPr lang="mr-IN" dirty="0"/>
+            </a:br>
+            <a:endParaRPr dirty="0"/>
+          </a:p>
+        </p:txBody>
+      </p:sp>
+      <p:pic>
+        <p:nvPicPr>
+          <p:cNvPr id="2" name="Picture 1"/>
+          <p:cNvPicPr>
+            <a:picLocks noChangeAspect="1"/>
+          </p:cNvPicPr>
+          <p:nvPr/>
+        </p:nvPicPr>
+        <p:blipFill>
+          <a:blip r:embed="rId3">
+            <a:extLst>
+              <a:ext uri="{28A0092B-C50C-407E-A947-70E740481C1C}">
+                <a14:useLocalDpi xmlns:a14="http://schemas.microsoft.com/office/drawing/2010/main" val="0"/>
+              </a:ext>
+            </a:extLst>
+          </a:blip>
+          <a:stretch>
+            <a:fillRect/>
+          </a:stretch>
+        </p:blipFill>
+        <p:spPr>
+          <a:xfrm>
+            <a:off x="717800" y="1279525"/>
+            <a:ext cx="3187700" cy="3162300"/>
+          </a:xfrm>
+          <a:prstGeom prst="rect">
+            <a:avLst/>
+          </a:prstGeom>
+        </p:spPr>
+      </p:pic>
+      <p:sp>
+        <p:nvSpPr>
+          <p:cNvPr id="6" name="TextBox 5"/>
+          <p:cNvSpPr txBox="1"/>
+          <p:nvPr/>
+        </p:nvSpPr>
+        <p:spPr>
+          <a:xfrm>
+            <a:off x="717800" y="4568875"/>
+            <a:ext cx="3187700" cy="523220"/>
+          </a:xfrm>
+          <a:prstGeom prst="rect">
+            <a:avLst/>
+          </a:prstGeom>
+          <a:noFill/>
+        </p:spPr>
+        <p:txBody>
+          <a:bodyPr wrap="square" rtlCol="0">
+            <a:spAutoFit/>
+          </a:bodyPr>
+          <a:lstStyle/>
+          <a:p>
+            <a:pPr lvl="2"/>
+            <a:r>
+              <a:rPr lang="en-US" b="1" dirty="0" smtClean="0"/>
+              <a:t>2d Gaussian kernel</a:t>
+            </a:r>
+            <a:endParaRPr lang="en" dirty="0"/>
+          </a:p>
+          <a:p>
+            <a:endParaRPr lang="en-US" dirty="0"/>
           </a:p>
         </p:txBody>
       </p:sp>
@@ -7241,15 +7548,22 @@
   <p:clrMapOvr>
     <a:masterClrMapping/>
   </p:clrMapOvr>
+  <p:timing>
+    <p:tnLst>
+      <p:par>
+        <p:cTn id="1" dur="indefinite" restart="never" nodeType="tmRoot"/>
+      </p:par>
+    </p:tnLst>
+  </p:timing>
 </p:sld>
 </file>
 
 <file path=ppt/slides/slide3.xml><?xml version="1.0" encoding="utf-8"?>
-<p:sld xmlns:a="http://schemas.openxmlformats.org/drawingml/2006/main" xmlns:r="http://schemas.openxmlformats.org/officeDocument/2006/relationships" xmlns:mc="http://schemas.openxmlformats.org/markup-compatibility/2006" xmlns:mv="urn:schemas-microsoft-com:mac:vml" xmlns:p="http://schemas.openxmlformats.org/presentationml/2006/main" xmlns:c="http://schemas.openxmlformats.org/drawingml/2006/chart" xmlns:dgm="http://schemas.openxmlformats.org/drawingml/2006/diagram" xmlns:o="urn:schemas-microsoft-com:office:office" xmlns:v="urn:schemas-microsoft-com:vml" xmlns:pvml="urn:schemas-microsoft-com:office:powerpoint" xmlns:com="http://schemas.openxmlformats.org/drawingml/2006/compatibility" xmlns:p14="http://schemas.microsoft.com/office/powerpoint/2010/main" xmlns:p15="http://schemas.microsoft.com/office/powerpoint/2012/main">
+<p:sld xmlns:a="http://schemas.openxmlformats.org/drawingml/2006/main" xmlns:r="http://schemas.openxmlformats.org/officeDocument/2006/relationships" xmlns:p="http://schemas.openxmlformats.org/presentationml/2006/main">
   <p:cSld>
     <p:spTree>
       <p:nvGrpSpPr>
-        <p:cNvPr id="66" name="Shape 66"/>
+        <p:cNvPr id="1" name="Shape 66"/>
         <p:cNvGrpSpPr/>
         <p:nvPr/>
       </p:nvGrpSpPr>
@@ -7264,7 +7578,9 @@
       <p:sp>
         <p:nvSpPr>
           <p:cNvPr id="67" name="Google Shape;67;p15"/>
-          <p:cNvSpPr txBox="1"/>
+          <p:cNvSpPr txBox="1">
+            <a:spLocks noGrp="1"/>
+          </p:cNvSpPr>
           <p:nvPr>
             <p:ph type="title"/>
           </p:nvPr>
@@ -7279,12 +7595,12 @@
           </a:prstGeom>
         </p:spPr>
         <p:txBody>
-          <a:bodyPr anchorCtr="0" anchor="t" bIns="91425" lIns="91425" spcFirstLastPara="1" rIns="91425" wrap="square" tIns="91425">
+          <a:bodyPr spcFirstLastPara="1" wrap="square" lIns="91425" tIns="91425" rIns="91425" bIns="91425" anchor="t" anchorCtr="0">
             <a:noAutofit/>
           </a:bodyPr>
           <a:lstStyle/>
           <a:p>
-            <a:pPr indent="0" lvl="0" marL="0" rtl="0" algn="l">
+            <a:pPr marL="0" lvl="0" indent="0" algn="l" rtl="0">
               <a:spcBef>
                 <a:spcPts val="0"/>
               </a:spcBef>
@@ -7294,162 +7610,142 @@
               <a:buNone/>
             </a:pPr>
             <a:r>
-              <a:rPr lang="en"/>
+              <a:rPr lang="en" dirty="0"/>
               <a:t>Part 1: Image filtering</a:t>
             </a:r>
-            <a:endParaRPr/>
+            <a:endParaRPr dirty="0"/>
+          </a:p>
+        </p:txBody>
+      </p:sp>
+      <p:pic>
+        <p:nvPicPr>
+          <p:cNvPr id="2" name="Picture 1"/>
+          <p:cNvPicPr>
+            <a:picLocks noChangeAspect="1"/>
+          </p:cNvPicPr>
+          <p:nvPr/>
+        </p:nvPicPr>
+        <p:blipFill>
+          <a:blip r:embed="rId3">
+            <a:extLst>
+              <a:ext uri="{28A0092B-C50C-407E-A947-70E740481C1C}">
+                <a14:useLocalDpi xmlns:a14="http://schemas.microsoft.com/office/drawing/2010/main" val="0"/>
+              </a:ext>
+            </a:extLst>
+          </a:blip>
+          <a:stretch>
+            <a:fillRect/>
+          </a:stretch>
+        </p:blipFill>
+        <p:spPr>
+          <a:xfrm>
+            <a:off x="489200" y="1260475"/>
+            <a:ext cx="3644900" cy="3200400"/>
+          </a:xfrm>
+          <a:prstGeom prst="rect">
+            <a:avLst/>
+          </a:prstGeom>
+        </p:spPr>
+      </p:pic>
+      <p:pic>
+        <p:nvPicPr>
+          <p:cNvPr id="3" name="Picture 2"/>
+          <p:cNvPicPr>
+            <a:picLocks noChangeAspect="1"/>
+          </p:cNvPicPr>
+          <p:nvPr/>
+        </p:nvPicPr>
+        <p:blipFill>
+          <a:blip r:embed="rId4">
+            <a:extLst>
+              <a:ext uri="{28A0092B-C50C-407E-A947-70E740481C1C}">
+                <a14:useLocalDpi xmlns:a14="http://schemas.microsoft.com/office/drawing/2010/main" val="0"/>
+              </a:ext>
+            </a:extLst>
+          </a:blip>
+          <a:stretch>
+            <a:fillRect/>
+          </a:stretch>
+        </p:blipFill>
+        <p:spPr>
+          <a:xfrm>
+            <a:off x="5009900" y="1260475"/>
+            <a:ext cx="3644900" cy="3200400"/>
+          </a:xfrm>
+          <a:prstGeom prst="rect">
+            <a:avLst/>
+          </a:prstGeom>
+        </p:spPr>
+      </p:pic>
+      <p:sp>
+        <p:nvSpPr>
+          <p:cNvPr id="5" name="TextBox 4"/>
+          <p:cNvSpPr txBox="1"/>
+          <p:nvPr/>
+        </p:nvSpPr>
+        <p:spPr>
+          <a:xfrm>
+            <a:off x="5009900" y="4568875"/>
+            <a:ext cx="3644900" cy="523220"/>
+          </a:xfrm>
+          <a:prstGeom prst="rect">
+            <a:avLst/>
+          </a:prstGeom>
+          <a:noFill/>
+        </p:spPr>
+        <p:txBody>
+          <a:bodyPr wrap="square" rtlCol="0">
+            <a:spAutoFit/>
+          </a:bodyPr>
+          <a:lstStyle/>
+          <a:p>
+            <a:pPr lvl="0"/>
+            <a:r>
+              <a:rPr lang="en" b="1" dirty="0"/>
+              <a:t>Small blur with a box filter</a:t>
+            </a:r>
+            <a:endParaRPr lang="en" dirty="0"/>
+          </a:p>
+          <a:p>
+            <a:endParaRPr lang="en-US" dirty="0"/>
           </a:p>
         </p:txBody>
       </p:sp>
       <p:sp>
         <p:nvSpPr>
-          <p:cNvPr id="68" name="Google Shape;68;p15"/>
+          <p:cNvPr id="9" name="TextBox 8"/>
           <p:cNvSpPr txBox="1"/>
-          <p:nvPr>
-            <p:ph idx="1" type="body"/>
-          </p:nvPr>
+          <p:nvPr/>
         </p:nvSpPr>
         <p:spPr>
           <a:xfrm>
-            <a:off x="311700" y="1152475"/>
-            <a:ext cx="3999900" cy="3416400"/>
+            <a:off x="489200" y="4568875"/>
+            <a:ext cx="3644900" cy="523220"/>
           </a:xfrm>
           <a:prstGeom prst="rect">
             <a:avLst/>
           </a:prstGeom>
+          <a:noFill/>
         </p:spPr>
         <p:txBody>
-          <a:bodyPr anchorCtr="0" anchor="t" bIns="91425" lIns="91425" spcFirstLastPara="1" rIns="91425" wrap="square" tIns="91425">
-            <a:noAutofit/>
+          <a:bodyPr wrap="square" rtlCol="0">
+            <a:spAutoFit/>
           </a:bodyPr>
           <a:lstStyle/>
           <a:p>
-            <a:pPr indent="0" lvl="0" marL="0" rtl="0" algn="l">
-              <a:spcBef>
-                <a:spcPts val="0"/>
-              </a:spcBef>
-              <a:spcAft>
-                <a:spcPts val="0"/>
-              </a:spcAft>
+            <a:pPr lvl="0">
               <a:buClr>
                 <a:schemeClr val="dk1"/>
               </a:buClr>
               <a:buSzPts val="1100"/>
-              <a:buFont typeface="Arial"/>
-              <a:buNone/>
             </a:pPr>
             <a:r>
-              <a:rPr b="1" lang="en"/>
+              <a:rPr lang="en" b="1" dirty="0"/>
               <a:t>Identity filter</a:t>
             </a:r>
-            <a:endParaRPr b="1"/>
-          </a:p>
-          <a:p>
-            <a:pPr indent="0" lvl="0" marL="0" rtl="0" algn="l">
-              <a:spcBef>
-                <a:spcPts val="1600"/>
-              </a:spcBef>
-              <a:spcAft>
-                <a:spcPts val="0"/>
-              </a:spcAft>
-              <a:buClr>
-                <a:schemeClr val="dk1"/>
-              </a:buClr>
-              <a:buSzPts val="1100"/>
-              <a:buFont typeface="Arial"/>
-              <a:buNone/>
-            </a:pPr>
-            <a:r>
-              <a:rPr lang="en"/>
-              <a:t>&lt;insert the results from proj1_test_filtering.ipynb using 1b_cat.bmp with the identity filter here&gt;</a:t>
-            </a:r>
-            <a:endParaRPr b="1"/>
-          </a:p>
-          <a:p>
-            <a:pPr indent="0" lvl="0" marL="0" rtl="0" algn="l">
-              <a:spcBef>
-                <a:spcPts val="1600"/>
-              </a:spcBef>
-              <a:spcAft>
-                <a:spcPts val="1600"/>
-              </a:spcAft>
-              <a:buClr>
-                <a:schemeClr val="dk1"/>
-              </a:buClr>
-              <a:buSzPts val="1100"/>
-              <a:buFont typeface="Arial"/>
-              <a:buNone/>
-            </a:pPr>
-            <a:r>
-              <a:t/>
-            </a:r>
-            <a:endParaRPr/>
-          </a:p>
-        </p:txBody>
-      </p:sp>
-      <p:sp>
-        <p:nvSpPr>
-          <p:cNvPr id="69" name="Google Shape;69;p15"/>
-          <p:cNvSpPr txBox="1"/>
-          <p:nvPr>
-            <p:ph idx="2" type="body"/>
-          </p:nvPr>
-        </p:nvSpPr>
-        <p:spPr>
-          <a:xfrm>
-            <a:off x="4832400" y="1152475"/>
-            <a:ext cx="3999900" cy="3416400"/>
-          </a:xfrm>
-          <a:prstGeom prst="rect">
-            <a:avLst/>
-          </a:prstGeom>
-        </p:spPr>
-        <p:txBody>
-          <a:bodyPr anchorCtr="0" anchor="t" bIns="91425" lIns="91425" spcFirstLastPara="1" rIns="91425" wrap="square" tIns="91425">
-            <a:noAutofit/>
-          </a:bodyPr>
-          <a:lstStyle/>
-          <a:p>
-            <a:pPr indent="0" lvl="0" marL="0" rtl="0" algn="l">
-              <a:spcBef>
-                <a:spcPts val="0"/>
-              </a:spcBef>
-              <a:spcAft>
-                <a:spcPts val="0"/>
-              </a:spcAft>
-              <a:buClr>
-                <a:schemeClr val="dk1"/>
-              </a:buClr>
-              <a:buSzPts val="1100"/>
-              <a:buFont typeface="Arial"/>
-              <a:buNone/>
-            </a:pPr>
-            <a:r>
-              <a:rPr b="1" lang="en"/>
-              <a:t>Small blur with a box filter</a:t>
-            </a:r>
-            <a:endParaRPr/>
-          </a:p>
-          <a:p>
-            <a:pPr indent="0" lvl="0" marL="0" rtl="0" algn="l">
-              <a:spcBef>
-                <a:spcPts val="1600"/>
-              </a:spcBef>
-              <a:spcAft>
-                <a:spcPts val="1600"/>
-              </a:spcAft>
-              <a:buClr>
-                <a:schemeClr val="dk1"/>
-              </a:buClr>
-              <a:buSzPts val="1100"/>
-              <a:buFont typeface="Arial"/>
-              <a:buNone/>
-            </a:pPr>
-            <a:r>
-              <a:rPr lang="en"/>
-              <a:t>&lt;insert the results from proj1_test_filtering.ipynb using 1b_cat.bmp with the box filter here&gt;</a:t>
-            </a:r>
-            <a:endParaRPr b="1"/>
+          </a:p>
+          <a:p>
+            <a:endParaRPr lang="en-US" dirty="0"/>
           </a:p>
         </p:txBody>
       </p:sp>
@@ -7458,15 +7754,22 @@
   <p:clrMapOvr>
     <a:masterClrMapping/>
   </p:clrMapOvr>
+  <p:timing>
+    <p:tnLst>
+      <p:par>
+        <p:cTn id="1" dur="indefinite" restart="never" nodeType="tmRoot"/>
+      </p:par>
+    </p:tnLst>
+  </p:timing>
 </p:sld>
 </file>
 
 <file path=ppt/slides/slide4.xml><?xml version="1.0" encoding="utf-8"?>
-<p:sld xmlns:a="http://schemas.openxmlformats.org/drawingml/2006/main" xmlns:r="http://schemas.openxmlformats.org/officeDocument/2006/relationships" xmlns:mc="http://schemas.openxmlformats.org/markup-compatibility/2006" xmlns:mv="urn:schemas-microsoft-com:mac:vml" xmlns:p="http://schemas.openxmlformats.org/presentationml/2006/main" xmlns:c="http://schemas.openxmlformats.org/drawingml/2006/chart" xmlns:dgm="http://schemas.openxmlformats.org/drawingml/2006/diagram" xmlns:o="urn:schemas-microsoft-com:office:office" xmlns:v="urn:schemas-microsoft-com:vml" xmlns:pvml="urn:schemas-microsoft-com:office:powerpoint" xmlns:com="http://schemas.openxmlformats.org/drawingml/2006/compatibility" xmlns:p14="http://schemas.microsoft.com/office/powerpoint/2010/main" xmlns:p15="http://schemas.microsoft.com/office/powerpoint/2012/main">
+<p:sld xmlns:a="http://schemas.openxmlformats.org/drawingml/2006/main" xmlns:r="http://schemas.openxmlformats.org/officeDocument/2006/relationships" xmlns:p="http://schemas.openxmlformats.org/presentationml/2006/main">
   <p:cSld>
     <p:spTree>
       <p:nvGrpSpPr>
-        <p:cNvPr id="73" name="Shape 73"/>
+        <p:cNvPr id="1" name="Shape 73"/>
         <p:cNvGrpSpPr/>
         <p:nvPr/>
       </p:nvGrpSpPr>
@@ -7481,7 +7784,9 @@
       <p:sp>
         <p:nvSpPr>
           <p:cNvPr id="74" name="Google Shape;74;p16"/>
-          <p:cNvSpPr txBox="1"/>
+          <p:cNvSpPr txBox="1">
+            <a:spLocks noGrp="1"/>
+          </p:cNvSpPr>
           <p:nvPr>
             <p:ph type="title"/>
           </p:nvPr>
@@ -7496,12 +7801,12 @@
           </a:prstGeom>
         </p:spPr>
         <p:txBody>
-          <a:bodyPr anchorCtr="0" anchor="t" bIns="91425" lIns="91425" spcFirstLastPara="1" rIns="91425" wrap="square" tIns="91425">
+          <a:bodyPr spcFirstLastPara="1" wrap="square" lIns="91425" tIns="91425" rIns="91425" bIns="91425" anchor="t" anchorCtr="0">
             <a:noAutofit/>
           </a:bodyPr>
           <a:lstStyle/>
           <a:p>
-            <a:pPr indent="0" lvl="0" marL="0" rtl="0" algn="l">
+            <a:pPr marL="0" lvl="0" indent="0" algn="l" rtl="0">
               <a:spcBef>
                 <a:spcPts val="0"/>
               </a:spcBef>
@@ -7511,132 +7816,140 @@
               <a:buNone/>
             </a:pPr>
             <a:r>
-              <a:rPr lang="en"/>
+              <a:rPr lang="en" dirty="0"/>
               <a:t>Part 1: Image filtering</a:t>
             </a:r>
-            <a:endParaRPr/>
+            <a:endParaRPr dirty="0"/>
+          </a:p>
+        </p:txBody>
+      </p:sp>
+      <p:pic>
+        <p:nvPicPr>
+          <p:cNvPr id="2" name="Picture 1"/>
+          <p:cNvPicPr>
+            <a:picLocks noChangeAspect="1"/>
+          </p:cNvPicPr>
+          <p:nvPr/>
+        </p:nvPicPr>
+        <p:blipFill>
+          <a:blip r:embed="rId3">
+            <a:extLst>
+              <a:ext uri="{28A0092B-C50C-407E-A947-70E740481C1C}">
+                <a14:useLocalDpi xmlns:a14="http://schemas.microsoft.com/office/drawing/2010/main" val="0"/>
+              </a:ext>
+            </a:extLst>
+          </a:blip>
+          <a:stretch>
+            <a:fillRect/>
+          </a:stretch>
+        </p:blipFill>
+        <p:spPr>
+          <a:xfrm>
+            <a:off x="489200" y="1260475"/>
+            <a:ext cx="3644900" cy="3200400"/>
+          </a:xfrm>
+          <a:prstGeom prst="rect">
+            <a:avLst/>
+          </a:prstGeom>
+        </p:spPr>
+      </p:pic>
+      <p:pic>
+        <p:nvPicPr>
+          <p:cNvPr id="3" name="Picture 2"/>
+          <p:cNvPicPr>
+            <a:picLocks noChangeAspect="1"/>
+          </p:cNvPicPr>
+          <p:nvPr/>
+        </p:nvPicPr>
+        <p:blipFill>
+          <a:blip r:embed="rId4">
+            <a:extLst>
+              <a:ext uri="{28A0092B-C50C-407E-A947-70E740481C1C}">
+                <a14:useLocalDpi xmlns:a14="http://schemas.microsoft.com/office/drawing/2010/main" val="0"/>
+              </a:ext>
+            </a:extLst>
+          </a:blip>
+          <a:stretch>
+            <a:fillRect/>
+          </a:stretch>
+        </p:blipFill>
+        <p:spPr>
+          <a:xfrm>
+            <a:off x="5009900" y="1260475"/>
+            <a:ext cx="3644900" cy="3200400"/>
+          </a:xfrm>
+          <a:prstGeom prst="rect">
+            <a:avLst/>
+          </a:prstGeom>
+        </p:spPr>
+      </p:pic>
+      <p:sp>
+        <p:nvSpPr>
+          <p:cNvPr id="8" name="TextBox 7"/>
+          <p:cNvSpPr txBox="1"/>
+          <p:nvPr/>
+        </p:nvSpPr>
+        <p:spPr>
+          <a:xfrm>
+            <a:off x="489200" y="4568875"/>
+            <a:ext cx="3644900" cy="307777"/>
+          </a:xfrm>
+          <a:prstGeom prst="rect">
+            <a:avLst/>
+          </a:prstGeom>
+          <a:noFill/>
+        </p:spPr>
+        <p:txBody>
+          <a:bodyPr wrap="square" rtlCol="0">
+            <a:spAutoFit/>
+          </a:bodyPr>
+          <a:lstStyle/>
+          <a:p>
+            <a:pPr lvl="0"/>
+            <a:r>
+              <a:rPr lang="en" b="1" dirty="0"/>
+              <a:t>Sobel </a:t>
+            </a:r>
+            <a:r>
+              <a:rPr lang="en" b="1" dirty="0" smtClean="0"/>
+              <a:t>filter</a:t>
+            </a:r>
+            <a:endParaRPr lang="en" b="1" dirty="0"/>
           </a:p>
         </p:txBody>
       </p:sp>
       <p:sp>
         <p:nvSpPr>
-          <p:cNvPr id="75" name="Google Shape;75;p16"/>
+          <p:cNvPr id="9" name="TextBox 8"/>
           <p:cNvSpPr txBox="1"/>
-          <p:nvPr>
-            <p:ph idx="1" type="body"/>
-          </p:nvPr>
+          <p:nvPr/>
         </p:nvSpPr>
         <p:spPr>
           <a:xfrm>
-            <a:off x="311700" y="1152475"/>
-            <a:ext cx="3999900" cy="3416400"/>
+            <a:off x="5009900" y="4568875"/>
+            <a:ext cx="3644900" cy="307777"/>
           </a:xfrm>
           <a:prstGeom prst="rect">
             <a:avLst/>
           </a:prstGeom>
+          <a:noFill/>
         </p:spPr>
         <p:txBody>
-          <a:bodyPr anchorCtr="0" anchor="t" bIns="91425" lIns="91425" spcFirstLastPara="1" rIns="91425" wrap="square" tIns="91425">
-            <a:noAutofit/>
+          <a:bodyPr wrap="square" rtlCol="0">
+            <a:spAutoFit/>
           </a:bodyPr>
           <a:lstStyle/>
           <a:p>
-            <a:pPr indent="0" lvl="0" marL="0" rtl="0" algn="l">
-              <a:spcBef>
-                <a:spcPts val="0"/>
-              </a:spcBef>
-              <a:spcAft>
-                <a:spcPts val="0"/>
-              </a:spcAft>
-              <a:buNone/>
-            </a:pPr>
+            <a:pPr lvl="0"/>
             <a:r>
-              <a:rPr b="1" lang="en"/>
-              <a:t>Sobel filter</a:t>
+              <a:rPr lang="en" b="1" dirty="0"/>
+              <a:t>Discrete Laplacian </a:t>
             </a:r>
-            <a:endParaRPr b="1"/>
-          </a:p>
-          <a:p>
-            <a:pPr indent="0" lvl="0" marL="0" rtl="0" algn="l">
-              <a:spcBef>
-                <a:spcPts val="1600"/>
-              </a:spcBef>
-              <a:spcAft>
-                <a:spcPts val="1600"/>
-              </a:spcAft>
-              <a:buClr>
-                <a:schemeClr val="dk1"/>
-              </a:buClr>
-              <a:buSzPts val="1100"/>
-              <a:buFont typeface="Arial"/>
-              <a:buNone/>
-            </a:pPr>
             <a:r>
-              <a:rPr lang="en"/>
-              <a:t>&lt;insert the results from proj1_test_filtering.ipynb using 1b_cat.bmp with the Sobel filter here&gt;</a:t>
+              <a:rPr lang="en" b="1" dirty="0" smtClean="0"/>
+              <a:t>filter</a:t>
             </a:r>
-            <a:endParaRPr b="1"/>
-          </a:p>
-        </p:txBody>
-      </p:sp>
-      <p:sp>
-        <p:nvSpPr>
-          <p:cNvPr id="76" name="Google Shape;76;p16"/>
-          <p:cNvSpPr txBox="1"/>
-          <p:nvPr>
-            <p:ph idx="2" type="body"/>
-          </p:nvPr>
-        </p:nvSpPr>
-        <p:spPr>
-          <a:xfrm>
-            <a:off x="4832400" y="1152475"/>
-            <a:ext cx="3999900" cy="3416400"/>
-          </a:xfrm>
-          <a:prstGeom prst="rect">
-            <a:avLst/>
-          </a:prstGeom>
-        </p:spPr>
-        <p:txBody>
-          <a:bodyPr anchorCtr="0" anchor="t" bIns="91425" lIns="91425" spcFirstLastPara="1" rIns="91425" wrap="square" tIns="91425">
-            <a:noAutofit/>
-          </a:bodyPr>
-          <a:lstStyle/>
-          <a:p>
-            <a:pPr indent="0" lvl="0" marL="0" rtl="0" algn="l">
-              <a:spcBef>
-                <a:spcPts val="0"/>
-              </a:spcBef>
-              <a:spcAft>
-                <a:spcPts val="0"/>
-              </a:spcAft>
-              <a:buNone/>
-            </a:pPr>
-            <a:r>
-              <a:rPr b="1" lang="en"/>
-              <a:t>Discrete Laplacian filter</a:t>
-            </a:r>
-            <a:endParaRPr b="1"/>
-          </a:p>
-          <a:p>
-            <a:pPr indent="0" lvl="0" marL="0" rtl="0" algn="l">
-              <a:spcBef>
-                <a:spcPts val="1600"/>
-              </a:spcBef>
-              <a:spcAft>
-                <a:spcPts val="1600"/>
-              </a:spcAft>
-              <a:buClr>
-                <a:schemeClr val="dk1"/>
-              </a:buClr>
-              <a:buSzPts val="1100"/>
-              <a:buFont typeface="Arial"/>
-              <a:buNone/>
-            </a:pPr>
-            <a:r>
-              <a:rPr lang="en"/>
-              <a:t>&lt;insert the results from proj1_test_filtering.ipynb using 1b_cat.bmp with the discrete Laplacian filter here&gt;</a:t>
-            </a:r>
-            <a:endParaRPr b="1"/>
+            <a:endParaRPr lang="en" b="1" dirty="0"/>
           </a:p>
         </p:txBody>
       </p:sp>
@@ -7645,15 +7958,22 @@
   <p:clrMapOvr>
     <a:masterClrMapping/>
   </p:clrMapOvr>
+  <p:timing>
+    <p:tnLst>
+      <p:par>
+        <p:cTn id="1" dur="indefinite" restart="never" nodeType="tmRoot"/>
+      </p:par>
+    </p:tnLst>
+  </p:timing>
 </p:sld>
 </file>
 
 <file path=ppt/slides/slide5.xml><?xml version="1.0" encoding="utf-8"?>
-<p:sld xmlns:a="http://schemas.openxmlformats.org/drawingml/2006/main" xmlns:r="http://schemas.openxmlformats.org/officeDocument/2006/relationships" xmlns:mc="http://schemas.openxmlformats.org/markup-compatibility/2006" xmlns:mv="urn:schemas-microsoft-com:mac:vml" xmlns:p="http://schemas.openxmlformats.org/presentationml/2006/main" xmlns:c="http://schemas.openxmlformats.org/drawingml/2006/chart" xmlns:dgm="http://schemas.openxmlformats.org/drawingml/2006/diagram" xmlns:o="urn:schemas-microsoft-com:office:office" xmlns:v="urn:schemas-microsoft-com:vml" xmlns:pvml="urn:schemas-microsoft-com:office:powerpoint" xmlns:com="http://schemas.openxmlformats.org/drawingml/2006/compatibility" xmlns:p14="http://schemas.microsoft.com/office/powerpoint/2010/main" xmlns:p15="http://schemas.microsoft.com/office/powerpoint/2012/main">
+<p:sld xmlns:a="http://schemas.openxmlformats.org/drawingml/2006/main" xmlns:r="http://schemas.openxmlformats.org/officeDocument/2006/relationships" xmlns:p="http://schemas.openxmlformats.org/presentationml/2006/main">
   <p:cSld>
     <p:spTree>
       <p:nvGrpSpPr>
-        <p:cNvPr id="80" name="Shape 80"/>
+        <p:cNvPr id="1" name="Shape 80"/>
         <p:cNvGrpSpPr/>
         <p:nvPr/>
       </p:nvGrpSpPr>
@@ -7668,7 +7988,9 @@
       <p:sp>
         <p:nvSpPr>
           <p:cNvPr id="81" name="Google Shape;81;p17"/>
-          <p:cNvSpPr txBox="1"/>
+          <p:cNvSpPr txBox="1">
+            <a:spLocks noGrp="1"/>
+          </p:cNvSpPr>
           <p:nvPr>
             <p:ph type="title"/>
           </p:nvPr>
@@ -7683,12 +8005,12 @@
           </a:prstGeom>
         </p:spPr>
         <p:txBody>
-          <a:bodyPr anchorCtr="0" anchor="t" bIns="91425" lIns="91425" spcFirstLastPara="1" rIns="91425" wrap="square" tIns="91425">
+          <a:bodyPr spcFirstLastPara="1" wrap="square" lIns="91425" tIns="91425" rIns="91425" bIns="91425" anchor="t" anchorCtr="0">
             <a:noAutofit/>
           </a:bodyPr>
           <a:lstStyle/>
           <a:p>
-            <a:pPr indent="0" lvl="0" marL="0" rtl="0" algn="l">
+            <a:pPr marL="0" lvl="0" indent="0" algn="l" rtl="0">
               <a:spcBef>
                 <a:spcPts val="0"/>
               </a:spcBef>
@@ -7698,19 +8020,21 @@
               <a:buNone/>
             </a:pPr>
             <a:r>
-              <a:rPr lang="en"/>
+              <a:rPr lang="en" dirty="0"/>
               <a:t>Part 1: Hybrid images</a:t>
             </a:r>
-            <a:endParaRPr/>
+            <a:endParaRPr dirty="0"/>
           </a:p>
         </p:txBody>
       </p:sp>
       <p:sp>
         <p:nvSpPr>
           <p:cNvPr id="82" name="Google Shape;82;p17"/>
-          <p:cNvSpPr txBox="1"/>
+          <p:cNvSpPr txBox="1">
+            <a:spLocks noGrp="1"/>
+          </p:cNvSpPr>
           <p:nvPr>
-            <p:ph idx="1" type="body"/>
+            <p:ph type="body" idx="1"/>
           </p:nvPr>
         </p:nvSpPr>
         <p:spPr>
@@ -7723,34 +8047,61 @@
           </a:prstGeom>
         </p:spPr>
         <p:txBody>
-          <a:bodyPr anchorCtr="0" anchor="t" bIns="91425" lIns="91425" spcFirstLastPara="1" rIns="91425" wrap="square" tIns="91425">
+          <a:bodyPr spcFirstLastPara="1" wrap="square" lIns="91425" tIns="91425" rIns="91425" bIns="91425" anchor="t" anchorCtr="0">
             <a:noAutofit/>
           </a:bodyPr>
           <a:lstStyle/>
           <a:p>
-            <a:pPr indent="0" lvl="0" marL="0" rtl="0" algn="l">
-              <a:spcBef>
-                <a:spcPts val="0"/>
-              </a:spcBef>
+            <a:pPr marL="0" indent="0">
               <a:spcAft>
                 <a:spcPts val="1600"/>
               </a:spcAft>
               <a:buNone/>
             </a:pPr>
             <a:r>
-              <a:rPr lang="en"/>
-              <a:t>&lt;Describe your implementation of create_hybrid_image() here.&gt;</a:t>
+              <a:rPr lang="en-US" dirty="0" smtClean="0"/>
+              <a:t>I used </a:t>
             </a:r>
-            <a:endParaRPr/>
+            <a:r>
+              <a:rPr lang="en-US" dirty="0" err="1" smtClean="0"/>
+              <a:t>my_imfilter</a:t>
+            </a:r>
+            <a:r>
+              <a:rPr lang="en-US" dirty="0" smtClean="0"/>
+              <a:t>() to get the low frequency filtered version of both images a and b, and subtracted the filtered image b one from the original image b to get the high frequency one. Then I added the low frequency version of image a and high frequency version of image b to get the final hybrid image. I used </a:t>
+            </a:r>
+            <a:r>
+              <a:rPr lang="en-US" dirty="0" err="1" smtClean="0"/>
+              <a:t>numpy.clip</a:t>
+            </a:r>
+            <a:r>
+              <a:rPr lang="en-US" dirty="0" smtClean="0"/>
+              <a:t>() to make sure the pixel values are between 0 and 1</a:t>
+            </a:r>
+            <a:endParaRPr lang="en-US" dirty="0"/>
+          </a:p>
+          <a:p>
+            <a:pPr marL="0" lvl="0" indent="0" algn="l" rtl="0">
+              <a:spcBef>
+                <a:spcPts val="0"/>
+              </a:spcBef>
+              <a:spcAft>
+                <a:spcPts val="1600"/>
+              </a:spcAft>
+              <a:buNone/>
+            </a:pPr>
+            <a:endParaRPr dirty="0"/>
           </a:p>
         </p:txBody>
       </p:sp>
       <p:sp>
         <p:nvSpPr>
           <p:cNvPr id="83" name="Google Shape;83;p17"/>
-          <p:cNvSpPr txBox="1"/>
+          <p:cNvSpPr txBox="1">
+            <a:spLocks noGrp="1"/>
+          </p:cNvSpPr>
           <p:nvPr>
-            <p:ph idx="2" type="body"/>
+            <p:ph type="body" idx="2"/>
           </p:nvPr>
         </p:nvSpPr>
         <p:spPr>
@@ -7763,12 +8114,12 @@
           </a:prstGeom>
         </p:spPr>
         <p:txBody>
-          <a:bodyPr anchorCtr="0" anchor="t" bIns="91425" lIns="91425" spcFirstLastPara="1" rIns="91425" wrap="square" tIns="91425">
+          <a:bodyPr spcFirstLastPara="1" wrap="square" lIns="91425" tIns="91425" rIns="91425" bIns="91425" anchor="t" anchorCtr="0">
             <a:noAutofit/>
           </a:bodyPr>
           <a:lstStyle/>
           <a:p>
-            <a:pPr indent="0" lvl="0" marL="0" rtl="0" algn="l">
+            <a:pPr marL="0" lvl="0" indent="0" algn="l" rtl="0">
               <a:spcBef>
                 <a:spcPts val="0"/>
               </a:spcBef>
@@ -7783,13 +8134,13 @@
               <a:buNone/>
             </a:pPr>
             <a:r>
-              <a:rPr b="1" lang="en"/>
+              <a:rPr lang="en" b="1" dirty="0"/>
               <a:t>Cat + Dog</a:t>
             </a:r>
-            <a:endParaRPr b="1"/>
-          </a:p>
-          <a:p>
-            <a:pPr indent="0" lvl="0" marL="0" rtl="0" algn="l">
+            <a:endParaRPr b="1" dirty="0"/>
+          </a:p>
+          <a:p>
+            <a:pPr marL="0" lvl="0" indent="0" algn="l" rtl="0">
               <a:spcBef>
                 <a:spcPts val="1600"/>
               </a:spcBef>
@@ -7804,13 +8155,13 @@
               <a:buNone/>
             </a:pPr>
             <a:r>
-              <a:rPr lang="en"/>
-              <a:t>&lt;insert your hybrid image here&gt;</a:t>
+              <a:rPr lang="en-US" dirty="0" smtClean="0"/>
+              <a:t> </a:t>
             </a:r>
-            <a:endParaRPr/>
-          </a:p>
-          <a:p>
-            <a:pPr indent="0" lvl="0" marL="0" rtl="0" algn="l">
+            <a:endParaRPr dirty="0" smtClean="0"/>
+          </a:p>
+          <a:p>
+            <a:pPr marL="0" lvl="0" indent="0" algn="l" rtl="0">
               <a:spcBef>
                 <a:spcPts val="1600"/>
               </a:spcBef>
@@ -7824,13 +8175,10 @@
               <a:buFont typeface="Arial"/>
               <a:buNone/>
             </a:pPr>
-            <a:r>
-              <a:t/>
-            </a:r>
-            <a:endParaRPr/>
-          </a:p>
-          <a:p>
-            <a:pPr indent="0" lvl="0" marL="0" rtl="0" algn="l">
+            <a:endParaRPr dirty="0"/>
+          </a:p>
+          <a:p>
+            <a:pPr marL="0" lvl="0" indent="0" algn="l" rtl="0">
               <a:spcBef>
                 <a:spcPts val="1600"/>
               </a:spcBef>
@@ -7844,13 +8192,10 @@
               <a:buFont typeface="Arial"/>
               <a:buNone/>
             </a:pPr>
-            <a:r>
-              <a:t/>
-            </a:r>
-            <a:endParaRPr/>
-          </a:p>
-          <a:p>
-            <a:pPr indent="0" lvl="0" marL="0" rtl="0" algn="l">
+            <a:endParaRPr dirty="0"/>
+          </a:p>
+          <a:p>
+            <a:pPr marL="0" lvl="0" indent="0" algn="l" rtl="0">
               <a:spcBef>
                 <a:spcPts val="1600"/>
               </a:spcBef>
@@ -7864,13 +8209,10 @@
               <a:buFont typeface="Arial"/>
               <a:buNone/>
             </a:pPr>
-            <a:r>
-              <a:t/>
-            </a:r>
-            <a:endParaRPr/>
-          </a:p>
-          <a:p>
-            <a:pPr indent="0" lvl="0" marL="0" rtl="0" algn="l">
+            <a:endParaRPr dirty="0"/>
+          </a:p>
+          <a:p>
+            <a:pPr marL="0" lvl="0" indent="0" algn="l" rtl="0">
               <a:spcBef>
                 <a:spcPts val="1600"/>
               </a:spcBef>
@@ -7884,13 +8226,10 @@
               <a:buFont typeface="Arial"/>
               <a:buNone/>
             </a:pPr>
-            <a:r>
-              <a:t/>
-            </a:r>
-            <a:endParaRPr/>
-          </a:p>
-          <a:p>
-            <a:pPr indent="0" lvl="0" marL="0" rtl="0" algn="l">
+            <a:endParaRPr dirty="0"/>
+          </a:p>
+          <a:p>
+            <a:pPr marL="0" lvl="0" indent="0" algn="l" rtl="0">
               <a:spcBef>
                 <a:spcPts val="1600"/>
               </a:spcBef>
@@ -7900,27 +8239,68 @@
               <a:buNone/>
             </a:pPr>
             <a:r>
-              <a:rPr lang="en"/>
-              <a:t>Cutoff frequency: &lt;insert the value you used for this image pair&gt;</a:t>
+              <a:rPr lang="en" dirty="0"/>
+              <a:t>Cutoff frequency: </a:t>
             </a:r>
-            <a:endParaRPr b="1"/>
+            <a:r>
+              <a:rPr lang="en-US" dirty="0" smtClean="0"/>
+              <a:t>5</a:t>
+            </a:r>
+            <a:endParaRPr b="1" dirty="0"/>
           </a:p>
         </p:txBody>
       </p:sp>
+      <p:pic>
+        <p:nvPicPr>
+          <p:cNvPr id="4" name="Picture 3"/>
+          <p:cNvPicPr>
+            <a:picLocks noChangeAspect="1"/>
+          </p:cNvPicPr>
+          <p:nvPr/>
+        </p:nvPicPr>
+        <p:blipFill>
+          <a:blip r:embed="rId3">
+            <a:extLst>
+              <a:ext uri="{28A0092B-C50C-407E-A947-70E740481C1C}">
+                <a14:useLocalDpi xmlns:a14="http://schemas.microsoft.com/office/drawing/2010/main" val="0"/>
+              </a:ext>
+            </a:extLst>
+          </a:blip>
+          <a:stretch>
+            <a:fillRect/>
+          </a:stretch>
+        </p:blipFill>
+        <p:spPr>
+          <a:xfrm>
+            <a:off x="4832400" y="1605280"/>
+            <a:ext cx="2492437" cy="2194560"/>
+          </a:xfrm>
+          <a:prstGeom prst="rect">
+            <a:avLst/>
+          </a:prstGeom>
+        </p:spPr>
+      </p:pic>
     </p:spTree>
   </p:cSld>
   <p:clrMapOvr>
     <a:masterClrMapping/>
   </p:clrMapOvr>
+  <p:timing>
+    <p:tnLst>
+      <p:par>
+        <p:cTn id="1" dur="indefinite" restart="never" nodeType="tmRoot"/>
+      </p:par>
+    </p:tnLst>
+  </p:timing>
 </p:sld>
 </file>
 
 <file path=ppt/slides/slide6.xml><?xml version="1.0" encoding="utf-8"?>
-<p:sld xmlns:a="http://schemas.openxmlformats.org/drawingml/2006/main" xmlns:r="http://schemas.openxmlformats.org/officeDocument/2006/relationships" xmlns:mc="http://schemas.openxmlformats.org/markup-compatibility/2006" xmlns:mv="urn:schemas-microsoft-com:mac:vml" xmlns:p="http://schemas.openxmlformats.org/presentationml/2006/main" xmlns:c="http://schemas.openxmlformats.org/drawingml/2006/chart" xmlns:dgm="http://schemas.openxmlformats.org/drawingml/2006/diagram" xmlns:o="urn:schemas-microsoft-com:office:office" xmlns:v="urn:schemas-microsoft-com:vml" xmlns:pvml="urn:schemas-microsoft-com:office:powerpoint" xmlns:com="http://schemas.openxmlformats.org/drawingml/2006/compatibility" xmlns:p14="http://schemas.microsoft.com/office/powerpoint/2010/main" xmlns:p15="http://schemas.microsoft.com/office/powerpoint/2012/main">
+<p:sld xmlns:a="http://schemas.openxmlformats.org/drawingml/2006/main" xmlns:r="http://schemas.openxmlformats.org/officeDocument/2006/relationships" xmlns:p="http://schemas.openxmlformats.org/presentationml/2006/main">
   <p:cSld>
     <p:spTree>
       <p:nvGrpSpPr>
-        <p:cNvPr id="87" name="Shape 87"/>
+        <p:cNvPr id="1" name="Shape 87"/>
         <p:cNvGrpSpPr/>
         <p:nvPr/>
       </p:nvGrpSpPr>
@@ -7935,7 +8315,9 @@
       <p:sp>
         <p:nvSpPr>
           <p:cNvPr id="88" name="Google Shape;88;p18"/>
-          <p:cNvSpPr txBox="1"/>
+          <p:cNvSpPr txBox="1">
+            <a:spLocks noGrp="1"/>
+          </p:cNvSpPr>
           <p:nvPr>
             <p:ph type="title"/>
           </p:nvPr>
@@ -7950,12 +8332,12 @@
           </a:prstGeom>
         </p:spPr>
         <p:txBody>
-          <a:bodyPr anchorCtr="0" anchor="t" bIns="91425" lIns="91425" spcFirstLastPara="1" rIns="91425" wrap="square" tIns="91425">
+          <a:bodyPr spcFirstLastPara="1" wrap="square" lIns="91425" tIns="91425" rIns="91425" bIns="91425" anchor="t" anchorCtr="0">
             <a:noAutofit/>
           </a:bodyPr>
           <a:lstStyle/>
           <a:p>
-            <a:pPr indent="0" lvl="0" marL="0" rtl="0" algn="l">
+            <a:pPr marL="0" lvl="0" indent="0" algn="l" rtl="0">
               <a:spcBef>
                 <a:spcPts val="0"/>
               </a:spcBef>
@@ -7975,9 +8357,11 @@
       <p:sp>
         <p:nvSpPr>
           <p:cNvPr id="89" name="Google Shape;89;p18"/>
-          <p:cNvSpPr txBox="1"/>
+          <p:cNvSpPr txBox="1">
+            <a:spLocks noGrp="1"/>
+          </p:cNvSpPr>
           <p:nvPr>
-            <p:ph idx="1" type="body"/>
+            <p:ph type="body" idx="1"/>
           </p:nvPr>
         </p:nvSpPr>
         <p:spPr>
@@ -7990,12 +8374,12 @@
           </a:prstGeom>
         </p:spPr>
         <p:txBody>
-          <a:bodyPr anchorCtr="0" anchor="t" bIns="91425" lIns="91425" spcFirstLastPara="1" rIns="91425" wrap="square" tIns="91425">
+          <a:bodyPr spcFirstLastPara="1" wrap="square" lIns="91425" tIns="91425" rIns="91425" bIns="91425" anchor="t" anchorCtr="0">
             <a:noAutofit/>
           </a:bodyPr>
           <a:lstStyle/>
           <a:p>
-            <a:pPr indent="0" lvl="0" marL="0" rtl="0" algn="l">
+            <a:pPr marL="0" lvl="0" indent="0" algn="l" rtl="0">
               <a:spcBef>
                 <a:spcPts val="0"/>
               </a:spcBef>
@@ -8005,13 +8389,13 @@
               <a:buNone/>
             </a:pPr>
             <a:r>
-              <a:rPr b="1" lang="en"/>
+              <a:rPr lang="en" b="1" dirty="0"/>
               <a:t>Motorcycle + Bicycle</a:t>
             </a:r>
-            <a:endParaRPr/>
-          </a:p>
-          <a:p>
-            <a:pPr indent="0" lvl="0" marL="0" rtl="0" algn="l">
+            <a:endParaRPr dirty="0"/>
+          </a:p>
+          <a:p>
+            <a:pPr marL="0" lvl="0" indent="0" algn="l" rtl="0">
               <a:spcBef>
                 <a:spcPts val="1600"/>
               </a:spcBef>
@@ -8021,95 +8405,89 @@
               <a:buNone/>
             </a:pPr>
             <a:r>
-              <a:rPr lang="en"/>
-              <a:t>&lt;insert your hybrid image here&gt;</a:t>
+              <a:rPr lang="en-US" dirty="0" smtClean="0"/>
+              <a:t> </a:t>
             </a:r>
-            <a:endParaRPr/>
-          </a:p>
-          <a:p>
-            <a:pPr indent="0" lvl="0" marL="0" rtl="0" algn="l">
-              <a:spcBef>
-                <a:spcPts val="1600"/>
-              </a:spcBef>
-              <a:spcAft>
-                <a:spcPts val="0"/>
+            <a:endParaRPr dirty="0"/>
+          </a:p>
+          <a:p>
+            <a:pPr marL="0" lvl="0" indent="0" algn="l" rtl="0">
+              <a:spcBef>
+                <a:spcPts val="1600"/>
+              </a:spcBef>
+              <a:spcAft>
+                <a:spcPts val="0"/>
+              </a:spcAft>
+              <a:buNone/>
+            </a:pPr>
+            <a:endParaRPr dirty="0"/>
+          </a:p>
+          <a:p>
+            <a:pPr marL="0" lvl="0" indent="0" algn="l" rtl="0">
+              <a:spcBef>
+                <a:spcPts val="1600"/>
+              </a:spcBef>
+              <a:spcAft>
+                <a:spcPts val="0"/>
+              </a:spcAft>
+              <a:buNone/>
+            </a:pPr>
+            <a:endParaRPr dirty="0"/>
+          </a:p>
+          <a:p>
+            <a:pPr marL="0" lvl="0" indent="0" algn="l" rtl="0">
+              <a:spcBef>
+                <a:spcPts val="1600"/>
+              </a:spcBef>
+              <a:spcAft>
+                <a:spcPts val="0"/>
+              </a:spcAft>
+              <a:buNone/>
+            </a:pPr>
+            <a:endParaRPr dirty="0"/>
+          </a:p>
+          <a:p>
+            <a:pPr marL="0" lvl="0" indent="0" algn="l" rtl="0">
+              <a:spcBef>
+                <a:spcPts val="1600"/>
+              </a:spcBef>
+              <a:spcAft>
+                <a:spcPts val="0"/>
+              </a:spcAft>
+              <a:buNone/>
+            </a:pPr>
+            <a:endParaRPr dirty="0"/>
+          </a:p>
+          <a:p>
+            <a:pPr marL="0" lvl="0" indent="0" algn="l" rtl="0">
+              <a:spcBef>
+                <a:spcPts val="1600"/>
+              </a:spcBef>
+              <a:spcAft>
+                <a:spcPts val="1600"/>
               </a:spcAft>
               <a:buNone/>
             </a:pPr>
             <a:r>
-              <a:t/>
+              <a:rPr lang="en" dirty="0"/>
+              <a:t>Cutoff frequency: </a:t>
             </a:r>
-            <a:endParaRPr/>
-          </a:p>
-          <a:p>
-            <a:pPr indent="0" lvl="0" marL="0" rtl="0" algn="l">
-              <a:spcBef>
-                <a:spcPts val="1600"/>
-              </a:spcBef>
-              <a:spcAft>
-                <a:spcPts val="0"/>
-              </a:spcAft>
-              <a:buNone/>
-            </a:pPr>
             <a:r>
-              <a:t/>
+              <a:rPr lang="en-US" dirty="0"/>
+              <a:t>3</a:t>
             </a:r>
-            <a:endParaRPr/>
-          </a:p>
-          <a:p>
-            <a:pPr indent="0" lvl="0" marL="0" rtl="0" algn="l">
-              <a:spcBef>
-                <a:spcPts val="1600"/>
-              </a:spcBef>
-              <a:spcAft>
-                <a:spcPts val="0"/>
-              </a:spcAft>
-              <a:buNone/>
-            </a:pPr>
-            <a:r>
-              <a:t/>
-            </a:r>
-            <a:endParaRPr/>
-          </a:p>
-          <a:p>
-            <a:pPr indent="0" lvl="0" marL="0" rtl="0" algn="l">
-              <a:spcBef>
-                <a:spcPts val="1600"/>
-              </a:spcBef>
-              <a:spcAft>
-                <a:spcPts val="0"/>
-              </a:spcAft>
-              <a:buNone/>
-            </a:pPr>
-            <a:r>
-              <a:t/>
-            </a:r>
-            <a:endParaRPr/>
-          </a:p>
-          <a:p>
-            <a:pPr indent="0" lvl="0" marL="0" rtl="0" algn="l">
-              <a:spcBef>
-                <a:spcPts val="1600"/>
-              </a:spcBef>
-              <a:spcAft>
-                <a:spcPts val="1600"/>
-              </a:spcAft>
-              <a:buNone/>
-            </a:pPr>
-            <a:r>
-              <a:rPr lang="en"/>
-              <a:t>Cutoff frequency: &lt;insert the value you used for this image pair&gt;</a:t>
-            </a:r>
-            <a:endParaRPr b="1"/>
+            <a:endParaRPr b="1" dirty="0"/>
           </a:p>
         </p:txBody>
       </p:sp>
       <p:sp>
         <p:nvSpPr>
           <p:cNvPr id="90" name="Google Shape;90;p18"/>
-          <p:cNvSpPr txBox="1"/>
+          <p:cNvSpPr txBox="1">
+            <a:spLocks noGrp="1"/>
+          </p:cNvSpPr>
           <p:nvPr>
-            <p:ph idx="2" type="body"/>
+            <p:ph type="body" idx="2"/>
           </p:nvPr>
         </p:nvSpPr>
         <p:spPr>
@@ -8122,12 +8500,12 @@
           </a:prstGeom>
         </p:spPr>
         <p:txBody>
-          <a:bodyPr anchorCtr="0" anchor="t" bIns="91425" lIns="91425" spcFirstLastPara="1" rIns="91425" wrap="square" tIns="91425">
+          <a:bodyPr spcFirstLastPara="1" wrap="square" lIns="91425" tIns="91425" rIns="91425" bIns="91425" anchor="t" anchorCtr="0">
             <a:noAutofit/>
           </a:bodyPr>
           <a:lstStyle/>
           <a:p>
-            <a:pPr indent="0" lvl="0" marL="0" rtl="0" algn="l">
+            <a:pPr marL="0" lvl="0" indent="0" algn="l" rtl="0">
               <a:spcBef>
                 <a:spcPts val="0"/>
               </a:spcBef>
@@ -8137,13 +8515,13 @@
               <a:buNone/>
             </a:pPr>
             <a:r>
-              <a:rPr b="1" lang="en"/>
+              <a:rPr lang="en" b="1" dirty="0"/>
               <a:t>Plane + Bird</a:t>
             </a:r>
-            <a:endParaRPr/>
-          </a:p>
-          <a:p>
-            <a:pPr indent="0" lvl="0" marL="0" rtl="0" algn="l">
+            <a:endParaRPr dirty="0"/>
+          </a:p>
+          <a:p>
+            <a:pPr marL="0" lvl="0" indent="0" algn="l" rtl="0">
               <a:spcBef>
                 <a:spcPts val="1600"/>
               </a:spcBef>
@@ -8153,103 +8531,162 @@
               <a:buNone/>
             </a:pPr>
             <a:r>
-              <a:rPr lang="en"/>
-              <a:t>&lt;insert your hybrid image here&gt;</a:t>
+              <a:rPr lang="en-US" dirty="0" smtClean="0"/>
+              <a:t> </a:t>
             </a:r>
-            <a:endParaRPr/>
-          </a:p>
-          <a:p>
-            <a:pPr indent="0" lvl="0" marL="0" rtl="0" algn="l">
-              <a:spcBef>
-                <a:spcPts val="1600"/>
-              </a:spcBef>
-              <a:spcAft>
-                <a:spcPts val="0"/>
+            <a:endParaRPr dirty="0"/>
+          </a:p>
+          <a:p>
+            <a:pPr marL="0" lvl="0" indent="0" algn="l" rtl="0">
+              <a:spcBef>
+                <a:spcPts val="1600"/>
+              </a:spcBef>
+              <a:spcAft>
+                <a:spcPts val="0"/>
+              </a:spcAft>
+              <a:buNone/>
+            </a:pPr>
+            <a:endParaRPr dirty="0"/>
+          </a:p>
+          <a:p>
+            <a:pPr marL="0" lvl="0" indent="0" algn="l" rtl="0">
+              <a:spcBef>
+                <a:spcPts val="1600"/>
+              </a:spcBef>
+              <a:spcAft>
+                <a:spcPts val="0"/>
+              </a:spcAft>
+              <a:buNone/>
+            </a:pPr>
+            <a:endParaRPr dirty="0"/>
+          </a:p>
+          <a:p>
+            <a:pPr marL="0" lvl="0" indent="0" algn="l" rtl="0">
+              <a:spcBef>
+                <a:spcPts val="1600"/>
+              </a:spcBef>
+              <a:spcAft>
+                <a:spcPts val="0"/>
+              </a:spcAft>
+              <a:buNone/>
+            </a:pPr>
+            <a:endParaRPr dirty="0"/>
+          </a:p>
+          <a:p>
+            <a:pPr marL="0" lvl="0" indent="0" algn="l" rtl="0">
+              <a:spcBef>
+                <a:spcPts val="1600"/>
+              </a:spcBef>
+              <a:spcAft>
+                <a:spcPts val="0"/>
+              </a:spcAft>
+              <a:buNone/>
+            </a:pPr>
+            <a:endParaRPr dirty="0"/>
+          </a:p>
+          <a:p>
+            <a:pPr marL="0" lvl="0" indent="0" algn="l" rtl="0">
+              <a:spcBef>
+                <a:spcPts val="1600"/>
+              </a:spcBef>
+              <a:spcAft>
+                <a:spcPts val="1600"/>
               </a:spcAft>
               <a:buNone/>
             </a:pPr>
             <a:r>
-              <a:t/>
+              <a:rPr lang="en" dirty="0"/>
+              <a:t>Cutoff frequency: </a:t>
             </a:r>
-            <a:endParaRPr/>
-          </a:p>
-          <a:p>
-            <a:pPr indent="0" lvl="0" marL="0" rtl="0" algn="l">
-              <a:spcBef>
-                <a:spcPts val="1600"/>
-              </a:spcBef>
-              <a:spcAft>
-                <a:spcPts val="0"/>
-              </a:spcAft>
-              <a:buNone/>
-            </a:pPr>
             <a:r>
-              <a:t/>
+              <a:rPr lang="en-US" dirty="0" smtClean="0"/>
+              <a:t>7</a:t>
             </a:r>
-            <a:endParaRPr/>
-          </a:p>
-          <a:p>
-            <a:pPr indent="0" lvl="0" marL="0" rtl="0" algn="l">
-              <a:spcBef>
-                <a:spcPts val="1600"/>
-              </a:spcBef>
-              <a:spcAft>
-                <a:spcPts val="0"/>
-              </a:spcAft>
-              <a:buNone/>
-            </a:pPr>
-            <a:r>
-              <a:t/>
-            </a:r>
-            <a:endParaRPr/>
-          </a:p>
-          <a:p>
-            <a:pPr indent="0" lvl="0" marL="0" rtl="0" algn="l">
-              <a:spcBef>
-                <a:spcPts val="1600"/>
-              </a:spcBef>
-              <a:spcAft>
-                <a:spcPts val="0"/>
-              </a:spcAft>
-              <a:buNone/>
-            </a:pPr>
-            <a:r>
-              <a:t/>
-            </a:r>
-            <a:endParaRPr/>
-          </a:p>
-          <a:p>
-            <a:pPr indent="0" lvl="0" marL="0" rtl="0" algn="l">
-              <a:spcBef>
-                <a:spcPts val="1600"/>
-              </a:spcBef>
-              <a:spcAft>
-                <a:spcPts val="1600"/>
-              </a:spcAft>
-              <a:buNone/>
-            </a:pPr>
-            <a:r>
-              <a:rPr lang="en"/>
-              <a:t>Cutoff frequency: &lt;insert the value you used for this image pair&gt;</a:t>
-            </a:r>
-            <a:endParaRPr b="1"/>
+            <a:endParaRPr b="1" dirty="0"/>
           </a:p>
         </p:txBody>
       </p:sp>
+      <p:pic>
+        <p:nvPicPr>
+          <p:cNvPr id="3" name="Picture 2"/>
+          <p:cNvPicPr>
+            <a:picLocks noChangeAspect="1"/>
+          </p:cNvPicPr>
+          <p:nvPr/>
+        </p:nvPicPr>
+        <p:blipFill>
+          <a:blip r:embed="rId3">
+            <a:extLst>
+              <a:ext uri="{28A0092B-C50C-407E-A947-70E740481C1C}">
+                <a14:useLocalDpi xmlns:a14="http://schemas.microsoft.com/office/drawing/2010/main" val="0"/>
+              </a:ext>
+            </a:extLst>
+          </a:blip>
+          <a:stretch>
+            <a:fillRect/>
+          </a:stretch>
+        </p:blipFill>
+        <p:spPr>
+          <a:xfrm>
+            <a:off x="4832400" y="1601006"/>
+            <a:ext cx="2486284" cy="2194560"/>
+          </a:xfrm>
+          <a:prstGeom prst="rect">
+            <a:avLst/>
+          </a:prstGeom>
+        </p:spPr>
+      </p:pic>
+      <p:pic>
+        <p:nvPicPr>
+          <p:cNvPr id="4" name="Picture 3"/>
+          <p:cNvPicPr>
+            <a:picLocks noChangeAspect="1"/>
+          </p:cNvPicPr>
+          <p:nvPr/>
+        </p:nvPicPr>
+        <p:blipFill>
+          <a:blip r:embed="rId4">
+            <a:extLst>
+              <a:ext uri="{28A0092B-C50C-407E-A947-70E740481C1C}">
+                <a14:useLocalDpi xmlns:a14="http://schemas.microsoft.com/office/drawing/2010/main" val="0"/>
+              </a:ext>
+            </a:extLst>
+          </a:blip>
+          <a:stretch>
+            <a:fillRect/>
+          </a:stretch>
+        </p:blipFill>
+        <p:spPr>
+          <a:xfrm>
+            <a:off x="311700" y="1601006"/>
+            <a:ext cx="3313786" cy="2194560"/>
+          </a:xfrm>
+          <a:prstGeom prst="rect">
+            <a:avLst/>
+          </a:prstGeom>
+        </p:spPr>
+      </p:pic>
     </p:spTree>
   </p:cSld>
   <p:clrMapOvr>
     <a:masterClrMapping/>
   </p:clrMapOvr>
+  <p:timing>
+    <p:tnLst>
+      <p:par>
+        <p:cTn id="1" dur="indefinite" restart="never" nodeType="tmRoot"/>
+      </p:par>
+    </p:tnLst>
+  </p:timing>
 </p:sld>
 </file>
 
 <file path=ppt/slides/slide7.xml><?xml version="1.0" encoding="utf-8"?>
-<p:sld xmlns:a="http://schemas.openxmlformats.org/drawingml/2006/main" xmlns:r="http://schemas.openxmlformats.org/officeDocument/2006/relationships" xmlns:mc="http://schemas.openxmlformats.org/markup-compatibility/2006" xmlns:mv="urn:schemas-microsoft-com:mac:vml" xmlns:p="http://schemas.openxmlformats.org/presentationml/2006/main" xmlns:c="http://schemas.openxmlformats.org/drawingml/2006/chart" xmlns:dgm="http://schemas.openxmlformats.org/drawingml/2006/diagram" xmlns:o="urn:schemas-microsoft-com:office:office" xmlns:v="urn:schemas-microsoft-com:vml" xmlns:pvml="urn:schemas-microsoft-com:office:powerpoint" xmlns:com="http://schemas.openxmlformats.org/drawingml/2006/compatibility" xmlns:p14="http://schemas.microsoft.com/office/powerpoint/2010/main" xmlns:p15="http://schemas.microsoft.com/office/powerpoint/2012/main">
+<p:sld xmlns:a="http://schemas.openxmlformats.org/drawingml/2006/main" xmlns:r="http://schemas.openxmlformats.org/officeDocument/2006/relationships" xmlns:p="http://schemas.openxmlformats.org/presentationml/2006/main">
   <p:cSld>
     <p:spTree>
       <p:nvGrpSpPr>
-        <p:cNvPr id="94" name="Shape 94"/>
+        <p:cNvPr id="1" name="Shape 94"/>
         <p:cNvGrpSpPr/>
         <p:nvPr/>
       </p:nvGrpSpPr>
@@ -8264,7 +8701,9 @@
       <p:sp>
         <p:nvSpPr>
           <p:cNvPr id="95" name="Google Shape;95;p19"/>
-          <p:cNvSpPr txBox="1"/>
+          <p:cNvSpPr txBox="1">
+            <a:spLocks noGrp="1"/>
+          </p:cNvSpPr>
           <p:nvPr>
             <p:ph type="title"/>
           </p:nvPr>
@@ -8279,12 +8718,12 @@
           </a:prstGeom>
         </p:spPr>
         <p:txBody>
-          <a:bodyPr anchorCtr="0" anchor="t" bIns="91425" lIns="91425" spcFirstLastPara="1" rIns="91425" wrap="square" tIns="91425">
+          <a:bodyPr spcFirstLastPara="1" wrap="square" lIns="91425" tIns="91425" rIns="91425" bIns="91425" anchor="t" anchorCtr="0">
             <a:noAutofit/>
           </a:bodyPr>
           <a:lstStyle/>
           <a:p>
-            <a:pPr indent="0" lvl="0" marL="0" rtl="0" algn="l">
+            <a:pPr marL="0" lvl="0" indent="0" algn="l" rtl="0">
               <a:spcBef>
                 <a:spcPts val="0"/>
               </a:spcBef>
@@ -8304,9 +8743,11 @@
       <p:sp>
         <p:nvSpPr>
           <p:cNvPr id="96" name="Google Shape;96;p19"/>
-          <p:cNvSpPr txBox="1"/>
+          <p:cNvSpPr txBox="1">
+            <a:spLocks noGrp="1"/>
+          </p:cNvSpPr>
           <p:nvPr>
-            <p:ph idx="1" type="body"/>
+            <p:ph type="body" idx="1"/>
           </p:nvPr>
         </p:nvSpPr>
         <p:spPr>
@@ -8319,12 +8760,12 @@
           </a:prstGeom>
         </p:spPr>
         <p:txBody>
-          <a:bodyPr anchorCtr="0" anchor="t" bIns="91425" lIns="91425" spcFirstLastPara="1" rIns="91425" wrap="square" tIns="91425">
+          <a:bodyPr spcFirstLastPara="1" wrap="square" lIns="91425" tIns="91425" rIns="91425" bIns="91425" anchor="t" anchorCtr="0">
             <a:noAutofit/>
           </a:bodyPr>
           <a:lstStyle/>
           <a:p>
-            <a:pPr indent="0" lvl="0" marL="0" rtl="0" algn="l">
+            <a:pPr marL="0" lvl="0" indent="0" algn="l" rtl="0">
               <a:spcBef>
                 <a:spcPts val="0"/>
               </a:spcBef>
@@ -8339,13 +8780,13 @@
               <a:buNone/>
             </a:pPr>
             <a:r>
-              <a:rPr b="1" lang="en"/>
+              <a:rPr lang="en" b="1" dirty="0"/>
               <a:t>Einstein + Marilyn</a:t>
             </a:r>
-            <a:endParaRPr b="1"/>
-          </a:p>
-          <a:p>
-            <a:pPr indent="0" lvl="0" marL="0" rtl="0" algn="l">
+            <a:endParaRPr b="1" dirty="0"/>
+          </a:p>
+          <a:p>
+            <a:pPr marL="0" lvl="0" indent="0" algn="l" rtl="0">
               <a:spcBef>
                 <a:spcPts val="1600"/>
               </a:spcBef>
@@ -8360,13 +8801,13 @@
               <a:buNone/>
             </a:pPr>
             <a:r>
-              <a:rPr lang="en"/>
-              <a:t>&lt;insert your hybrid image here&gt;</a:t>
+              <a:rPr lang="en-US" dirty="0" smtClean="0"/>
+              <a:t> </a:t>
             </a:r>
-            <a:endParaRPr/>
-          </a:p>
-          <a:p>
-            <a:pPr indent="0" lvl="0" marL="0" rtl="0" algn="l">
+            <a:endParaRPr dirty="0"/>
+          </a:p>
+          <a:p>
+            <a:pPr marL="0" lvl="0" indent="0" algn="l" rtl="0">
               <a:spcBef>
                 <a:spcPts val="1600"/>
               </a:spcBef>
@@ -8380,13 +8821,10 @@
               <a:buFont typeface="Arial"/>
               <a:buNone/>
             </a:pPr>
-            <a:r>
-              <a:t/>
-            </a:r>
-            <a:endParaRPr/>
-          </a:p>
-          <a:p>
-            <a:pPr indent="0" lvl="0" marL="0" rtl="0" algn="l">
+            <a:endParaRPr dirty="0"/>
+          </a:p>
+          <a:p>
+            <a:pPr marL="0" lvl="0" indent="0" algn="l" rtl="0">
               <a:spcBef>
                 <a:spcPts val="1600"/>
               </a:spcBef>
@@ -8400,13 +8838,10 @@
               <a:buFont typeface="Arial"/>
               <a:buNone/>
             </a:pPr>
-            <a:r>
-              <a:t/>
-            </a:r>
-            <a:endParaRPr/>
-          </a:p>
-          <a:p>
-            <a:pPr indent="0" lvl="0" marL="0" rtl="0" algn="l">
+            <a:endParaRPr dirty="0"/>
+          </a:p>
+          <a:p>
+            <a:pPr marL="0" lvl="0" indent="0" algn="l" rtl="0">
               <a:spcBef>
                 <a:spcPts val="1600"/>
               </a:spcBef>
@@ -8420,13 +8855,10 @@
               <a:buFont typeface="Arial"/>
               <a:buNone/>
             </a:pPr>
-            <a:r>
-              <a:t/>
-            </a:r>
-            <a:endParaRPr/>
-          </a:p>
-          <a:p>
-            <a:pPr indent="0" lvl="0" marL="0" rtl="0" algn="l">
+            <a:endParaRPr dirty="0"/>
+          </a:p>
+          <a:p>
+            <a:pPr marL="0" lvl="0" indent="0" algn="l" rtl="0">
               <a:spcBef>
                 <a:spcPts val="1600"/>
               </a:spcBef>
@@ -8440,13 +8872,10 @@
               <a:buFont typeface="Arial"/>
               <a:buNone/>
             </a:pPr>
-            <a:r>
-              <a:t/>
-            </a:r>
-            <a:endParaRPr/>
-          </a:p>
-          <a:p>
-            <a:pPr indent="0" lvl="0" marL="0" rtl="0" algn="l">
+            <a:endParaRPr dirty="0"/>
+          </a:p>
+          <a:p>
+            <a:pPr marL="0" lvl="0" indent="0" algn="l" rtl="0">
               <a:spcBef>
                 <a:spcPts val="1600"/>
               </a:spcBef>
@@ -8456,19 +8885,25 @@
               <a:buNone/>
             </a:pPr>
             <a:r>
-              <a:rPr lang="en"/>
-              <a:t>Cutoff frequency: &lt;insert the value you used for this image pair&gt;</a:t>
+              <a:rPr lang="en" dirty="0"/>
+              <a:t>Cutoff frequency: </a:t>
             </a:r>
-            <a:endParaRPr/>
+            <a:r>
+              <a:rPr lang="en-US" dirty="0" smtClean="0"/>
+              <a:t>3</a:t>
+            </a:r>
+            <a:endParaRPr dirty="0"/>
           </a:p>
         </p:txBody>
       </p:sp>
       <p:sp>
         <p:nvSpPr>
           <p:cNvPr id="97" name="Google Shape;97;p19"/>
-          <p:cNvSpPr txBox="1"/>
+          <p:cNvSpPr txBox="1">
+            <a:spLocks noGrp="1"/>
+          </p:cNvSpPr>
           <p:nvPr>
-            <p:ph idx="2" type="body"/>
+            <p:ph type="body" idx="2"/>
           </p:nvPr>
         </p:nvSpPr>
         <p:spPr>
@@ -8481,12 +8916,12 @@
           </a:prstGeom>
         </p:spPr>
         <p:txBody>
-          <a:bodyPr anchorCtr="0" anchor="t" bIns="91425" lIns="91425" spcFirstLastPara="1" rIns="91425" wrap="square" tIns="91425">
+          <a:bodyPr spcFirstLastPara="1" wrap="square" lIns="91425" tIns="91425" rIns="91425" bIns="91425" anchor="t" anchorCtr="0">
             <a:noAutofit/>
           </a:bodyPr>
           <a:lstStyle/>
           <a:p>
-            <a:pPr indent="0" lvl="0" marL="0" rtl="0" algn="l">
+            <a:pPr marL="0" lvl="0" indent="0" algn="l" rtl="0">
               <a:spcBef>
                 <a:spcPts val="0"/>
               </a:spcBef>
@@ -8496,13 +8931,13 @@
               <a:buNone/>
             </a:pPr>
             <a:r>
-              <a:rPr b="1" lang="en"/>
+              <a:rPr lang="en" b="1" dirty="0"/>
               <a:t>Submarine + Fish</a:t>
             </a:r>
-            <a:endParaRPr b="1"/>
-          </a:p>
-          <a:p>
-            <a:pPr indent="0" lvl="0" marL="0" rtl="0" algn="l">
+            <a:endParaRPr b="1" dirty="0"/>
+          </a:p>
+          <a:p>
+            <a:pPr marL="0" lvl="0" indent="0" algn="l" rtl="0">
               <a:spcBef>
                 <a:spcPts val="1600"/>
               </a:spcBef>
@@ -8517,17 +8952,13 @@
               <a:buNone/>
             </a:pPr>
             <a:r>
-              <a:rPr lang="en"/>
-              <a:t>&lt;</a:t>
+              <a:rPr lang="en-US" dirty="0" smtClean="0"/>
+              <a:t> </a:t>
             </a:r>
-            <a:r>
-              <a:rPr lang="en"/>
-              <a:t>insert your hybrid image here&gt;</a:t>
-            </a:r>
-            <a:endParaRPr/>
-          </a:p>
-          <a:p>
-            <a:pPr indent="0" lvl="0" marL="0" rtl="0" algn="l">
+            <a:endParaRPr dirty="0"/>
+          </a:p>
+          <a:p>
+            <a:pPr marL="0" lvl="0" indent="0" algn="l" rtl="0">
               <a:spcBef>
                 <a:spcPts val="1600"/>
               </a:spcBef>
@@ -8541,13 +8972,10 @@
               <a:buFont typeface="Arial"/>
               <a:buNone/>
             </a:pPr>
-            <a:r>
-              <a:t/>
-            </a:r>
-            <a:endParaRPr/>
-          </a:p>
-          <a:p>
-            <a:pPr indent="0" lvl="0" marL="0" rtl="0" algn="l">
+            <a:endParaRPr dirty="0"/>
+          </a:p>
+          <a:p>
+            <a:pPr marL="0" lvl="0" indent="0" algn="l" rtl="0">
               <a:spcBef>
                 <a:spcPts val="1600"/>
               </a:spcBef>
@@ -8561,13 +8989,10 @@
               <a:buFont typeface="Arial"/>
               <a:buNone/>
             </a:pPr>
-            <a:r>
-              <a:t/>
-            </a:r>
-            <a:endParaRPr/>
-          </a:p>
-          <a:p>
-            <a:pPr indent="0" lvl="0" marL="0" rtl="0" algn="l">
+            <a:endParaRPr dirty="0"/>
+          </a:p>
+          <a:p>
+            <a:pPr marL="0" lvl="0" indent="0" algn="l" rtl="0">
               <a:spcBef>
                 <a:spcPts val="1600"/>
               </a:spcBef>
@@ -8581,13 +9006,10 @@
               <a:buFont typeface="Arial"/>
               <a:buNone/>
             </a:pPr>
-            <a:r>
-              <a:t/>
-            </a:r>
-            <a:endParaRPr/>
-          </a:p>
-          <a:p>
-            <a:pPr indent="0" lvl="0" marL="0" rtl="0" algn="l">
+            <a:endParaRPr dirty="0"/>
+          </a:p>
+          <a:p>
+            <a:pPr marL="0" lvl="0" indent="0" algn="l" rtl="0">
               <a:spcBef>
                 <a:spcPts val="1600"/>
               </a:spcBef>
@@ -8601,13 +9023,10 @@
               <a:buFont typeface="Arial"/>
               <a:buNone/>
             </a:pPr>
-            <a:r>
-              <a:t/>
-            </a:r>
-            <a:endParaRPr/>
-          </a:p>
-          <a:p>
-            <a:pPr indent="0" lvl="0" marL="0" rtl="0" algn="l">
+            <a:endParaRPr dirty="0"/>
+          </a:p>
+          <a:p>
+            <a:pPr marL="0" lvl="0" indent="0" algn="l" rtl="0">
               <a:spcBef>
                 <a:spcPts val="1600"/>
               </a:spcBef>
@@ -8622,27 +9041,98 @@
               <a:buNone/>
             </a:pPr>
             <a:r>
-              <a:rPr lang="en"/>
-              <a:t>Cutoff frequency: &lt;insert the value you used for this image pair&gt;</a:t>
+              <a:rPr lang="en" dirty="0"/>
+              <a:t>Cutoff frequency: </a:t>
             </a:r>
-            <a:endParaRPr b="1"/>
+            <a:r>
+              <a:rPr lang="en-US" dirty="0" smtClean="0"/>
+              <a:t>3</a:t>
+            </a:r>
+            <a:endParaRPr b="1" dirty="0"/>
           </a:p>
         </p:txBody>
       </p:sp>
+      <p:pic>
+        <p:nvPicPr>
+          <p:cNvPr id="2" name="Picture 1"/>
+          <p:cNvPicPr>
+            <a:picLocks noChangeAspect="1"/>
+          </p:cNvPicPr>
+          <p:nvPr/>
+        </p:nvPicPr>
+        <p:blipFill>
+          <a:blip r:embed="rId3">
+            <a:extLst>
+              <a:ext uri="{28A0092B-C50C-407E-A947-70E740481C1C}">
+                <a14:useLocalDpi xmlns:a14="http://schemas.microsoft.com/office/drawing/2010/main" val="0"/>
+              </a:ext>
+            </a:extLst>
+          </a:blip>
+          <a:stretch>
+            <a:fillRect/>
+          </a:stretch>
+        </p:blipFill>
+        <p:spPr>
+          <a:xfrm>
+            <a:off x="311700" y="1602619"/>
+            <a:ext cx="1863306" cy="2194560"/>
+          </a:xfrm>
+          <a:prstGeom prst="rect">
+            <a:avLst/>
+          </a:prstGeom>
+        </p:spPr>
+      </p:pic>
+      <p:pic>
+        <p:nvPicPr>
+          <p:cNvPr id="3" name="Picture 2"/>
+          <p:cNvPicPr>
+            <a:picLocks noChangeAspect="1"/>
+          </p:cNvPicPr>
+          <p:nvPr/>
+        </p:nvPicPr>
+        <p:blipFill>
+          <a:blip r:embed="rId4">
+            <a:extLst>
+              <a:ext uri="{28A0092B-C50C-407E-A947-70E740481C1C}">
+                <a14:useLocalDpi xmlns:a14="http://schemas.microsoft.com/office/drawing/2010/main" val="0"/>
+              </a:ext>
+            </a:extLst>
+          </a:blip>
+          <a:stretch>
+            <a:fillRect/>
+          </a:stretch>
+        </p:blipFill>
+        <p:spPr>
+          <a:xfrm>
+            <a:off x="4832400" y="1602619"/>
+            <a:ext cx="2680651" cy="2194560"/>
+          </a:xfrm>
+          <a:prstGeom prst="rect">
+            <a:avLst/>
+          </a:prstGeom>
+        </p:spPr>
+      </p:pic>
     </p:spTree>
   </p:cSld>
   <p:clrMapOvr>
     <a:masterClrMapping/>
   </p:clrMapOvr>
+  <p:timing>
+    <p:tnLst>
+      <p:par>
+        <p:cTn id="1" dur="indefinite" restart="never" nodeType="tmRoot"/>
+      </p:par>
+    </p:tnLst>
+  </p:timing>
 </p:sld>
 </file>
 
 <file path=ppt/slides/slide8.xml><?xml version="1.0" encoding="utf-8"?>
-<p:sld xmlns:a="http://schemas.openxmlformats.org/drawingml/2006/main" xmlns:r="http://schemas.openxmlformats.org/officeDocument/2006/relationships" xmlns:mc="http://schemas.openxmlformats.org/markup-compatibility/2006" xmlns:mv="urn:schemas-microsoft-com:mac:vml" xmlns:p="http://schemas.openxmlformats.org/presentationml/2006/main" xmlns:c="http://schemas.openxmlformats.org/drawingml/2006/chart" xmlns:dgm="http://schemas.openxmlformats.org/drawingml/2006/diagram" xmlns:o="urn:schemas-microsoft-com:office:office" xmlns:v="urn:schemas-microsoft-com:vml" xmlns:pvml="urn:schemas-microsoft-com:office:powerpoint" xmlns:com="http://schemas.openxmlformats.org/drawingml/2006/compatibility" xmlns:p14="http://schemas.microsoft.com/office/powerpoint/2010/main" xmlns:p15="http://schemas.microsoft.com/office/powerpoint/2012/main">
+<p:sld xmlns:a="http://schemas.openxmlformats.org/drawingml/2006/main" xmlns:r="http://schemas.openxmlformats.org/officeDocument/2006/relationships" xmlns:p="http://schemas.openxmlformats.org/presentationml/2006/main">
   <p:cSld>
     <p:spTree>
       <p:nvGrpSpPr>
-        <p:cNvPr id="101" name="Shape 101"/>
+        <p:cNvPr id="1" name="Shape 101"/>
         <p:cNvGrpSpPr/>
         <p:nvPr/>
       </p:nvGrpSpPr>
@@ -8657,7 +9147,9 @@
       <p:sp>
         <p:nvSpPr>
           <p:cNvPr id="102" name="Google Shape;102;p20"/>
-          <p:cNvSpPr txBox="1"/>
+          <p:cNvSpPr txBox="1">
+            <a:spLocks noGrp="1"/>
+          </p:cNvSpPr>
           <p:nvPr>
             <p:ph type="title"/>
           </p:nvPr>
@@ -8672,12 +9164,12 @@
           </a:prstGeom>
         </p:spPr>
         <p:txBody>
-          <a:bodyPr anchorCtr="0" anchor="t" bIns="91425" lIns="91425" spcFirstLastPara="1" rIns="91425" wrap="square" tIns="91425">
+          <a:bodyPr spcFirstLastPara="1" wrap="square" lIns="91425" tIns="91425" rIns="91425" bIns="91425" anchor="t" anchorCtr="0">
             <a:noAutofit/>
           </a:bodyPr>
           <a:lstStyle/>
           <a:p>
-            <a:pPr indent="0" lvl="0" marL="0" rtl="0" algn="l">
+            <a:pPr marL="0" lvl="0" indent="0" algn="l" rtl="0">
               <a:spcBef>
                 <a:spcPts val="0"/>
               </a:spcBef>
@@ -8697,9 +9189,11 @@
       <p:sp>
         <p:nvSpPr>
           <p:cNvPr id="103" name="Google Shape;103;p20"/>
-          <p:cNvSpPr txBox="1"/>
+          <p:cNvSpPr txBox="1">
+            <a:spLocks noGrp="1"/>
+          </p:cNvSpPr>
           <p:nvPr>
-            <p:ph idx="1" type="body"/>
+            <p:ph type="body" idx="1"/>
           </p:nvPr>
         </p:nvSpPr>
         <p:spPr>
@@ -8712,12 +9206,12 @@
           </a:prstGeom>
         </p:spPr>
         <p:txBody>
-          <a:bodyPr anchorCtr="0" anchor="t" bIns="91425" lIns="91425" spcFirstLastPara="1" rIns="91425" wrap="square" tIns="91425">
+          <a:bodyPr spcFirstLastPara="1" wrap="square" lIns="91425" tIns="91425" rIns="91425" bIns="91425" anchor="t" anchorCtr="0">
             <a:noAutofit/>
           </a:bodyPr>
           <a:lstStyle/>
           <a:p>
-            <a:pPr indent="0" lvl="0" marL="0" rtl="0" algn="l">
+            <a:pPr marL="0" lvl="0" indent="0" algn="l" rtl="0">
               <a:spcBef>
                 <a:spcPts val="0"/>
               </a:spcBef>
@@ -8732,13 +9226,13 @@
               <a:buNone/>
             </a:pPr>
             <a:r>
-              <a:rPr b="1" lang="en"/>
+              <a:rPr lang="en" b="1" dirty="0"/>
               <a:t>Cat + Dog</a:t>
             </a:r>
-            <a:endParaRPr b="1"/>
-          </a:p>
-          <a:p>
-            <a:pPr indent="0" lvl="0" marL="0" rtl="0" algn="l">
+            <a:endParaRPr b="1" dirty="0"/>
+          </a:p>
+          <a:p>
+            <a:pPr marL="0" lvl="0" indent="0" algn="l" rtl="0">
               <a:spcBef>
                 <a:spcPts val="1600"/>
               </a:spcBef>
@@ -8748,19 +9242,21 @@
               <a:buNone/>
             </a:pPr>
             <a:r>
-              <a:rPr lang="en"/>
-              <a:t>&lt;insert your hybrid image here&gt;</a:t>
+              <a:rPr lang="en-US" dirty="0" smtClean="0"/>
+              <a:t> </a:t>
             </a:r>
-            <a:endParaRPr/>
+            <a:endParaRPr dirty="0"/>
           </a:p>
         </p:txBody>
       </p:sp>
       <p:sp>
         <p:nvSpPr>
           <p:cNvPr id="104" name="Google Shape;104;p20"/>
-          <p:cNvSpPr txBox="1"/>
+          <p:cNvSpPr txBox="1">
+            <a:spLocks noGrp="1"/>
+          </p:cNvSpPr>
           <p:nvPr>
-            <p:ph idx="2" type="body"/>
+            <p:ph type="body" idx="2"/>
           </p:nvPr>
         </p:nvSpPr>
         <p:spPr>
@@ -8773,12 +9269,12 @@
           </a:prstGeom>
         </p:spPr>
         <p:txBody>
-          <a:bodyPr anchorCtr="0" anchor="t" bIns="91425" lIns="91425" spcFirstLastPara="1" rIns="91425" wrap="square" tIns="91425">
+          <a:bodyPr spcFirstLastPara="1" wrap="square" lIns="91425" tIns="91425" rIns="91425" bIns="91425" anchor="t" anchorCtr="0">
             <a:noAutofit/>
           </a:bodyPr>
           <a:lstStyle/>
           <a:p>
-            <a:pPr indent="0" lvl="0" marL="0" rtl="0" algn="l">
+            <a:pPr marL="0" lvl="0" indent="0" algn="l" rtl="0">
               <a:spcBef>
                 <a:spcPts val="0"/>
               </a:spcBef>
@@ -8793,13 +9289,13 @@
               <a:buNone/>
             </a:pPr>
             <a:r>
-              <a:rPr b="1" lang="en"/>
+              <a:rPr lang="en" b="1" dirty="0"/>
               <a:t>Motorcycle + Bicycle</a:t>
             </a:r>
-            <a:endParaRPr/>
-          </a:p>
-          <a:p>
-            <a:pPr indent="0" lvl="0" marL="0" rtl="0" algn="l">
+            <a:endParaRPr dirty="0"/>
+          </a:p>
+          <a:p>
+            <a:pPr marL="0" lvl="0" indent="0" algn="l" rtl="0">
               <a:spcBef>
                 <a:spcPts val="1600"/>
               </a:spcBef>
@@ -8809,27 +9305,94 @@
               <a:buNone/>
             </a:pPr>
             <a:r>
-              <a:rPr lang="en"/>
-              <a:t>&lt;insert your hybrid image here&gt;</a:t>
+              <a:rPr lang="en-US" dirty="0" smtClean="0"/>
+              <a:t> </a:t>
             </a:r>
-            <a:endParaRPr/>
+            <a:endParaRPr dirty="0"/>
           </a:p>
         </p:txBody>
       </p:sp>
+      <p:pic>
+        <p:nvPicPr>
+          <p:cNvPr id="2" name="Picture 1"/>
+          <p:cNvPicPr>
+            <a:picLocks noChangeAspect="1"/>
+          </p:cNvPicPr>
+          <p:nvPr/>
+        </p:nvPicPr>
+        <p:blipFill>
+          <a:blip r:embed="rId3">
+            <a:extLst>
+              <a:ext uri="{28A0092B-C50C-407E-A947-70E740481C1C}">
+                <a14:useLocalDpi xmlns:a14="http://schemas.microsoft.com/office/drawing/2010/main" val="0"/>
+              </a:ext>
+            </a:extLst>
+          </a:blip>
+          <a:stretch>
+            <a:fillRect/>
+          </a:stretch>
+        </p:blipFill>
+        <p:spPr>
+          <a:xfrm>
+            <a:off x="311700" y="1763395"/>
+            <a:ext cx="2492437" cy="2194560"/>
+          </a:xfrm>
+          <a:prstGeom prst="rect">
+            <a:avLst/>
+          </a:prstGeom>
+        </p:spPr>
+      </p:pic>
+      <p:pic>
+        <p:nvPicPr>
+          <p:cNvPr id="3" name="Picture 2"/>
+          <p:cNvPicPr>
+            <a:picLocks noChangeAspect="1"/>
+          </p:cNvPicPr>
+          <p:nvPr/>
+        </p:nvPicPr>
+        <p:blipFill>
+          <a:blip r:embed="rId4">
+            <a:extLst>
+              <a:ext uri="{28A0092B-C50C-407E-A947-70E740481C1C}">
+                <a14:useLocalDpi xmlns:a14="http://schemas.microsoft.com/office/drawing/2010/main" val="0"/>
+              </a:ext>
+            </a:extLst>
+          </a:blip>
+          <a:stretch>
+            <a:fillRect/>
+          </a:stretch>
+        </p:blipFill>
+        <p:spPr>
+          <a:xfrm>
+            <a:off x="4840388" y="1763395"/>
+            <a:ext cx="3313786" cy="2194560"/>
+          </a:xfrm>
+          <a:prstGeom prst="rect">
+            <a:avLst/>
+          </a:prstGeom>
+        </p:spPr>
+      </p:pic>
     </p:spTree>
   </p:cSld>
   <p:clrMapOvr>
     <a:masterClrMapping/>
   </p:clrMapOvr>
+  <p:timing>
+    <p:tnLst>
+      <p:par>
+        <p:cTn id="1" dur="indefinite" restart="never" nodeType="tmRoot"/>
+      </p:par>
+    </p:tnLst>
+  </p:timing>
 </p:sld>
 </file>
 
 <file path=ppt/slides/slide9.xml><?xml version="1.0" encoding="utf-8"?>
-<p:sld xmlns:a="http://schemas.openxmlformats.org/drawingml/2006/main" xmlns:r="http://schemas.openxmlformats.org/officeDocument/2006/relationships" xmlns:mc="http://schemas.openxmlformats.org/markup-compatibility/2006" xmlns:mv="urn:schemas-microsoft-com:mac:vml" xmlns:p="http://schemas.openxmlformats.org/presentationml/2006/main" xmlns:c="http://schemas.openxmlformats.org/drawingml/2006/chart" xmlns:dgm="http://schemas.openxmlformats.org/drawingml/2006/diagram" xmlns:o="urn:schemas-microsoft-com:office:office" xmlns:v="urn:schemas-microsoft-com:vml" xmlns:pvml="urn:schemas-microsoft-com:office:powerpoint" xmlns:com="http://schemas.openxmlformats.org/drawingml/2006/compatibility" xmlns:p14="http://schemas.microsoft.com/office/powerpoint/2010/main" xmlns:p15="http://schemas.microsoft.com/office/powerpoint/2012/main">
+<p:sld xmlns:a="http://schemas.openxmlformats.org/drawingml/2006/main" xmlns:r="http://schemas.openxmlformats.org/officeDocument/2006/relationships" xmlns:p="http://schemas.openxmlformats.org/presentationml/2006/main">
   <p:cSld>
     <p:spTree>
       <p:nvGrpSpPr>
-        <p:cNvPr id="108" name="Shape 108"/>
+        <p:cNvPr id="1" name="Shape 108"/>
         <p:cNvGrpSpPr/>
         <p:nvPr/>
       </p:nvGrpSpPr>
@@ -8844,7 +9407,9 @@
       <p:sp>
         <p:nvSpPr>
           <p:cNvPr id="109" name="Google Shape;109;p21"/>
-          <p:cNvSpPr txBox="1"/>
+          <p:cNvSpPr txBox="1">
+            <a:spLocks noGrp="1"/>
+          </p:cNvSpPr>
           <p:nvPr>
             <p:ph type="title"/>
           </p:nvPr>
@@ -8859,12 +9424,12 @@
           </a:prstGeom>
         </p:spPr>
         <p:txBody>
-          <a:bodyPr anchorCtr="0" anchor="t" bIns="91425" lIns="91425" spcFirstLastPara="1" rIns="91425" wrap="square" tIns="91425">
+          <a:bodyPr spcFirstLastPara="1" wrap="square" lIns="91425" tIns="91425" rIns="91425" bIns="91425" anchor="t" anchorCtr="0">
             <a:noAutofit/>
           </a:bodyPr>
           <a:lstStyle/>
           <a:p>
-            <a:pPr indent="0" lvl="0" marL="0" rtl="0" algn="l">
+            <a:pPr marL="0" lvl="0" indent="0" algn="l" rtl="0">
               <a:spcBef>
                 <a:spcPts val="0"/>
               </a:spcBef>
@@ -8884,9 +9449,11 @@
       <p:sp>
         <p:nvSpPr>
           <p:cNvPr id="110" name="Google Shape;110;p21"/>
-          <p:cNvSpPr txBox="1"/>
+          <p:cNvSpPr txBox="1">
+            <a:spLocks noGrp="1"/>
+          </p:cNvSpPr>
           <p:nvPr>
-            <p:ph idx="1" type="body"/>
+            <p:ph type="body" idx="1"/>
           </p:nvPr>
         </p:nvSpPr>
         <p:spPr>
@@ -8899,12 +9466,12 @@
           </a:prstGeom>
         </p:spPr>
         <p:txBody>
-          <a:bodyPr anchorCtr="0" anchor="t" bIns="91425" lIns="91425" spcFirstLastPara="1" rIns="91425" wrap="square" tIns="91425">
+          <a:bodyPr spcFirstLastPara="1" wrap="square" lIns="91425" tIns="91425" rIns="91425" bIns="91425" anchor="t" anchorCtr="0">
             <a:noAutofit/>
           </a:bodyPr>
           <a:lstStyle/>
           <a:p>
-            <a:pPr indent="0" lvl="0" marL="0" rtl="0" algn="l">
+            <a:pPr marL="0" lvl="0" indent="0" algn="l" rtl="0">
               <a:spcBef>
                 <a:spcPts val="0"/>
               </a:spcBef>
@@ -8919,13 +9486,13 @@
               <a:buNone/>
             </a:pPr>
             <a:r>
-              <a:rPr b="1" lang="en"/>
+              <a:rPr lang="en" b="1" dirty="0"/>
               <a:t>Plane + Bird</a:t>
             </a:r>
-            <a:endParaRPr/>
-          </a:p>
-          <a:p>
-            <a:pPr indent="0" lvl="0" marL="0" rtl="0" algn="l">
+            <a:endParaRPr dirty="0"/>
+          </a:p>
+          <a:p>
+            <a:pPr marL="0" lvl="0" indent="0" algn="l" rtl="0">
               <a:spcBef>
                 <a:spcPts val="1600"/>
               </a:spcBef>
@@ -8935,19 +9502,21 @@
               <a:buNone/>
             </a:pPr>
             <a:r>
-              <a:rPr lang="en"/>
-              <a:t>&lt;insert your hybrid image here&gt;</a:t>
+              <a:rPr lang="en-US" dirty="0" smtClean="0"/>
+              <a:t> </a:t>
             </a:r>
-            <a:endParaRPr/>
+            <a:endParaRPr dirty="0"/>
           </a:p>
         </p:txBody>
       </p:sp>
       <p:sp>
         <p:nvSpPr>
           <p:cNvPr id="111" name="Google Shape;111;p21"/>
-          <p:cNvSpPr txBox="1"/>
+          <p:cNvSpPr txBox="1">
+            <a:spLocks noGrp="1"/>
+          </p:cNvSpPr>
           <p:nvPr>
-            <p:ph idx="2" type="body"/>
+            <p:ph type="body" idx="2"/>
           </p:nvPr>
         </p:nvSpPr>
         <p:spPr>
@@ -8960,12 +9529,12 @@
           </a:prstGeom>
         </p:spPr>
         <p:txBody>
-          <a:bodyPr anchorCtr="0" anchor="t" bIns="91425" lIns="91425" spcFirstLastPara="1" rIns="91425" wrap="square" tIns="91425">
+          <a:bodyPr spcFirstLastPara="1" wrap="square" lIns="91425" tIns="91425" rIns="91425" bIns="91425" anchor="t" anchorCtr="0">
             <a:noAutofit/>
           </a:bodyPr>
           <a:lstStyle/>
           <a:p>
-            <a:pPr indent="0" lvl="0" marL="0" rtl="0" algn="l">
+            <a:pPr marL="0" lvl="0" indent="0" algn="l" rtl="0">
               <a:spcBef>
                 <a:spcPts val="0"/>
               </a:spcBef>
@@ -8975,39 +9544,94 @@
               <a:buNone/>
             </a:pPr>
             <a:r>
-              <a:rPr b="1" lang="en"/>
-              <a:t>Einstein + Marilyn</a:t>
+              <a:rPr lang="en" b="1" dirty="0"/>
+              <a:t>Einstein + </a:t>
             </a:r>
-            <a:endParaRPr b="1"/>
-          </a:p>
-          <a:p>
-            <a:pPr indent="0" lvl="0" marL="0" rtl="0" algn="l">
-              <a:spcBef>
-                <a:spcPts val="1600"/>
-              </a:spcBef>
-              <a:spcAft>
-                <a:spcPts val="1600"/>
-              </a:spcAft>
-              <a:buNone/>
-            </a:pPr>
             <a:r>
-              <a:rPr lang="en"/>
-              <a:t>&lt;insert your hybrid image here&gt;</a:t>
+              <a:rPr lang="en" b="1" dirty="0" smtClean="0"/>
+              <a:t>Marilyn</a:t>
             </a:r>
-            <a:endParaRPr/>
+            <a:endParaRPr b="1" dirty="0"/>
           </a:p>
         </p:txBody>
       </p:sp>
+      <p:pic>
+        <p:nvPicPr>
+          <p:cNvPr id="2" name="Picture 1"/>
+          <p:cNvPicPr>
+            <a:picLocks noChangeAspect="1"/>
+          </p:cNvPicPr>
+          <p:nvPr/>
+        </p:nvPicPr>
+        <p:blipFill>
+          <a:blip r:embed="rId3">
+            <a:extLst>
+              <a:ext uri="{28A0092B-C50C-407E-A947-70E740481C1C}">
+                <a14:useLocalDpi xmlns:a14="http://schemas.microsoft.com/office/drawing/2010/main" val="0"/>
+              </a:ext>
+            </a:extLst>
+          </a:blip>
+          <a:stretch>
+            <a:fillRect/>
+          </a:stretch>
+        </p:blipFill>
+        <p:spPr>
+          <a:xfrm>
+            <a:off x="311700" y="1763395"/>
+            <a:ext cx="2486284" cy="2194560"/>
+          </a:xfrm>
+          <a:prstGeom prst="rect">
+            <a:avLst/>
+          </a:prstGeom>
+        </p:spPr>
+      </p:pic>
+      <p:pic>
+        <p:nvPicPr>
+          <p:cNvPr id="3" name="Picture 2"/>
+          <p:cNvPicPr>
+            <a:picLocks noChangeAspect="1"/>
+          </p:cNvPicPr>
+          <p:nvPr/>
+        </p:nvPicPr>
+        <p:blipFill>
+          <a:blip r:embed="rId4">
+            <a:extLst>
+              <a:ext uri="{28A0092B-C50C-407E-A947-70E740481C1C}">
+                <a14:useLocalDpi xmlns:a14="http://schemas.microsoft.com/office/drawing/2010/main" val="0"/>
+              </a:ext>
+            </a:extLst>
+          </a:blip>
+          <a:stretch>
+            <a:fillRect/>
+          </a:stretch>
+        </p:blipFill>
+        <p:spPr>
+          <a:xfrm>
+            <a:off x="4942155" y="1763395"/>
+            <a:ext cx="1863306" cy="2194560"/>
+          </a:xfrm>
+          <a:prstGeom prst="rect">
+            <a:avLst/>
+          </a:prstGeom>
+        </p:spPr>
+      </p:pic>
     </p:spTree>
   </p:cSld>
   <p:clrMapOvr>
     <a:masterClrMapping/>
   </p:clrMapOvr>
+  <p:timing>
+    <p:tnLst>
+      <p:par>
+        <p:cTn id="1" dur="indefinite" restart="never" nodeType="tmRoot"/>
+      </p:par>
+    </p:tnLst>
+  </p:timing>
 </p:sld>
 </file>
 
 <file path=ppt/theme/theme1.xml><?xml version="1.0" encoding="utf-8"?>
-<a:theme xmlns:a="http://schemas.openxmlformats.org/drawingml/2006/main" xmlns:r="http://schemas.openxmlformats.org/officeDocument/2006/relationships" name="Simple Light">
+<a:theme xmlns:a="http://schemas.openxmlformats.org/drawingml/2006/main" name="Simple Light">
   <a:themeElements>
     <a:clrScheme name="Simple Light">
       <a:dk1>
@@ -9282,11 +9906,13 @@
       </a:bgFillStyleLst>
     </a:fmtScheme>
   </a:themeElements>
+  <a:objectDefaults/>
+  <a:extraClrSchemeLst/>
 </a:theme>
 </file>
 
 <file path=ppt/theme/theme2.xml><?xml version="1.0" encoding="utf-8"?>
-<a:theme xmlns:a="http://schemas.openxmlformats.org/drawingml/2006/main" xmlns:r="http://schemas.openxmlformats.org/officeDocument/2006/relationships">
+<a:theme xmlns:a="http://schemas.openxmlformats.org/drawingml/2006/main">
   <a:themeElements>
     <a:clrScheme name="Default">
       <a:dk1>
@@ -9561,5 +10187,7 @@
       </a:bgFillStyleLst>
     </a:fmtScheme>
   </a:themeElements>
+  <a:objectDefaults/>
+  <a:extraClrSchemeLst/>
 </a:theme>
 </file>